--- a/Система за избор на песен.pptx
+++ b/Система за избор на песен.pptx
@@ -24,9 +24,11 @@
     <p:sldId id="263" r:id="rId18"/>
     <p:sldId id="270" r:id="rId19"/>
     <p:sldId id="264" r:id="rId20"/>
-    <p:sldId id="265" r:id="rId21"/>
-    <p:sldId id="269" r:id="rId22"/>
-    <p:sldId id="277" r:id="rId23"/>
+    <p:sldId id="269" r:id="rId21"/>
+    <p:sldId id="280" r:id="rId22"/>
+    <p:sldId id="281" r:id="rId23"/>
+    <p:sldId id="282" r:id="rId24"/>
+    <p:sldId id="277" r:id="rId25"/>
   </p:sldIdLst>
   <p:sldSz cx="12192000" cy="6858000"/>
   <p:notesSz cx="6858000" cy="9144000"/>
@@ -125,6 +127,11 @@
       </a:defRPr>
     </a:lvl9pPr>
   </p:defaultTextStyle>
+  <p:extLst>
+    <p:ext uri="{EFAFB233-063F-42B5-8137-9DF3F51BA10A}">
+      <p15:sldGuideLst xmlns:p15="http://schemas.microsoft.com/office/powerpoint/2012/main"/>
+    </p:ext>
+  </p:extLst>
 </p:presentation>
 </file>
 
@@ -13417,6 +13424,18 @@
   <p:clrMapOvr>
     <a:masterClrMapping/>
   </p:clrMapOvr>
+  <mc:AlternateContent xmlns:mc="http://schemas.openxmlformats.org/markup-compatibility/2006">
+    <mc:Choice xmlns:p14="http://schemas.microsoft.com/office/powerpoint/2010/main" Requires="p14">
+      <p:transition spd="slow" p14:dur="1500">
+        <p:split orient="vert"/>
+      </p:transition>
+    </mc:Choice>
+    <mc:Fallback>
+      <p:transition spd="slow">
+        <p:split orient="vert"/>
+      </p:transition>
+    </mc:Fallback>
+  </mc:AlternateContent>
 </p:sld>
 </file>
 
@@ -13534,7 +13553,7 @@
                 <a:ea typeface="Calibri" panose="020F0502020204030204" pitchFamily="34" charset="0"/>
                 <a:cs typeface="Times New Roman" panose="02020603050405020304" pitchFamily="18" charset="0"/>
               </a:rPr>
-              <a:t>създаване на задачи от високо и ниско ниво</a:t>
+              <a:t>Създаване на задачи от високо и ниско ниво</a:t>
             </a:r>
           </a:p>
           <a:p>
@@ -13549,7 +13568,7 @@
                 <a:ea typeface="Calibri" panose="020F0502020204030204" pitchFamily="34" charset="0"/>
                 <a:cs typeface="Times New Roman" panose="02020603050405020304" pitchFamily="18" charset="0"/>
               </a:rPr>
-              <a:t>информация за ресурси (работни, материални, ценови)</a:t>
+              <a:t>Информация за ресурси (работни, материални, ценови)</a:t>
             </a:r>
             <a:endParaRPr lang="en-US" dirty="0">
               <a:effectLst/>
@@ -13615,7 +13634,7 @@
                 <a:ea typeface="Calibri" panose="020F0502020204030204" pitchFamily="34" charset="0"/>
                 <a:cs typeface="Times New Roman" panose="02020603050405020304" pitchFamily="18" charset="0"/>
               </a:rPr>
-              <a:t>задаване на срокове</a:t>
+              <a:t>Задаване на срокове</a:t>
             </a:r>
           </a:p>
           <a:p>
@@ -13630,7 +13649,7 @@
                 <a:ea typeface="Calibri" panose="020F0502020204030204" pitchFamily="34" charset="0"/>
                 <a:cs typeface="Times New Roman" panose="02020603050405020304" pitchFamily="18" charset="0"/>
               </a:rPr>
-              <a:t>разпределяне на задачите между членовете на екипа</a:t>
+              <a:t>Разпределяне на задачите между членовете на екипа</a:t>
             </a:r>
           </a:p>
           <a:p>
@@ -13645,7 +13664,7 @@
                 <a:ea typeface="Calibri" panose="020F0502020204030204" pitchFamily="34" charset="0"/>
                 <a:cs typeface="Times New Roman" panose="02020603050405020304" pitchFamily="18" charset="0"/>
               </a:rPr>
-              <a:t>бюджетиране</a:t>
+              <a:t>Бюджетиране</a:t>
             </a:r>
           </a:p>
           <a:p>
@@ -13663,7 +13682,7 @@
                 <a:ea typeface="Calibri" panose="020F0502020204030204" pitchFamily="34" charset="0"/>
                 <a:cs typeface="Times New Roman" panose="02020603050405020304" pitchFamily="18" charset="0"/>
               </a:rPr>
-              <a:t>изготвяне на отчети (</a:t>
+              <a:t>Изготвяне на отчети (</a:t>
             </a:r>
             <a:r>
               <a:rPr lang="en-US" dirty="0">
@@ -13730,6 +13749,18 @@
   <p:clrMapOvr>
     <a:masterClrMapping/>
   </p:clrMapOvr>
+  <mc:AlternateContent xmlns:mc="http://schemas.openxmlformats.org/markup-compatibility/2006">
+    <mc:Choice xmlns:p14="http://schemas.microsoft.com/office/powerpoint/2010/main" Requires="p14">
+      <p:transition spd="slow" p14:dur="1500">
+        <p:split orient="vert"/>
+      </p:transition>
+    </mc:Choice>
+    <mc:Fallback>
+      <p:transition spd="slow">
+        <p:split orient="vert"/>
+      </p:transition>
+    </mc:Fallback>
+  </mc:AlternateContent>
 </p:sld>
 </file>
 
@@ -13866,6 +13897,9 @@
   <p:clrMapOvr>
     <a:masterClrMapping/>
   </p:clrMapOvr>
+  <p:transition spd="slow">
+    <p:randomBar dir="vert"/>
+  </p:transition>
 </p:sld>
 </file>
 
@@ -13977,6 +14011,9 @@
   <p:clrMapOvr>
     <a:masterClrMapping/>
   </p:clrMapOvr>
+  <p:transition spd="slow">
+    <p:push dir="u"/>
+  </p:transition>
 </p:sld>
 </file>
 
@@ -14077,6 +14114,9 @@
   <p:clrMapOvr>
     <a:masterClrMapping/>
   </p:clrMapOvr>
+  <p:transition spd="med">
+    <p:pull/>
+  </p:transition>
 </p:sld>
 </file>
 
@@ -14147,7 +14187,7 @@
         </p:nvSpPr>
         <p:spPr>
           <a:xfrm>
-            <a:off x="1098411" y="2006595"/>
+            <a:off x="1008764" y="2006595"/>
             <a:ext cx="10331589" cy="4780283"/>
           </a:xfrm>
         </p:spPr>
@@ -14187,7 +14227,15 @@
           <a:p>
             <a:r>
               <a:rPr lang="ru-RU" sz="2200" dirty="0" err="1"/>
-              <a:t>Производителност</a:t>
+              <a:t>Повишаване</a:t>
+            </a:r>
+            <a:r>
+              <a:rPr lang="ru-RU" sz="2200" dirty="0"/>
+              <a:t> на </a:t>
+            </a:r>
+            <a:r>
+              <a:rPr lang="ru-RU" sz="2200" dirty="0" err="1"/>
+              <a:t>производителност</a:t>
             </a:r>
             <a:r>
               <a:rPr lang="ru-RU" sz="2200" dirty="0"/>
@@ -14308,87 +14356,50 @@
       </p:sp>
       <p:pic>
         <p:nvPicPr>
-          <p:cNvPr id="6" name="graphics9">
+          <p:cNvPr id="13" name="Картина 12">
             <a:extLst>
               <a:ext uri="{FF2B5EF4-FFF2-40B4-BE49-F238E27FC236}">
-                <a16:creationId xmlns:a16="http://schemas.microsoft.com/office/drawing/2014/main" id="{29349700-1736-3B6D-389B-94FDDE6F23D4}"/>
+                <a16:creationId xmlns:a16="http://schemas.microsoft.com/office/drawing/2014/main" id="{A61429E7-1EB2-ED46-3C97-23C56245FF8A}"/>
               </a:ext>
             </a:extLst>
           </p:cNvPr>
           <p:cNvPicPr>
-            <a:picLocks/>
+            <a:picLocks noChangeAspect="1"/>
           </p:cNvPicPr>
           <p:nvPr/>
         </p:nvPicPr>
-        <p:blipFill rotWithShape="1">
-          <a:blip r:embed="rId2"/>
-          <a:srcRect l="4616" r="6528"/>
-          <a:stretch/>
+        <p:blipFill>
+          <a:blip r:embed="rId2">
+            <a:extLst>
+              <a:ext uri="{28A0092B-C50C-407E-A947-70E740481C1C}">
+                <a14:useLocalDpi xmlns:a14="http://schemas.microsoft.com/office/drawing/2010/main" val="0"/>
+              </a:ext>
+            </a:extLst>
+          </a:blip>
+          <a:stretch>
+            <a:fillRect/>
+          </a:stretch>
         </p:blipFill>
         <p:spPr>
           <a:xfrm>
-            <a:off x="6096000" y="2495149"/>
-            <a:ext cx="5669280" cy="2488335"/>
+            <a:off x="5944724" y="1874517"/>
+            <a:ext cx="5809724" cy="4149803"/>
           </a:xfrm>
-          <a:prstGeom prst="roundRect">
-            <a:avLst>
-              <a:gd name="adj" fmla="val 8594"/>
-            </a:avLst>
+          <a:prstGeom prst="rect">
+            <a:avLst/>
           </a:prstGeom>
-          <a:solidFill>
-            <a:srgbClr val="FFFFFF">
-              <a:shade val="85000"/>
-            </a:srgbClr>
-          </a:solidFill>
           <a:ln>
             <a:noFill/>
           </a:ln>
           <a:effectLst>
-            <a:reflection blurRad="12700" stA="38000" endPos="28000" dist="5000" dir="5400000" sy="-100000" algn="bl" rotWithShape="0"/>
+            <a:outerShdw blurRad="292100" dist="139700" dir="2700000" algn="tl" rotWithShape="0">
+              <a:srgbClr val="333333">
+                <a:alpha val="65000"/>
+              </a:srgbClr>
+            </a:outerShdw>
           </a:effectLst>
         </p:spPr>
       </p:pic>
-      <p:cxnSp>
-        <p:nvCxnSpPr>
-          <p:cNvPr id="8" name="Съединител &quot;права стрелка&quot; 7">
-            <a:extLst>
-              <a:ext uri="{FF2B5EF4-FFF2-40B4-BE49-F238E27FC236}">
-                <a16:creationId xmlns:a16="http://schemas.microsoft.com/office/drawing/2014/main" id="{AC950C0F-E28F-225B-CA4F-53ACE7A9AE3B}"/>
-              </a:ext>
-            </a:extLst>
-          </p:cNvPr>
-          <p:cNvCxnSpPr>
-            <a:cxnSpLocks/>
-          </p:cNvCxnSpPr>
-          <p:nvPr/>
-        </p:nvCxnSpPr>
-        <p:spPr>
-          <a:xfrm flipV="1">
-            <a:off x="5605780" y="2921000"/>
-            <a:ext cx="309880" cy="457200"/>
-          </a:xfrm>
-          <a:prstGeom prst="straightConnector1">
-            <a:avLst/>
-          </a:prstGeom>
-          <a:ln w="19050">
-            <a:tailEnd type="triangle"/>
-          </a:ln>
-        </p:spPr>
-        <p:style>
-          <a:lnRef idx="2">
-            <a:schemeClr val="accent1"/>
-          </a:lnRef>
-          <a:fillRef idx="0">
-            <a:schemeClr val="accent1"/>
-          </a:fillRef>
-          <a:effectRef idx="1">
-            <a:schemeClr val="accent1"/>
-          </a:effectRef>
-          <a:fontRef idx="minor">
-            <a:schemeClr val="tx1"/>
-          </a:fontRef>
-        </p:style>
-      </p:cxnSp>
     </p:spTree>
     <p:extLst>
       <p:ext uri="{BB962C8B-B14F-4D97-AF65-F5344CB8AC3E}">
@@ -14399,6 +14410,133 @@
   <p:clrMapOvr>
     <a:masterClrMapping/>
   </p:clrMapOvr>
+  <p:transition spd="slow">
+    <p:push dir="u"/>
+  </p:transition>
+  <p:timing>
+    <p:tnLst>
+      <p:par>
+        <p:cTn id="1" dur="indefinite" restart="never" nodeType="tmRoot">
+          <p:childTnLst>
+            <p:seq concurrent="1" nextAc="seek">
+              <p:cTn id="2" dur="indefinite" nodeType="mainSeq">
+                <p:childTnLst>
+                  <p:par>
+                    <p:cTn id="3" fill="hold">
+                      <p:stCondLst>
+                        <p:cond delay="indefinite"/>
+                        <p:cond evt="onBegin" delay="0">
+                          <p:tn val="2"/>
+                        </p:cond>
+                      </p:stCondLst>
+                      <p:childTnLst>
+                        <p:par>
+                          <p:cTn id="4" fill="hold">
+                            <p:stCondLst>
+                              <p:cond delay="0"/>
+                            </p:stCondLst>
+                            <p:childTnLst>
+                              <p:par>
+                                <p:cTn id="5" presetID="2" presetClass="entr" presetSubtype="4" fill="hold" nodeType="afterEffect">
+                                  <p:stCondLst>
+                                    <p:cond delay="0"/>
+                                  </p:stCondLst>
+                                  <p:childTnLst>
+                                    <p:set>
+                                      <p:cBhvr>
+                                        <p:cTn id="6" dur="1" fill="hold">
+                                          <p:stCondLst>
+                                            <p:cond delay="0"/>
+                                          </p:stCondLst>
+                                        </p:cTn>
+                                        <p:tgtEl>
+                                          <p:spTgt spid="13"/>
+                                        </p:tgtEl>
+                                        <p:attrNameLst>
+                                          <p:attrName>style.visibility</p:attrName>
+                                        </p:attrNameLst>
+                                      </p:cBhvr>
+                                      <p:to>
+                                        <p:strVal val="visible"/>
+                                      </p:to>
+                                    </p:set>
+                                    <p:anim calcmode="lin" valueType="num">
+                                      <p:cBhvr additive="base">
+                                        <p:cTn id="7" dur="500" fill="hold"/>
+                                        <p:tgtEl>
+                                          <p:spTgt spid="13"/>
+                                        </p:tgtEl>
+                                        <p:attrNameLst>
+                                          <p:attrName>ppt_x</p:attrName>
+                                        </p:attrNameLst>
+                                      </p:cBhvr>
+                                      <p:tavLst>
+                                        <p:tav tm="0">
+                                          <p:val>
+                                            <p:strVal val="#ppt_x"/>
+                                          </p:val>
+                                        </p:tav>
+                                        <p:tav tm="100000">
+                                          <p:val>
+                                            <p:strVal val="#ppt_x"/>
+                                          </p:val>
+                                        </p:tav>
+                                      </p:tavLst>
+                                    </p:anim>
+                                    <p:anim calcmode="lin" valueType="num">
+                                      <p:cBhvr additive="base">
+                                        <p:cTn id="8" dur="500" fill="hold"/>
+                                        <p:tgtEl>
+                                          <p:spTgt spid="13"/>
+                                        </p:tgtEl>
+                                        <p:attrNameLst>
+                                          <p:attrName>ppt_y</p:attrName>
+                                        </p:attrNameLst>
+                                      </p:cBhvr>
+                                      <p:tavLst>
+                                        <p:tav tm="0">
+                                          <p:val>
+                                            <p:strVal val="1+#ppt_h/2"/>
+                                          </p:val>
+                                        </p:tav>
+                                        <p:tav tm="100000">
+                                          <p:val>
+                                            <p:strVal val="#ppt_y"/>
+                                          </p:val>
+                                        </p:tav>
+                                      </p:tavLst>
+                                    </p:anim>
+                                  </p:childTnLst>
+                                </p:cTn>
+                              </p:par>
+                            </p:childTnLst>
+                          </p:cTn>
+                        </p:par>
+                      </p:childTnLst>
+                    </p:cTn>
+                  </p:par>
+                </p:childTnLst>
+              </p:cTn>
+              <p:prevCondLst>
+                <p:cond evt="onPrev" delay="0">
+                  <p:tgtEl>
+                    <p:sldTgt/>
+                  </p:tgtEl>
+                </p:cond>
+              </p:prevCondLst>
+              <p:nextCondLst>
+                <p:cond evt="onNext" delay="0">
+                  <p:tgtEl>
+                    <p:sldTgt/>
+                  </p:tgtEl>
+                </p:cond>
+              </p:nextCondLst>
+            </p:seq>
+          </p:childTnLst>
+        </p:cTn>
+      </p:par>
+    </p:tnLst>
+  </p:timing>
 </p:sld>
 </file>
 
@@ -14831,12 +14969,12 @@
                         </a:spcAft>
                       </a:pPr>
                       <a:r>
-                        <a:rPr lang="bg-BG" sz="1100">
+                        <a:rPr lang="bg-BG" sz="1100" dirty="0">
                           <a:effectLst/>
                         </a:rPr>
                         <a:t>Всички</a:t>
                       </a:r>
-                      <a:endParaRPr lang="bg-BG" sz="1100">
+                      <a:endParaRPr lang="bg-BG" sz="1100" dirty="0">
                         <a:effectLst/>
                         <a:latin typeface="Calibri" panose="020F0502020204030204" pitchFamily="34" charset="0"/>
                         <a:ea typeface="Calibri" panose="020F0502020204030204" pitchFamily="34" charset="0"/>
@@ -15947,6 +16085,142 @@
   <p:clrMapOvr>
     <a:masterClrMapping/>
   </p:clrMapOvr>
+  <mc:AlternateContent xmlns:mc="http://schemas.openxmlformats.org/markup-compatibility/2006">
+    <mc:Choice xmlns:p14="http://schemas.microsoft.com/office/powerpoint/2010/main" Requires="p14">
+      <p:transition spd="slow" p14:dur="1250">
+        <p14:reveal/>
+      </p:transition>
+    </mc:Choice>
+    <mc:Fallback>
+      <p:transition spd="slow">
+        <p:fade/>
+      </p:transition>
+    </mc:Fallback>
+  </mc:AlternateContent>
+  <p:timing>
+    <p:tnLst>
+      <p:par>
+        <p:cTn id="1" dur="indefinite" restart="never" nodeType="tmRoot">
+          <p:childTnLst>
+            <p:seq concurrent="1" nextAc="seek">
+              <p:cTn id="2" dur="indefinite" nodeType="mainSeq">
+                <p:childTnLst>
+                  <p:par>
+                    <p:cTn id="3" fill="hold">
+                      <p:stCondLst>
+                        <p:cond delay="indefinite"/>
+                        <p:cond evt="onBegin" delay="0">
+                          <p:tn val="2"/>
+                        </p:cond>
+                      </p:stCondLst>
+                      <p:childTnLst>
+                        <p:par>
+                          <p:cTn id="4" fill="hold">
+                            <p:stCondLst>
+                              <p:cond delay="0"/>
+                            </p:stCondLst>
+                            <p:childTnLst>
+                              <p:par>
+                                <p:cTn id="5" presetID="2" presetClass="entr" presetSubtype="1" fill="hold" nodeType="afterEffect">
+                                  <p:stCondLst>
+                                    <p:cond delay="0"/>
+                                  </p:stCondLst>
+                                  <p:childTnLst>
+                                    <p:set>
+                                      <p:cBhvr>
+                                        <p:cTn id="6" dur="1" fill="hold">
+                                          <p:stCondLst>
+                                            <p:cond delay="0"/>
+                                          </p:stCondLst>
+                                        </p:cTn>
+                                        <p:tgtEl>
+                                          <p:spTgt spid="9"/>
+                                        </p:tgtEl>
+                                        <p:attrNameLst>
+                                          <p:attrName>style.visibility</p:attrName>
+                                        </p:attrNameLst>
+                                      </p:cBhvr>
+                                      <p:to>
+                                        <p:strVal val="visible"/>
+                                      </p:to>
+                                    </p:set>
+                                    <p:anim calcmode="lin" valueType="num">
+                                      <p:cBhvr additive="base">
+                                        <p:cTn id="7" dur="500" fill="hold"/>
+                                        <p:tgtEl>
+                                          <p:spTgt spid="9"/>
+                                        </p:tgtEl>
+                                        <p:attrNameLst>
+                                          <p:attrName>ppt_x</p:attrName>
+                                        </p:attrNameLst>
+                                      </p:cBhvr>
+                                      <p:tavLst>
+                                        <p:tav tm="0">
+                                          <p:val>
+                                            <p:strVal val="#ppt_x"/>
+                                          </p:val>
+                                        </p:tav>
+                                        <p:tav tm="100000">
+                                          <p:val>
+                                            <p:strVal val="#ppt_x"/>
+                                          </p:val>
+                                        </p:tav>
+                                      </p:tavLst>
+                                    </p:anim>
+                                    <p:anim calcmode="lin" valueType="num">
+                                      <p:cBhvr additive="base">
+                                        <p:cTn id="8" dur="500" fill="hold"/>
+                                        <p:tgtEl>
+                                          <p:spTgt spid="9"/>
+                                        </p:tgtEl>
+                                        <p:attrNameLst>
+                                          <p:attrName>ppt_y</p:attrName>
+                                        </p:attrNameLst>
+                                      </p:cBhvr>
+                                      <p:tavLst>
+                                        <p:tav tm="0">
+                                          <p:val>
+                                            <p:strVal val="0-#ppt_h/2"/>
+                                          </p:val>
+                                        </p:tav>
+                                        <p:tav tm="100000">
+                                          <p:val>
+                                            <p:strVal val="#ppt_y"/>
+                                          </p:val>
+                                        </p:tav>
+                                      </p:tavLst>
+                                    </p:anim>
+                                  </p:childTnLst>
+                                </p:cTn>
+                              </p:par>
+                            </p:childTnLst>
+                          </p:cTn>
+                        </p:par>
+                      </p:childTnLst>
+                    </p:cTn>
+                  </p:par>
+                </p:childTnLst>
+              </p:cTn>
+              <p:prevCondLst>
+                <p:cond evt="onPrev" delay="0">
+                  <p:tgtEl>
+                    <p:sldTgt/>
+                  </p:tgtEl>
+                </p:cond>
+              </p:prevCondLst>
+              <p:nextCondLst>
+                <p:cond evt="onNext" delay="0">
+                  <p:tgtEl>
+                    <p:sldTgt/>
+                  </p:tgtEl>
+                </p:cond>
+              </p:nextCondLst>
+            </p:seq>
+          </p:childTnLst>
+        </p:cTn>
+      </p:par>
+    </p:tnLst>
+  </p:timing>
 </p:sld>
 </file>
 
@@ -16190,6 +16464,526 @@
   <p:clrMapOvr>
     <a:masterClrMapping/>
   </p:clrMapOvr>
+  <mc:AlternateContent xmlns:mc="http://schemas.openxmlformats.org/markup-compatibility/2006">
+    <mc:Choice xmlns:p14="http://schemas.microsoft.com/office/powerpoint/2010/main" Requires="p14">
+      <p:transition spd="slow" p14:dur="1600">
+        <p14:prism isContent="1" isInverted="1"/>
+      </p:transition>
+    </mc:Choice>
+    <mc:Fallback>
+      <p:transition spd="slow">
+        <p:fade/>
+      </p:transition>
+    </mc:Fallback>
+  </mc:AlternateContent>
+  <p:timing>
+    <p:tnLst>
+      <p:par>
+        <p:cTn id="1" dur="indefinite" restart="never" nodeType="tmRoot">
+          <p:childTnLst>
+            <p:seq concurrent="1" nextAc="seek">
+              <p:cTn id="2" dur="indefinite" nodeType="mainSeq">
+                <p:childTnLst>
+                  <p:par>
+                    <p:cTn id="3" fill="hold">
+                      <p:stCondLst>
+                        <p:cond delay="indefinite"/>
+                        <p:cond evt="onBegin" delay="0">
+                          <p:tn val="2"/>
+                        </p:cond>
+                      </p:stCondLst>
+                      <p:childTnLst>
+                        <p:par>
+                          <p:cTn id="4" fill="hold">
+                            <p:stCondLst>
+                              <p:cond delay="0"/>
+                            </p:stCondLst>
+                            <p:childTnLst>
+                              <p:par>
+                                <p:cTn id="5" presetID="16" presetClass="entr" presetSubtype="21" fill="hold" grpId="0" nodeType="afterEffect">
+                                  <p:stCondLst>
+                                    <p:cond delay="0"/>
+                                  </p:stCondLst>
+                                  <p:childTnLst>
+                                    <p:set>
+                                      <p:cBhvr>
+                                        <p:cTn id="6" dur="1" fill="hold">
+                                          <p:stCondLst>
+                                            <p:cond delay="0"/>
+                                          </p:stCondLst>
+                                        </p:cTn>
+                                        <p:tgtEl>
+                                          <p:spTgt spid="7">
+                                            <p:graphicEl>
+                                              <a:dgm id="{6B39755B-A52C-47BC-8306-ED21DBD523BA}"/>
+                                            </p:graphicEl>
+                                          </p:spTgt>
+                                        </p:tgtEl>
+                                        <p:attrNameLst>
+                                          <p:attrName>style.visibility</p:attrName>
+                                        </p:attrNameLst>
+                                      </p:cBhvr>
+                                      <p:to>
+                                        <p:strVal val="visible"/>
+                                      </p:to>
+                                    </p:set>
+                                    <p:animEffect transition="in" filter="barn(inVertical)">
+                                      <p:cBhvr>
+                                        <p:cTn id="7" dur="500"/>
+                                        <p:tgtEl>
+                                          <p:spTgt spid="7">
+                                            <p:graphicEl>
+                                              <a:dgm id="{6B39755B-A52C-47BC-8306-ED21DBD523BA}"/>
+                                            </p:graphicEl>
+                                          </p:spTgt>
+                                        </p:tgtEl>
+                                      </p:cBhvr>
+                                    </p:animEffect>
+                                  </p:childTnLst>
+                                </p:cTn>
+                              </p:par>
+                              <p:par>
+                                <p:cTn id="8" presetID="16" presetClass="entr" presetSubtype="21" fill="hold" grpId="0" nodeType="withEffect">
+                                  <p:stCondLst>
+                                    <p:cond delay="0"/>
+                                  </p:stCondLst>
+                                  <p:childTnLst>
+                                    <p:set>
+                                      <p:cBhvr>
+                                        <p:cTn id="9" dur="1" fill="hold">
+                                          <p:stCondLst>
+                                            <p:cond delay="0"/>
+                                          </p:stCondLst>
+                                        </p:cTn>
+                                        <p:tgtEl>
+                                          <p:spTgt spid="7">
+                                            <p:graphicEl>
+                                              <a:dgm id="{BCABBE8F-EC13-4E36-9754-209DE7AD0464}"/>
+                                            </p:graphicEl>
+                                          </p:spTgt>
+                                        </p:tgtEl>
+                                        <p:attrNameLst>
+                                          <p:attrName>style.visibility</p:attrName>
+                                        </p:attrNameLst>
+                                      </p:cBhvr>
+                                      <p:to>
+                                        <p:strVal val="visible"/>
+                                      </p:to>
+                                    </p:set>
+                                    <p:animEffect transition="in" filter="barn(inVertical)">
+                                      <p:cBhvr>
+                                        <p:cTn id="10" dur="500"/>
+                                        <p:tgtEl>
+                                          <p:spTgt spid="7">
+                                            <p:graphicEl>
+                                              <a:dgm id="{BCABBE8F-EC13-4E36-9754-209DE7AD0464}"/>
+                                            </p:graphicEl>
+                                          </p:spTgt>
+                                        </p:tgtEl>
+                                      </p:cBhvr>
+                                    </p:animEffect>
+                                  </p:childTnLst>
+                                </p:cTn>
+                              </p:par>
+                            </p:childTnLst>
+                          </p:cTn>
+                        </p:par>
+                        <p:par>
+                          <p:cTn id="11" fill="hold">
+                            <p:stCondLst>
+                              <p:cond delay="500"/>
+                            </p:stCondLst>
+                            <p:childTnLst>
+                              <p:par>
+                                <p:cTn id="12" presetID="16" presetClass="entr" presetSubtype="21" fill="hold" grpId="0" nodeType="afterEffect">
+                                  <p:stCondLst>
+                                    <p:cond delay="0"/>
+                                  </p:stCondLst>
+                                  <p:childTnLst>
+                                    <p:set>
+                                      <p:cBhvr>
+                                        <p:cTn id="13" dur="1" fill="hold">
+                                          <p:stCondLst>
+                                            <p:cond delay="0"/>
+                                          </p:stCondLst>
+                                        </p:cTn>
+                                        <p:tgtEl>
+                                          <p:spTgt spid="7">
+                                            <p:graphicEl>
+                                              <a:dgm id="{E23B7167-76A0-4936-AD22-6E0B4A85252D}"/>
+                                            </p:graphicEl>
+                                          </p:spTgt>
+                                        </p:tgtEl>
+                                        <p:attrNameLst>
+                                          <p:attrName>style.visibility</p:attrName>
+                                        </p:attrNameLst>
+                                      </p:cBhvr>
+                                      <p:to>
+                                        <p:strVal val="visible"/>
+                                      </p:to>
+                                    </p:set>
+                                    <p:animEffect transition="in" filter="barn(inVertical)">
+                                      <p:cBhvr>
+                                        <p:cTn id="14" dur="500"/>
+                                        <p:tgtEl>
+                                          <p:spTgt spid="7">
+                                            <p:graphicEl>
+                                              <a:dgm id="{E23B7167-76A0-4936-AD22-6E0B4A85252D}"/>
+                                            </p:graphicEl>
+                                          </p:spTgt>
+                                        </p:tgtEl>
+                                      </p:cBhvr>
+                                    </p:animEffect>
+                                  </p:childTnLst>
+                                </p:cTn>
+                              </p:par>
+                            </p:childTnLst>
+                          </p:cTn>
+                        </p:par>
+                        <p:par>
+                          <p:cTn id="15" fill="hold">
+                            <p:stCondLst>
+                              <p:cond delay="1000"/>
+                            </p:stCondLst>
+                            <p:childTnLst>
+                              <p:par>
+                                <p:cTn id="16" presetID="16" presetClass="entr" presetSubtype="21" fill="hold" grpId="0" nodeType="afterEffect">
+                                  <p:stCondLst>
+                                    <p:cond delay="0"/>
+                                  </p:stCondLst>
+                                  <p:childTnLst>
+                                    <p:set>
+                                      <p:cBhvr>
+                                        <p:cTn id="17" dur="1" fill="hold">
+                                          <p:stCondLst>
+                                            <p:cond delay="0"/>
+                                          </p:stCondLst>
+                                        </p:cTn>
+                                        <p:tgtEl>
+                                          <p:spTgt spid="7">
+                                            <p:graphicEl>
+                                              <a:dgm id="{2CFA9D06-93B7-44EA-A194-1E1D68DD304B}"/>
+                                            </p:graphicEl>
+                                          </p:spTgt>
+                                        </p:tgtEl>
+                                        <p:attrNameLst>
+                                          <p:attrName>style.visibility</p:attrName>
+                                        </p:attrNameLst>
+                                      </p:cBhvr>
+                                      <p:to>
+                                        <p:strVal val="visible"/>
+                                      </p:to>
+                                    </p:set>
+                                    <p:animEffect transition="in" filter="barn(inVertical)">
+                                      <p:cBhvr>
+                                        <p:cTn id="18" dur="500"/>
+                                        <p:tgtEl>
+                                          <p:spTgt spid="7">
+                                            <p:graphicEl>
+                                              <a:dgm id="{2CFA9D06-93B7-44EA-A194-1E1D68DD304B}"/>
+                                            </p:graphicEl>
+                                          </p:spTgt>
+                                        </p:tgtEl>
+                                      </p:cBhvr>
+                                    </p:animEffect>
+                                  </p:childTnLst>
+                                </p:cTn>
+                              </p:par>
+                            </p:childTnLst>
+                          </p:cTn>
+                        </p:par>
+                        <p:par>
+                          <p:cTn id="19" fill="hold">
+                            <p:stCondLst>
+                              <p:cond delay="1500"/>
+                            </p:stCondLst>
+                            <p:childTnLst>
+                              <p:par>
+                                <p:cTn id="20" presetID="16" presetClass="entr" presetSubtype="21" fill="hold" grpId="0" nodeType="afterEffect">
+                                  <p:stCondLst>
+                                    <p:cond delay="0"/>
+                                  </p:stCondLst>
+                                  <p:childTnLst>
+                                    <p:set>
+                                      <p:cBhvr>
+                                        <p:cTn id="21" dur="1" fill="hold">
+                                          <p:stCondLst>
+                                            <p:cond delay="0"/>
+                                          </p:stCondLst>
+                                        </p:cTn>
+                                        <p:tgtEl>
+                                          <p:spTgt spid="7">
+                                            <p:graphicEl>
+                                              <a:dgm id="{4E6C7E05-00FA-4DA9-A289-47DDD64ED679}"/>
+                                            </p:graphicEl>
+                                          </p:spTgt>
+                                        </p:tgtEl>
+                                        <p:attrNameLst>
+                                          <p:attrName>style.visibility</p:attrName>
+                                        </p:attrNameLst>
+                                      </p:cBhvr>
+                                      <p:to>
+                                        <p:strVal val="visible"/>
+                                      </p:to>
+                                    </p:set>
+                                    <p:animEffect transition="in" filter="barn(inVertical)">
+                                      <p:cBhvr>
+                                        <p:cTn id="22" dur="500"/>
+                                        <p:tgtEl>
+                                          <p:spTgt spid="7">
+                                            <p:graphicEl>
+                                              <a:dgm id="{4E6C7E05-00FA-4DA9-A289-47DDD64ED679}"/>
+                                            </p:graphicEl>
+                                          </p:spTgt>
+                                        </p:tgtEl>
+                                      </p:cBhvr>
+                                    </p:animEffect>
+                                  </p:childTnLst>
+                                </p:cTn>
+                              </p:par>
+                            </p:childTnLst>
+                          </p:cTn>
+                        </p:par>
+                        <p:par>
+                          <p:cTn id="23" fill="hold">
+                            <p:stCondLst>
+                              <p:cond delay="2000"/>
+                            </p:stCondLst>
+                            <p:childTnLst>
+                              <p:par>
+                                <p:cTn id="24" presetID="16" presetClass="entr" presetSubtype="21" fill="hold" grpId="0" nodeType="afterEffect">
+                                  <p:stCondLst>
+                                    <p:cond delay="0"/>
+                                  </p:stCondLst>
+                                  <p:childTnLst>
+                                    <p:set>
+                                      <p:cBhvr>
+                                        <p:cTn id="25" dur="1" fill="hold">
+                                          <p:stCondLst>
+                                            <p:cond delay="0"/>
+                                          </p:stCondLst>
+                                        </p:cTn>
+                                        <p:tgtEl>
+                                          <p:spTgt spid="7">
+                                            <p:graphicEl>
+                                              <a:dgm id="{CADF167D-8D33-4749-96F4-4B8EF8E60759}"/>
+                                            </p:graphicEl>
+                                          </p:spTgt>
+                                        </p:tgtEl>
+                                        <p:attrNameLst>
+                                          <p:attrName>style.visibility</p:attrName>
+                                        </p:attrNameLst>
+                                      </p:cBhvr>
+                                      <p:to>
+                                        <p:strVal val="visible"/>
+                                      </p:to>
+                                    </p:set>
+                                    <p:animEffect transition="in" filter="barn(inVertical)">
+                                      <p:cBhvr>
+                                        <p:cTn id="26" dur="500"/>
+                                        <p:tgtEl>
+                                          <p:spTgt spid="7">
+                                            <p:graphicEl>
+                                              <a:dgm id="{CADF167D-8D33-4749-96F4-4B8EF8E60759}"/>
+                                            </p:graphicEl>
+                                          </p:spTgt>
+                                        </p:tgtEl>
+                                      </p:cBhvr>
+                                    </p:animEffect>
+                                  </p:childTnLst>
+                                </p:cTn>
+                              </p:par>
+                            </p:childTnLst>
+                          </p:cTn>
+                        </p:par>
+                        <p:par>
+                          <p:cTn id="27" fill="hold">
+                            <p:stCondLst>
+                              <p:cond delay="2500"/>
+                            </p:stCondLst>
+                            <p:childTnLst>
+                              <p:par>
+                                <p:cTn id="28" presetID="16" presetClass="entr" presetSubtype="21" fill="hold" grpId="0" nodeType="afterEffect">
+                                  <p:stCondLst>
+                                    <p:cond delay="0"/>
+                                  </p:stCondLst>
+                                  <p:childTnLst>
+                                    <p:set>
+                                      <p:cBhvr>
+                                        <p:cTn id="29" dur="1" fill="hold">
+                                          <p:stCondLst>
+                                            <p:cond delay="0"/>
+                                          </p:stCondLst>
+                                        </p:cTn>
+                                        <p:tgtEl>
+                                          <p:spTgt spid="7">
+                                            <p:graphicEl>
+                                              <a:dgm id="{E248228D-6354-491E-A1EE-C068F1E92E37}"/>
+                                            </p:graphicEl>
+                                          </p:spTgt>
+                                        </p:tgtEl>
+                                        <p:attrNameLst>
+                                          <p:attrName>style.visibility</p:attrName>
+                                        </p:attrNameLst>
+                                      </p:cBhvr>
+                                      <p:to>
+                                        <p:strVal val="visible"/>
+                                      </p:to>
+                                    </p:set>
+                                    <p:animEffect transition="in" filter="barn(inVertical)">
+                                      <p:cBhvr>
+                                        <p:cTn id="30" dur="500"/>
+                                        <p:tgtEl>
+                                          <p:spTgt spid="7">
+                                            <p:graphicEl>
+                                              <a:dgm id="{E248228D-6354-491E-A1EE-C068F1E92E37}"/>
+                                            </p:graphicEl>
+                                          </p:spTgt>
+                                        </p:tgtEl>
+                                      </p:cBhvr>
+                                    </p:animEffect>
+                                  </p:childTnLst>
+                                </p:cTn>
+                              </p:par>
+                            </p:childTnLst>
+                          </p:cTn>
+                        </p:par>
+                        <p:par>
+                          <p:cTn id="31" fill="hold">
+                            <p:stCondLst>
+                              <p:cond delay="3000"/>
+                            </p:stCondLst>
+                            <p:childTnLst>
+                              <p:par>
+                                <p:cTn id="32" presetID="16" presetClass="entr" presetSubtype="21" fill="hold" grpId="0" nodeType="afterEffect">
+                                  <p:stCondLst>
+                                    <p:cond delay="0"/>
+                                  </p:stCondLst>
+                                  <p:childTnLst>
+                                    <p:set>
+                                      <p:cBhvr>
+                                        <p:cTn id="33" dur="1" fill="hold">
+                                          <p:stCondLst>
+                                            <p:cond delay="0"/>
+                                          </p:stCondLst>
+                                        </p:cTn>
+                                        <p:tgtEl>
+                                          <p:spTgt spid="7">
+                                            <p:graphicEl>
+                                              <a:dgm id="{DEFCE8B3-BAD4-4B61-BBA8-B062498AB058}"/>
+                                            </p:graphicEl>
+                                          </p:spTgt>
+                                        </p:tgtEl>
+                                        <p:attrNameLst>
+                                          <p:attrName>style.visibility</p:attrName>
+                                        </p:attrNameLst>
+                                      </p:cBhvr>
+                                      <p:to>
+                                        <p:strVal val="visible"/>
+                                      </p:to>
+                                    </p:set>
+                                    <p:animEffect transition="in" filter="barn(inVertical)">
+                                      <p:cBhvr>
+                                        <p:cTn id="34" dur="500"/>
+                                        <p:tgtEl>
+                                          <p:spTgt spid="7">
+                                            <p:graphicEl>
+                                              <a:dgm id="{DEFCE8B3-BAD4-4B61-BBA8-B062498AB058}"/>
+                                            </p:graphicEl>
+                                          </p:spTgt>
+                                        </p:tgtEl>
+                                      </p:cBhvr>
+                                    </p:animEffect>
+                                  </p:childTnLst>
+                                </p:cTn>
+                              </p:par>
+                            </p:childTnLst>
+                          </p:cTn>
+                        </p:par>
+                        <p:par>
+                          <p:cTn id="35" fill="hold">
+                            <p:stCondLst>
+                              <p:cond delay="3500"/>
+                            </p:stCondLst>
+                            <p:childTnLst>
+                              <p:par>
+                                <p:cTn id="36" presetID="16" presetClass="entr" presetSubtype="21" fill="hold" grpId="0" nodeType="afterEffect">
+                                  <p:stCondLst>
+                                    <p:cond delay="0"/>
+                                  </p:stCondLst>
+                                  <p:childTnLst>
+                                    <p:set>
+                                      <p:cBhvr>
+                                        <p:cTn id="37" dur="1" fill="hold">
+                                          <p:stCondLst>
+                                            <p:cond delay="0"/>
+                                          </p:stCondLst>
+                                        </p:cTn>
+                                        <p:tgtEl>
+                                          <p:spTgt spid="7">
+                                            <p:graphicEl>
+                                              <a:dgm id="{324F481E-1307-442A-A5BA-CCDBA0E91FCA}"/>
+                                            </p:graphicEl>
+                                          </p:spTgt>
+                                        </p:tgtEl>
+                                        <p:attrNameLst>
+                                          <p:attrName>style.visibility</p:attrName>
+                                        </p:attrNameLst>
+                                      </p:cBhvr>
+                                      <p:to>
+                                        <p:strVal val="visible"/>
+                                      </p:to>
+                                    </p:set>
+                                    <p:animEffect transition="in" filter="barn(inVertical)">
+                                      <p:cBhvr>
+                                        <p:cTn id="38" dur="500"/>
+                                        <p:tgtEl>
+                                          <p:spTgt spid="7">
+                                            <p:graphicEl>
+                                              <a:dgm id="{324F481E-1307-442A-A5BA-CCDBA0E91FCA}"/>
+                                            </p:graphicEl>
+                                          </p:spTgt>
+                                        </p:tgtEl>
+                                      </p:cBhvr>
+                                    </p:animEffect>
+                                  </p:childTnLst>
+                                </p:cTn>
+                              </p:par>
+                            </p:childTnLst>
+                          </p:cTn>
+                        </p:par>
+                      </p:childTnLst>
+                    </p:cTn>
+                  </p:par>
+                </p:childTnLst>
+              </p:cTn>
+              <p:prevCondLst>
+                <p:cond evt="onPrev" delay="0">
+                  <p:tgtEl>
+                    <p:sldTgt/>
+                  </p:tgtEl>
+                </p:cond>
+              </p:prevCondLst>
+              <p:nextCondLst>
+                <p:cond evt="onNext" delay="0">
+                  <p:tgtEl>
+                    <p:sldTgt/>
+                  </p:tgtEl>
+                </p:cond>
+              </p:nextCondLst>
+            </p:seq>
+          </p:childTnLst>
+        </p:cTn>
+      </p:par>
+    </p:tnLst>
+    <p:bldLst>
+      <p:bldGraphic spid="7" grpId="0" uiExpand="1">
+        <p:bldSub>
+          <a:bldDgm bld="one"/>
+        </p:bldSub>
+      </p:bldGraphic>
+    </p:bldLst>
+  </p:timing>
 </p:sld>
 </file>
 
@@ -16499,6 +17293,148 @@
   <p:clrMapOvr>
     <a:masterClrMapping/>
   </p:clrMapOvr>
+  <mc:AlternateContent xmlns:mc="http://schemas.openxmlformats.org/markup-compatibility/2006">
+    <mc:Choice xmlns:p14="http://schemas.microsoft.com/office/powerpoint/2010/main" Requires="p14">
+      <p:transition spd="slow" p14:dur="800">
+        <p:circle/>
+      </p:transition>
+    </mc:Choice>
+    <mc:Fallback>
+      <p:transition spd="slow">
+        <p:circle/>
+      </p:transition>
+    </mc:Fallback>
+  </mc:AlternateContent>
+  <p:timing>
+    <p:tnLst>
+      <p:par>
+        <p:cTn id="1" dur="indefinite" restart="never" nodeType="tmRoot">
+          <p:childTnLst>
+            <p:seq concurrent="1" nextAc="seek">
+              <p:cTn id="2" dur="indefinite" nodeType="mainSeq">
+                <p:childTnLst>
+                  <p:par>
+                    <p:cTn id="3" fill="hold">
+                      <p:stCondLst>
+                        <p:cond delay="indefinite"/>
+                        <p:cond evt="onBegin" delay="0">
+                          <p:tn val="2"/>
+                        </p:cond>
+                      </p:stCondLst>
+                      <p:childTnLst>
+                        <p:par>
+                          <p:cTn id="4" fill="hold">
+                            <p:stCondLst>
+                              <p:cond delay="0"/>
+                            </p:stCondLst>
+                            <p:childTnLst>
+                              <p:par>
+                                <p:cTn id="5" presetID="22" presetClass="entr" presetSubtype="4" fill="hold" nodeType="afterEffect">
+                                  <p:stCondLst>
+                                    <p:cond delay="0"/>
+                                  </p:stCondLst>
+                                  <p:childTnLst>
+                                    <p:set>
+                                      <p:cBhvr>
+                                        <p:cTn id="6" dur="1" fill="hold">
+                                          <p:stCondLst>
+                                            <p:cond delay="0"/>
+                                          </p:stCondLst>
+                                        </p:cTn>
+                                        <p:tgtEl>
+                                          <p:spTgt spid="17"/>
+                                        </p:tgtEl>
+                                        <p:attrNameLst>
+                                          <p:attrName>style.visibility</p:attrName>
+                                        </p:attrNameLst>
+                                      </p:cBhvr>
+                                      <p:to>
+                                        <p:strVal val="visible"/>
+                                      </p:to>
+                                    </p:set>
+                                    <p:animEffect transition="in" filter="wipe(down)">
+                                      <p:cBhvr>
+                                        <p:cTn id="7" dur="500"/>
+                                        <p:tgtEl>
+                                          <p:spTgt spid="17"/>
+                                        </p:tgtEl>
+                                      </p:cBhvr>
+                                    </p:animEffect>
+                                  </p:childTnLst>
+                                </p:cTn>
+                              </p:par>
+                            </p:childTnLst>
+                          </p:cTn>
+                        </p:par>
+                        <p:par>
+                          <p:cTn id="8" fill="hold">
+                            <p:stCondLst>
+                              <p:cond delay="500"/>
+                            </p:stCondLst>
+                            <p:childTnLst>
+                              <p:par>
+                                <p:cTn id="9" presetID="22" presetClass="entr" presetSubtype="1" fill="hold" nodeType="afterEffect">
+                                  <p:stCondLst>
+                                    <p:cond delay="250"/>
+                                  </p:stCondLst>
+                                  <p:childTnLst>
+                                    <p:set>
+                                      <p:cBhvr>
+                                        <p:cTn id="10" dur="1" fill="hold">
+                                          <p:stCondLst>
+                                            <p:cond delay="0"/>
+                                          </p:stCondLst>
+                                        </p:cTn>
+                                        <p:tgtEl>
+                                          <p:spTgt spid="11"/>
+                                        </p:tgtEl>
+                                        <p:attrNameLst>
+                                          <p:attrName>style.visibility</p:attrName>
+                                        </p:attrNameLst>
+                                      </p:cBhvr>
+                                      <p:to>
+                                        <p:strVal val="visible"/>
+                                      </p:to>
+                                    </p:set>
+                                    <p:animEffect transition="in" filter="wipe(up)">
+                                      <p:cBhvr>
+                                        <p:cTn id="11" dur="500"/>
+                                        <p:tgtEl>
+                                          <p:spTgt spid="11"/>
+                                        </p:tgtEl>
+                                      </p:cBhvr>
+                                    </p:animEffect>
+                                  </p:childTnLst>
+                                </p:cTn>
+                              </p:par>
+                            </p:childTnLst>
+                          </p:cTn>
+                        </p:par>
+                      </p:childTnLst>
+                    </p:cTn>
+                  </p:par>
+                </p:childTnLst>
+              </p:cTn>
+              <p:prevCondLst>
+                <p:cond evt="onPrev" delay="0">
+                  <p:tgtEl>
+                    <p:sldTgt/>
+                  </p:tgtEl>
+                </p:cond>
+              </p:prevCondLst>
+              <p:nextCondLst>
+                <p:cond evt="onNext" delay="0">
+                  <p:tgtEl>
+                    <p:sldTgt/>
+                  </p:tgtEl>
+                </p:cond>
+              </p:nextCondLst>
+            </p:seq>
+          </p:childTnLst>
+        </p:cTn>
+      </p:par>
+    </p:tnLst>
+  </p:timing>
 </p:sld>
 </file>
 
@@ -16584,6 +17520,15 @@
             <a:off x="1724969" y="1284888"/>
             <a:ext cx="9231739" cy="5190727"/>
           </a:xfrm>
+          <a:prstGeom prst="rect">
+            <a:avLst/>
+          </a:prstGeom>
+          <a:ln>
+            <a:noFill/>
+          </a:ln>
+          <a:effectLst>
+            <a:softEdge rad="112500"/>
+          </a:effectLst>
         </p:spPr>
       </p:pic>
     </p:spTree>
@@ -16596,6 +17541,95 @@
   <p:clrMapOvr>
     <a:masterClrMapping/>
   </p:clrMapOvr>
+  <p:transition spd="slow">
+    <p:push dir="u"/>
+  </p:transition>
+  <p:timing>
+    <p:tnLst>
+      <p:par>
+        <p:cTn id="1" dur="indefinite" restart="never" nodeType="tmRoot">
+          <p:childTnLst>
+            <p:seq concurrent="1" nextAc="seek">
+              <p:cTn id="2" dur="indefinite" nodeType="mainSeq">
+                <p:childTnLst>
+                  <p:par>
+                    <p:cTn id="3" fill="hold">
+                      <p:stCondLst>
+                        <p:cond delay="indefinite"/>
+                        <p:cond evt="onBegin" delay="0">
+                          <p:tn val="2"/>
+                        </p:cond>
+                      </p:stCondLst>
+                      <p:childTnLst>
+                        <p:par>
+                          <p:cTn id="4" fill="hold">
+                            <p:stCondLst>
+                              <p:cond delay="0"/>
+                            </p:stCondLst>
+                            <p:childTnLst>
+                              <p:par>
+                                <p:cTn id="5" presetID="22" presetClass="entr" presetSubtype="4" fill="hold" nodeType="afterEffect">
+                                  <p:stCondLst>
+                                    <p:cond delay="0"/>
+                                  </p:stCondLst>
+                                  <p:childTnLst>
+                                    <p:set>
+                                      <p:cBhvr>
+                                        <p:cTn id="6" dur="1" fill="hold">
+                                          <p:stCondLst>
+                                            <p:cond delay="0"/>
+                                          </p:stCondLst>
+                                        </p:cTn>
+                                        <p:tgtEl>
+                                          <p:spTgt spid="5"/>
+                                        </p:tgtEl>
+                                        <p:attrNameLst>
+                                          <p:attrName>style.visibility</p:attrName>
+                                        </p:attrNameLst>
+                                      </p:cBhvr>
+                                      <p:to>
+                                        <p:strVal val="visible"/>
+                                      </p:to>
+                                    </p:set>
+                                    <p:animEffect transition="in" filter="wipe(down)">
+                                      <p:cBhvr>
+                                        <p:cTn id="7" dur="500"/>
+                                        <p:tgtEl>
+                                          <p:spTgt spid="5"/>
+                                        </p:tgtEl>
+                                      </p:cBhvr>
+                                    </p:animEffect>
+                                  </p:childTnLst>
+                                </p:cTn>
+                              </p:par>
+                            </p:childTnLst>
+                          </p:cTn>
+                        </p:par>
+                      </p:childTnLst>
+                    </p:cTn>
+                  </p:par>
+                </p:childTnLst>
+              </p:cTn>
+              <p:prevCondLst>
+                <p:cond evt="onPrev" delay="0">
+                  <p:tgtEl>
+                    <p:sldTgt/>
+                  </p:tgtEl>
+                </p:cond>
+              </p:prevCondLst>
+              <p:nextCondLst>
+                <p:cond evt="onNext" delay="0">
+                  <p:tgtEl>
+                    <p:sldTgt/>
+                  </p:tgtEl>
+                </p:cond>
+              </p:nextCondLst>
+            </p:seq>
+          </p:childTnLst>
+        </p:cTn>
+      </p:par>
+    </p:tnLst>
+  </p:timing>
 </p:sld>
 </file>
 
@@ -16694,6 +17728,18 @@
   <p:clrMapOvr>
     <a:masterClrMapping/>
   </p:clrMapOvr>
+  <mc:AlternateContent xmlns:mc="http://schemas.openxmlformats.org/markup-compatibility/2006">
+    <mc:Choice xmlns:p14="http://schemas.microsoft.com/office/powerpoint/2010/main" Requires="p14">
+      <p:transition spd="slow" p14:dur="1400">
+        <p14:doors dir="vert"/>
+      </p:transition>
+    </mc:Choice>
+    <mc:Fallback>
+      <p:transition spd="slow">
+        <p:fade/>
+      </p:transition>
+    </mc:Fallback>
+  </mc:AlternateContent>
 </p:sld>
 </file>
 
@@ -16765,7 +17811,7 @@
         <p:spPr>
           <a:xfrm>
             <a:off x="1251678" y="1691637"/>
-            <a:ext cx="9284242" cy="4257039"/>
+            <a:ext cx="8645357" cy="4257039"/>
           </a:xfrm>
         </p:spPr>
         <p:txBody>
@@ -16776,16 +17822,20 @@
               <a:buNone/>
             </a:pPr>
             <a:r>
+              <a:rPr lang="ru-RU" b="1" dirty="0"/>
+              <a:t>Система за </a:t>
+            </a:r>
+            <a:r>
+              <a:rPr lang="ru-RU" b="1" dirty="0" err="1"/>
+              <a:t>избор</a:t>
+            </a:r>
+            <a:r>
+              <a:rPr lang="ru-RU" b="1" dirty="0"/>
+              <a:t> на песен</a:t>
+            </a:r>
+            <a:r>
               <a:rPr lang="ru-RU" dirty="0"/>
-              <a:t>Система за </a:t>
-            </a:r>
-            <a:r>
-              <a:rPr lang="ru-RU" dirty="0" err="1"/>
-              <a:t>избор</a:t>
-            </a:r>
-            <a:r>
-              <a:rPr lang="ru-RU" dirty="0"/>
-              <a:t> на песен, </a:t>
+              <a:t>, </a:t>
             </a:r>
             <a:r>
               <a:rPr lang="ru-RU" dirty="0" err="1"/>
@@ -16822,12 +17872,16 @@
           </a:p>
           <a:p>
             <a:r>
-              <a:rPr lang="ru-RU" dirty="0" err="1"/>
+              <a:rPr lang="ru-RU" b="1" dirty="0" err="1"/>
               <a:t>добавяне</a:t>
             </a:r>
             <a:r>
+              <a:rPr lang="ru-RU" b="1" dirty="0"/>
+              <a:t> на информация за песен</a:t>
+            </a:r>
+            <a:r>
               <a:rPr lang="ru-RU" dirty="0"/>
-              <a:t> на информация за песен, </a:t>
+              <a:t>, </a:t>
             </a:r>
             <a:r>
               <a:rPr lang="ru-RU" dirty="0" err="1"/>
@@ -16867,76 +17921,471 @@
             </a:r>
             <a:endParaRPr lang="ru-RU" dirty="0"/>
           </a:p>
+        </p:txBody>
+      </p:sp>
+      <p:pic>
+        <p:nvPicPr>
+          <p:cNvPr id="4" name="Picture 15">
+            <a:extLst>
+              <a:ext uri="{FF2B5EF4-FFF2-40B4-BE49-F238E27FC236}">
+                <a16:creationId xmlns:a16="http://schemas.microsoft.com/office/drawing/2014/main" id="{6E45BB83-2834-F037-CF12-2D6C47D89D1C}"/>
+              </a:ext>
+            </a:extLst>
+          </p:cNvPr>
+          <p:cNvPicPr>
+            <a:picLocks noChangeAspect="1"/>
+          </p:cNvPicPr>
+          <p:nvPr/>
+        </p:nvPicPr>
+        <p:blipFill rotWithShape="1">
+          <a:blip r:embed="rId2"/>
+          <a:srcRect l="489" r="-1"/>
+          <a:stretch/>
+        </p:blipFill>
+        <p:spPr>
+          <a:xfrm>
+            <a:off x="5773270" y="2644140"/>
+            <a:ext cx="5656729" cy="3756660"/>
+          </a:xfrm>
+          <a:prstGeom prst="rect">
+            <a:avLst/>
+          </a:prstGeom>
+          <a:ln>
+            <a:noFill/>
+          </a:ln>
+          <a:effectLst>
+            <a:outerShdw blurRad="292100" dist="139700" dir="2700000" algn="tl" rotWithShape="0">
+              <a:srgbClr val="333333">
+                <a:alpha val="65000"/>
+              </a:srgbClr>
+            </a:outerShdw>
+          </a:effectLst>
+        </p:spPr>
+      </p:pic>
+      <p:sp>
+        <p:nvSpPr>
+          <p:cNvPr id="8" name="Текстово поле 7">
+            <a:extLst>
+              <a:ext uri="{FF2B5EF4-FFF2-40B4-BE49-F238E27FC236}">
+                <a16:creationId xmlns:a16="http://schemas.microsoft.com/office/drawing/2014/main" id="{7D8DA9AD-B08C-94E2-8272-E9B7DD86D35A}"/>
+              </a:ext>
+            </a:extLst>
+          </p:cNvPr>
+          <p:cNvSpPr txBox="1"/>
+          <p:nvPr/>
+        </p:nvSpPr>
+        <p:spPr>
+          <a:xfrm>
+            <a:off x="1251678" y="2856572"/>
+            <a:ext cx="4682957" cy="1429622"/>
+          </a:xfrm>
+          <a:prstGeom prst="rect">
+            <a:avLst/>
+          </a:prstGeom>
+          <a:noFill/>
+        </p:spPr>
+        <p:txBody>
+          <a:bodyPr wrap="square">
+            <a:spAutoFit/>
+          </a:bodyPr>
+          <a:lstStyle/>
           <a:p>
-            <a:r>
-              <a:rPr lang="ru-RU" dirty="0" err="1"/>
+            <a:pPr marL="228600" marR="0" lvl="0" indent="-228600" algn="l" defTabSz="914400" rtl="0" eaLnBrk="1" fontAlgn="auto" latinLnBrk="0" hangingPunct="1">
+              <a:lnSpc>
+                <a:spcPct val="110000"/>
+              </a:lnSpc>
+              <a:spcBef>
+                <a:spcPts val="700"/>
+              </a:spcBef>
+              <a:spcAft>
+                <a:spcPts val="0"/>
+              </a:spcAft>
+              <a:buClr>
+                <a:srgbClr val="252532"/>
+              </a:buClr>
+              <a:buSzTx/>
+              <a:buFont typeface="Arial" panose="020B0604020202020204" pitchFamily="34" charset="0"/>
+              <a:buChar char="•"/>
+              <a:tabLst/>
+              <a:defRPr/>
+            </a:pPr>
+            <a:r>
+              <a:rPr kumimoji="0" lang="ru-RU" sz="2000" b="1" i="0" u="none" strike="noStrike" kern="1200" cap="none" spc="0" normalizeH="0" baseline="0" noProof="0" dirty="0" err="1">
+                <a:ln>
+                  <a:noFill/>
+                </a:ln>
+                <a:solidFill>
+                  <a:prstClr val="black">
+                    <a:lumMod val="65000"/>
+                    <a:lumOff val="35000"/>
+                  </a:prstClr>
+                </a:solidFill>
+                <a:effectLst/>
+                <a:uLnTx/>
+                <a:uFillTx/>
+                <a:latin typeface="Corbel" panose="020B0503020204020204" pitchFamily="34" charset="0"/>
+                <a:ea typeface="+mn-ea"/>
+                <a:cs typeface="+mn-cs"/>
+              </a:rPr>
               <a:t>търсене</a:t>
             </a:r>
             <a:r>
-              <a:rPr lang="ru-RU" dirty="0"/>
-              <a:t> на песен по </a:t>
-            </a:r>
-            <a:r>
-              <a:rPr lang="ru-RU" dirty="0" err="1"/>
+              <a:rPr kumimoji="0" lang="ru-RU" sz="2000" b="1" i="0" u="none" strike="noStrike" kern="1200" cap="none" spc="0" normalizeH="0" baseline="0" noProof="0" dirty="0">
+                <a:ln>
+                  <a:noFill/>
+                </a:ln>
+                <a:solidFill>
+                  <a:prstClr val="black">
+                    <a:lumMod val="65000"/>
+                    <a:lumOff val="35000"/>
+                  </a:prstClr>
+                </a:solidFill>
+                <a:effectLst/>
+                <a:uLnTx/>
+                <a:uFillTx/>
+                <a:latin typeface="Corbel" panose="020B0503020204020204" pitchFamily="34" charset="0"/>
+                <a:ea typeface="+mn-ea"/>
+                <a:cs typeface="+mn-cs"/>
+              </a:rPr>
+              <a:t> на песен </a:t>
+            </a:r>
+            <a:r>
+              <a:rPr kumimoji="0" lang="ru-RU" sz="2000" b="0" i="0" u="none" strike="noStrike" kern="1200" cap="none" spc="0" normalizeH="0" baseline="0" noProof="0" dirty="0">
+                <a:ln>
+                  <a:noFill/>
+                </a:ln>
+                <a:solidFill>
+                  <a:prstClr val="black">
+                    <a:lumMod val="65000"/>
+                    <a:lumOff val="35000"/>
+                  </a:prstClr>
+                </a:solidFill>
+                <a:effectLst/>
+                <a:uLnTx/>
+                <a:uFillTx/>
+                <a:latin typeface="Corbel" panose="020B0503020204020204" pitchFamily="34" charset="0"/>
+                <a:ea typeface="+mn-ea"/>
+                <a:cs typeface="+mn-cs"/>
+              </a:rPr>
+              <a:t>по </a:t>
+            </a:r>
+            <a:r>
+              <a:rPr kumimoji="0" lang="ru-RU" sz="2000" b="0" i="0" u="none" strike="noStrike" kern="1200" cap="none" spc="0" normalizeH="0" baseline="0" noProof="0" dirty="0" err="1">
+                <a:ln>
+                  <a:noFill/>
+                </a:ln>
+                <a:solidFill>
+                  <a:prstClr val="black">
+                    <a:lumMod val="65000"/>
+                    <a:lumOff val="35000"/>
+                  </a:prstClr>
+                </a:solidFill>
+                <a:effectLst/>
+                <a:uLnTx/>
+                <a:uFillTx/>
+                <a:latin typeface="Corbel" panose="020B0503020204020204" pitchFamily="34" charset="0"/>
+                <a:ea typeface="+mn-ea"/>
+                <a:cs typeface="+mn-cs"/>
+              </a:rPr>
               <a:t>различни</a:t>
             </a:r>
             <a:r>
-              <a:rPr lang="ru-RU" dirty="0"/>
+              <a:rPr kumimoji="0" lang="ru-RU" sz="2000" b="0" i="0" u="none" strike="noStrike" kern="1200" cap="none" spc="0" normalizeH="0" baseline="0" noProof="0" dirty="0">
+                <a:ln>
+                  <a:noFill/>
+                </a:ln>
+                <a:solidFill>
+                  <a:prstClr val="black">
+                    <a:lumMod val="65000"/>
+                    <a:lumOff val="35000"/>
+                  </a:prstClr>
+                </a:solidFill>
+                <a:effectLst/>
+                <a:uLnTx/>
+                <a:uFillTx/>
+                <a:latin typeface="Corbel" panose="020B0503020204020204" pitchFamily="34" charset="0"/>
+                <a:ea typeface="+mn-ea"/>
+                <a:cs typeface="+mn-cs"/>
+              </a:rPr>
               <a:t> </a:t>
             </a:r>
             <a:r>
-              <a:rPr lang="ru-RU" dirty="0" err="1"/>
+              <a:rPr kumimoji="0" lang="ru-RU" sz="2000" b="0" i="0" u="none" strike="noStrike" kern="1200" cap="none" spc="0" normalizeH="0" baseline="0" noProof="0" dirty="0" err="1">
+                <a:ln>
+                  <a:noFill/>
+                </a:ln>
+                <a:solidFill>
+                  <a:prstClr val="black">
+                    <a:lumMod val="65000"/>
+                    <a:lumOff val="35000"/>
+                  </a:prstClr>
+                </a:solidFill>
+                <a:effectLst/>
+                <a:uLnTx/>
+                <a:uFillTx/>
+                <a:latin typeface="Corbel" panose="020B0503020204020204" pitchFamily="34" charset="0"/>
+                <a:ea typeface="+mn-ea"/>
+                <a:cs typeface="+mn-cs"/>
+              </a:rPr>
               <a:t>зададени</a:t>
             </a:r>
             <a:r>
-              <a:rPr lang="ru-RU" dirty="0"/>
+              <a:rPr kumimoji="0" lang="ru-RU" sz="2000" b="0" i="0" u="none" strike="noStrike" kern="1200" cap="none" spc="0" normalizeH="0" baseline="0" noProof="0" dirty="0">
+                <a:ln>
+                  <a:noFill/>
+                </a:ln>
+                <a:solidFill>
+                  <a:prstClr val="black">
+                    <a:lumMod val="65000"/>
+                    <a:lumOff val="35000"/>
+                  </a:prstClr>
+                </a:solidFill>
+                <a:effectLst/>
+                <a:uLnTx/>
+                <a:uFillTx/>
+                <a:latin typeface="Corbel" panose="020B0503020204020204" pitchFamily="34" charset="0"/>
+                <a:ea typeface="+mn-ea"/>
+                <a:cs typeface="+mn-cs"/>
+              </a:rPr>
               <a:t> критерии (</a:t>
             </a:r>
             <a:r>
-              <a:rPr lang="ru-RU" dirty="0" err="1"/>
+              <a:rPr kumimoji="0" lang="ru-RU" sz="2000" b="0" i="0" u="none" strike="noStrike" kern="1200" cap="none" spc="0" normalizeH="0" baseline="0" noProof="0" dirty="0" err="1">
+                <a:ln>
+                  <a:noFill/>
+                </a:ln>
+                <a:solidFill>
+                  <a:prstClr val="black">
+                    <a:lumMod val="65000"/>
+                    <a:lumOff val="35000"/>
+                  </a:prstClr>
+                </a:solidFill>
+                <a:effectLst/>
+                <a:uLnTx/>
+                <a:uFillTx/>
+                <a:latin typeface="Corbel" panose="020B0503020204020204" pitchFamily="34" charset="0"/>
+                <a:ea typeface="+mn-ea"/>
+                <a:cs typeface="+mn-cs"/>
+              </a:rPr>
               <a:t>филтриране</a:t>
             </a:r>
             <a:r>
-              <a:rPr lang="ru-RU" dirty="0"/>
+              <a:rPr kumimoji="0" lang="ru-RU" sz="2000" b="0" i="0" u="none" strike="noStrike" kern="1200" cap="none" spc="0" normalizeH="0" baseline="0" noProof="0" dirty="0">
+                <a:ln>
+                  <a:noFill/>
+                </a:ln>
+                <a:solidFill>
+                  <a:prstClr val="black">
+                    <a:lumMod val="65000"/>
+                    <a:lumOff val="35000"/>
+                  </a:prstClr>
+                </a:solidFill>
+                <a:effectLst/>
+                <a:uLnTx/>
+                <a:uFillTx/>
+                <a:latin typeface="Corbel" panose="020B0503020204020204" pitchFamily="34" charset="0"/>
+                <a:ea typeface="+mn-ea"/>
+                <a:cs typeface="+mn-cs"/>
+              </a:rPr>
               <a:t>), </a:t>
             </a:r>
             <a:r>
-              <a:rPr lang="ru-RU" dirty="0" err="1"/>
+              <a:rPr kumimoji="0" lang="ru-RU" sz="2000" b="0" i="0" u="none" strike="noStrike" kern="1200" cap="none" spc="0" normalizeH="0" baseline="0" noProof="0" dirty="0" err="1">
+                <a:ln>
+                  <a:noFill/>
+                </a:ln>
+                <a:solidFill>
+                  <a:prstClr val="black">
+                    <a:lumMod val="65000"/>
+                    <a:lumOff val="35000"/>
+                  </a:prstClr>
+                </a:solidFill>
+                <a:effectLst/>
+                <a:uLnTx/>
+                <a:uFillTx/>
+                <a:latin typeface="Corbel" panose="020B0503020204020204" pitchFamily="34" charset="0"/>
+                <a:ea typeface="+mn-ea"/>
+                <a:cs typeface="+mn-cs"/>
+              </a:rPr>
               <a:t>като</a:t>
             </a:r>
             <a:r>
-              <a:rPr lang="ru-RU" dirty="0"/>
+              <a:rPr kumimoji="0" lang="ru-RU" sz="2000" b="0" i="0" u="none" strike="noStrike" kern="1200" cap="none" spc="0" normalizeH="0" baseline="0" noProof="0" dirty="0">
+                <a:ln>
+                  <a:noFill/>
+                </a:ln>
+                <a:solidFill>
+                  <a:prstClr val="black">
+                    <a:lumMod val="65000"/>
+                    <a:lumOff val="35000"/>
+                  </a:prstClr>
+                </a:solidFill>
+                <a:effectLst/>
+                <a:uLnTx/>
+                <a:uFillTx/>
+                <a:latin typeface="Corbel" panose="020B0503020204020204" pitchFamily="34" charset="0"/>
+                <a:ea typeface="+mn-ea"/>
+                <a:cs typeface="+mn-cs"/>
+              </a:rPr>
               <a:t> </a:t>
             </a:r>
             <a:r>
-              <a:rPr lang="ru-RU" dirty="0" err="1"/>
+              <a:rPr kumimoji="0" lang="ru-RU" sz="2000" b="0" i="0" u="none" strike="noStrike" kern="1200" cap="none" spc="0" normalizeH="0" baseline="0" noProof="0" dirty="0" err="1">
+                <a:ln>
+                  <a:noFill/>
+                </a:ln>
+                <a:solidFill>
+                  <a:prstClr val="black">
+                    <a:lumMod val="65000"/>
+                    <a:lumOff val="35000"/>
+                  </a:prstClr>
+                </a:solidFill>
+                <a:effectLst/>
+                <a:uLnTx/>
+                <a:uFillTx/>
+                <a:latin typeface="Corbel" panose="020B0503020204020204" pitchFamily="34" charset="0"/>
+                <a:ea typeface="+mn-ea"/>
+                <a:cs typeface="+mn-cs"/>
+              </a:rPr>
               <a:t>изпълнител</a:t>
             </a:r>
             <a:r>
-              <a:rPr lang="ru-RU" dirty="0"/>
+              <a:rPr kumimoji="0" lang="ru-RU" sz="2000" b="0" i="0" u="none" strike="noStrike" kern="1200" cap="none" spc="0" normalizeH="0" baseline="0" noProof="0" dirty="0">
+                <a:ln>
+                  <a:noFill/>
+                </a:ln>
+                <a:solidFill>
+                  <a:prstClr val="black">
+                    <a:lumMod val="65000"/>
+                    <a:lumOff val="35000"/>
+                  </a:prstClr>
+                </a:solidFill>
+                <a:effectLst/>
+                <a:uLnTx/>
+                <a:uFillTx/>
+                <a:latin typeface="Corbel" panose="020B0503020204020204" pitchFamily="34" charset="0"/>
+                <a:ea typeface="+mn-ea"/>
+                <a:cs typeface="+mn-cs"/>
+              </a:rPr>
               <a:t> (певец/</a:t>
             </a:r>
             <a:r>
-              <a:rPr lang="ru-RU" dirty="0" err="1"/>
+              <a:rPr kumimoji="0" lang="ru-RU" sz="2000" b="0" i="0" u="none" strike="noStrike" kern="1200" cap="none" spc="0" normalizeH="0" baseline="0" noProof="0" dirty="0" err="1">
+                <a:ln>
+                  <a:noFill/>
+                </a:ln>
+                <a:solidFill>
+                  <a:prstClr val="black">
+                    <a:lumMod val="65000"/>
+                    <a:lumOff val="35000"/>
+                  </a:prstClr>
+                </a:solidFill>
+                <a:effectLst/>
+                <a:uLnTx/>
+                <a:uFillTx/>
+                <a:latin typeface="Corbel" panose="020B0503020204020204" pitchFamily="34" charset="0"/>
+                <a:ea typeface="+mn-ea"/>
+                <a:cs typeface="+mn-cs"/>
+              </a:rPr>
               <a:t>група</a:t>
             </a:r>
             <a:r>
-              <a:rPr lang="ru-RU" dirty="0"/>
+              <a:rPr kumimoji="0" lang="ru-RU" sz="2000" b="0" i="0" u="none" strike="noStrike" kern="1200" cap="none" spc="0" normalizeH="0" baseline="0" noProof="0" dirty="0">
+                <a:ln>
+                  <a:noFill/>
+                </a:ln>
+                <a:solidFill>
+                  <a:prstClr val="black">
+                    <a:lumMod val="65000"/>
+                    <a:lumOff val="35000"/>
+                  </a:prstClr>
+                </a:solidFill>
+                <a:effectLst/>
+                <a:uLnTx/>
+                <a:uFillTx/>
+                <a:latin typeface="Corbel" panose="020B0503020204020204" pitchFamily="34" charset="0"/>
+                <a:ea typeface="+mn-ea"/>
+                <a:cs typeface="+mn-cs"/>
+              </a:rPr>
               <a:t>), жанр, </a:t>
             </a:r>
             <a:r>
-              <a:rPr lang="ru-RU" dirty="0" err="1"/>
+              <a:rPr kumimoji="0" lang="ru-RU" sz="2000" b="0" i="0" u="none" strike="noStrike" kern="1200" cap="none" spc="0" normalizeH="0" baseline="0" noProof="0" dirty="0" err="1">
+                <a:ln>
+                  <a:noFill/>
+                </a:ln>
+                <a:solidFill>
+                  <a:prstClr val="black">
+                    <a:lumMod val="65000"/>
+                    <a:lumOff val="35000"/>
+                  </a:prstClr>
+                </a:solidFill>
+                <a:effectLst/>
+                <a:uLnTx/>
+                <a:uFillTx/>
+                <a:latin typeface="Corbel" panose="020B0503020204020204" pitchFamily="34" charset="0"/>
+                <a:ea typeface="+mn-ea"/>
+                <a:cs typeface="+mn-cs"/>
+              </a:rPr>
               <a:t>времетраене</a:t>
             </a:r>
             <a:r>
-              <a:rPr lang="ru-RU" dirty="0"/>
+              <a:rPr kumimoji="0" lang="ru-RU" sz="2000" b="0" i="0" u="none" strike="noStrike" kern="1200" cap="none" spc="0" normalizeH="0" baseline="0" noProof="0" dirty="0">
+                <a:ln>
+                  <a:noFill/>
+                </a:ln>
+                <a:solidFill>
+                  <a:prstClr val="black">
+                    <a:lumMod val="65000"/>
+                    <a:lumOff val="35000"/>
+                  </a:prstClr>
+                </a:solidFill>
+                <a:effectLst/>
+                <a:uLnTx/>
+                <a:uFillTx/>
+                <a:latin typeface="Corbel" panose="020B0503020204020204" pitchFamily="34" charset="0"/>
+                <a:ea typeface="+mn-ea"/>
+                <a:cs typeface="+mn-cs"/>
+              </a:rPr>
               <a:t>, година на </a:t>
             </a:r>
             <a:r>
-              <a:rPr lang="ru-RU" dirty="0" err="1"/>
+              <a:rPr kumimoji="0" lang="ru-RU" sz="2000" b="0" i="0" u="none" strike="noStrike" kern="1200" cap="none" spc="0" normalizeH="0" baseline="0" noProof="0" dirty="0" err="1">
+                <a:ln>
+                  <a:noFill/>
+                </a:ln>
+                <a:solidFill>
+                  <a:prstClr val="black">
+                    <a:lumMod val="65000"/>
+                    <a:lumOff val="35000"/>
+                  </a:prstClr>
+                </a:solidFill>
+                <a:effectLst/>
+                <a:uLnTx/>
+                <a:uFillTx/>
+                <a:latin typeface="Corbel" panose="020B0503020204020204" pitchFamily="34" charset="0"/>
+                <a:ea typeface="+mn-ea"/>
+                <a:cs typeface="+mn-cs"/>
+              </a:rPr>
               <a:t>издаване</a:t>
             </a:r>
-            <a:endParaRPr lang="bg-BG" dirty="0"/>
+            <a:endParaRPr kumimoji="0" lang="bg-BG" sz="2000" b="0" i="0" u="none" strike="noStrike" kern="1200" cap="none" spc="0" normalizeH="0" baseline="0" noProof="0" dirty="0">
+              <a:ln>
+                <a:noFill/>
+              </a:ln>
+              <a:solidFill>
+                <a:prstClr val="black">
+                  <a:lumMod val="65000"/>
+                  <a:lumOff val="35000"/>
+                </a:prstClr>
+              </a:solidFill>
+              <a:effectLst/>
+              <a:uLnTx/>
+              <a:uFillTx/>
+              <a:latin typeface="Corbel" panose="020B0503020204020204" pitchFamily="34" charset="0"/>
+              <a:ea typeface="+mn-ea"/>
+              <a:cs typeface="+mn-cs"/>
+            </a:endParaRPr>
           </a:p>
         </p:txBody>
       </p:sp>
@@ -16950,6 +18399,9 @@
   <p:clrMapOvr>
     <a:masterClrMapping/>
   </p:clrMapOvr>
+  <p:transition spd="slow">
+    <p:push dir="u"/>
+  </p:transition>
 </p:sld>
 </file>
 
@@ -16997,21 +18449,55 @@
                   <a:srgbClr val="ED213D"/>
                 </a:solidFill>
               </a:rPr>
-              <a:t>отчети</a:t>
+              <a:t>Начален екран</a:t>
             </a:r>
           </a:p>
         </p:txBody>
       </p:sp>
+      <p:pic>
+        <p:nvPicPr>
+          <p:cNvPr id="4" name="Picture 8">
+            <a:extLst>
+              <a:ext uri="{FF2B5EF4-FFF2-40B4-BE49-F238E27FC236}">
+                <a16:creationId xmlns:a16="http://schemas.microsoft.com/office/drawing/2014/main" id="{8F3A0DC4-949F-F22E-A746-3FB26FBFD139}"/>
+              </a:ext>
+            </a:extLst>
+          </p:cNvPr>
+          <p:cNvPicPr>
+            <a:picLocks noGrp="1" noChangeAspect="1"/>
+          </p:cNvPicPr>
+          <p:nvPr>
+            <p:ph idx="1"/>
+          </p:nvPr>
+        </p:nvPicPr>
+        <p:blipFill rotWithShape="1">
+          <a:blip r:embed="rId2"/>
+          <a:srcRect r="910"/>
+          <a:stretch/>
+        </p:blipFill>
+        <p:spPr>
+          <a:xfrm>
+            <a:off x="2288461" y="1592001"/>
+            <a:ext cx="7545821" cy="4969417"/>
+          </a:xfrm>
+          <a:prstGeom prst="rect">
+            <a:avLst/>
+          </a:prstGeom>
+        </p:spPr>
+      </p:pic>
     </p:spTree>
     <p:extLst>
       <p:ext uri="{BB962C8B-B14F-4D97-AF65-F5344CB8AC3E}">
-        <p14:creationId xmlns:p14="http://schemas.microsoft.com/office/powerpoint/2010/main" val="2374824080"/>
+        <p14:creationId xmlns:p14="http://schemas.microsoft.com/office/powerpoint/2010/main" val="241362625"/>
       </p:ext>
     </p:extLst>
   </p:cSld>
   <p:clrMapOvr>
     <a:masterClrMapping/>
   </p:clrMapOvr>
+  <p:transition spd="slow">
+    <p:cover/>
+  </p:transition>
 </p:sld>
 </file>
 
@@ -17037,7 +18523,7 @@
           <p:cNvPr id="2" name="Заглавие 1">
             <a:extLst>
               <a:ext uri="{FF2B5EF4-FFF2-40B4-BE49-F238E27FC236}">
-                <a16:creationId xmlns:a16="http://schemas.microsoft.com/office/drawing/2014/main" id="{179F32FD-0866-DF4A-F4C6-B74ADD7DD5F0}"/>
+                <a16:creationId xmlns:a16="http://schemas.microsoft.com/office/drawing/2014/main" id="{926409F7-C4EF-589D-CA14-D649B76BF819}"/>
               </a:ext>
             </a:extLst>
           </p:cNvPr>
@@ -17059,17 +18545,110 @@
                   <a:srgbClr val="ED213D"/>
                 </a:solidFill>
               </a:rPr>
-              <a:t>екрани</a:t>
+              <a:t>Екрани за регистрация и вход</a:t>
             </a:r>
           </a:p>
         </p:txBody>
       </p:sp>
+      <p:pic>
+        <p:nvPicPr>
+          <p:cNvPr id="4" name="Picture 13">
+            <a:extLst>
+              <a:ext uri="{FF2B5EF4-FFF2-40B4-BE49-F238E27FC236}">
+                <a16:creationId xmlns:a16="http://schemas.microsoft.com/office/drawing/2014/main" id="{8CC435C0-1679-8F9F-CFB1-275FCCCEBD57}"/>
+              </a:ext>
+            </a:extLst>
+          </p:cNvPr>
+          <p:cNvPicPr>
+            <a:picLocks noGrp="1" noChangeAspect="1"/>
+          </p:cNvPicPr>
+          <p:nvPr>
+            <p:ph idx="1"/>
+          </p:nvPr>
+        </p:nvPicPr>
+        <p:blipFill rotWithShape="1">
+          <a:blip r:embed="rId2"/>
+          <a:srcRect l="2677" t="2130" r="1"/>
+          <a:stretch/>
+        </p:blipFill>
+        <p:spPr>
+          <a:xfrm>
+            <a:off x="7019364" y="1986466"/>
+            <a:ext cx="4016460" cy="2885067"/>
+          </a:xfrm>
+          <a:prstGeom prst="rect">
+            <a:avLst/>
+          </a:prstGeom>
+        </p:spPr>
+      </p:pic>
+      <p:pic>
+        <p:nvPicPr>
+          <p:cNvPr id="5" name="Picture 14">
+            <a:extLst>
+              <a:ext uri="{FF2B5EF4-FFF2-40B4-BE49-F238E27FC236}">
+                <a16:creationId xmlns:a16="http://schemas.microsoft.com/office/drawing/2014/main" id="{E2EC0404-59C2-90FE-EE96-E3CBE010B530}"/>
+              </a:ext>
+            </a:extLst>
+          </p:cNvPr>
+          <p:cNvPicPr>
+            <a:picLocks noChangeAspect="1"/>
+          </p:cNvPicPr>
+          <p:nvPr/>
+        </p:nvPicPr>
+        <p:blipFill rotWithShape="1">
+          <a:blip r:embed="rId3"/>
+          <a:srcRect l="1364"/>
+          <a:stretch/>
+        </p:blipFill>
+        <p:spPr>
+          <a:xfrm>
+            <a:off x="1647232" y="1986466"/>
+            <a:ext cx="4448768" cy="2885067"/>
+          </a:xfrm>
+          <a:prstGeom prst="rect">
+            <a:avLst/>
+          </a:prstGeom>
+        </p:spPr>
+      </p:pic>
+    </p:spTree>
+    <p:extLst>
+      <p:ext uri="{BB962C8B-B14F-4D97-AF65-F5344CB8AC3E}">
+        <p14:creationId xmlns:p14="http://schemas.microsoft.com/office/powerpoint/2010/main" val="2749026149"/>
+      </p:ext>
+    </p:extLst>
+  </p:cSld>
+  <p:clrMapOvr>
+    <a:masterClrMapping/>
+  </p:clrMapOvr>
+  <p:transition spd="slow">
+    <p:push dir="u"/>
+  </p:transition>
+</p:sld>
+</file>
+
+<file path=ppt/slides/slide22.xml><?xml version="1.0" encoding="utf-8"?>
+<p:sld xmlns:a="http://schemas.openxmlformats.org/drawingml/2006/main" xmlns:r="http://schemas.openxmlformats.org/officeDocument/2006/relationships" xmlns:p="http://schemas.openxmlformats.org/presentationml/2006/main">
+  <p:cSld>
+    <p:spTree>
+      <p:nvGrpSpPr>
+        <p:cNvPr id="1" name=""/>
+        <p:cNvGrpSpPr/>
+        <p:nvPr/>
+      </p:nvGrpSpPr>
+      <p:grpSpPr>
+        <a:xfrm>
+          <a:off x="0" y="0"/>
+          <a:ext cx="0" cy="0"/>
+          <a:chOff x="0" y="0"/>
+          <a:chExt cx="0" cy="0"/>
+        </a:xfrm>
+      </p:grpSpPr>
       <p:sp>
         <p:nvSpPr>
-          <p:cNvPr id="3" name="Контейнер за съдържание 2">
+          <p:cNvPr id="2" name="Заглавие 1">
             <a:extLst>
               <a:ext uri="{FF2B5EF4-FFF2-40B4-BE49-F238E27FC236}">
-                <a16:creationId xmlns:a16="http://schemas.microsoft.com/office/drawing/2014/main" id="{2A8BFA13-0DDB-F3BB-6139-AA7DFA822DA1}"/>
+                <a16:creationId xmlns:a16="http://schemas.microsoft.com/office/drawing/2014/main" id="{926409F7-C4EF-589D-CA14-D649B76BF819}"/>
               </a:ext>
             </a:extLst>
           </p:cNvPr>
@@ -17077,7 +18656,7 @@
             <a:spLocks noGrp="1"/>
           </p:cNvSpPr>
           <p:nvPr>
-            <p:ph idx="1"/>
+            <p:ph type="title"/>
           </p:nvPr>
         </p:nvSpPr>
         <p:spPr/>
@@ -17085,24 +18664,188 @@
           <a:bodyPr/>
           <a:lstStyle/>
           <a:p>
-            <a:endParaRPr lang="bg-BG" dirty="0"/>
+            <a:r>
+              <a:rPr lang="bg-BG" dirty="0">
+                <a:solidFill>
+                  <a:srgbClr val="ED213D"/>
+                </a:solidFill>
+              </a:rPr>
+              <a:t>Екран след вход в системата</a:t>
+            </a:r>
           </a:p>
         </p:txBody>
       </p:sp>
+      <p:pic>
+        <p:nvPicPr>
+          <p:cNvPr id="4" name="Picture 15">
+            <a:extLst>
+              <a:ext uri="{FF2B5EF4-FFF2-40B4-BE49-F238E27FC236}">
+                <a16:creationId xmlns:a16="http://schemas.microsoft.com/office/drawing/2014/main" id="{A2A91936-38FD-76C1-D5D9-0DE91EE615F3}"/>
+              </a:ext>
+            </a:extLst>
+          </p:cNvPr>
+          <p:cNvPicPr>
+            <a:picLocks noChangeAspect="1"/>
+          </p:cNvPicPr>
+          <p:nvPr/>
+        </p:nvPicPr>
+        <p:blipFill>
+          <a:blip r:embed="rId2"/>
+          <a:stretch>
+            <a:fillRect/>
+          </a:stretch>
+        </p:blipFill>
+        <p:spPr>
+          <a:xfrm>
+            <a:off x="2548516" y="1658245"/>
+            <a:ext cx="7094967" cy="4688765"/>
+          </a:xfrm>
+          <a:prstGeom prst="rect">
+            <a:avLst/>
+          </a:prstGeom>
+        </p:spPr>
+      </p:pic>
     </p:spTree>
     <p:extLst>
       <p:ext uri="{BB962C8B-B14F-4D97-AF65-F5344CB8AC3E}">
-        <p14:creationId xmlns:p14="http://schemas.microsoft.com/office/powerpoint/2010/main" val="241362625"/>
+        <p14:creationId xmlns:p14="http://schemas.microsoft.com/office/powerpoint/2010/main" val="4044301165"/>
       </p:ext>
     </p:extLst>
   </p:cSld>
   <p:clrMapOvr>
     <a:masterClrMapping/>
   </p:clrMapOvr>
+  <p:transition spd="slow">
+    <p:push dir="u"/>
+  </p:transition>
 </p:sld>
 </file>
 
-<file path=ppt/slides/slide22.xml><?xml version="1.0" encoding="utf-8"?>
+<file path=ppt/slides/slide23.xml><?xml version="1.0" encoding="utf-8"?>
+<p:sld xmlns:a="http://schemas.openxmlformats.org/drawingml/2006/main" xmlns:r="http://schemas.openxmlformats.org/officeDocument/2006/relationships" xmlns:p="http://schemas.openxmlformats.org/presentationml/2006/main">
+  <p:cSld>
+    <p:spTree>
+      <p:nvGrpSpPr>
+        <p:cNvPr id="1" name=""/>
+        <p:cNvGrpSpPr/>
+        <p:nvPr/>
+      </p:nvGrpSpPr>
+      <p:grpSpPr>
+        <a:xfrm>
+          <a:off x="0" y="0"/>
+          <a:ext cx="0" cy="0"/>
+          <a:chOff x="0" y="0"/>
+          <a:chExt cx="0" cy="0"/>
+        </a:xfrm>
+      </p:grpSpPr>
+      <p:sp>
+        <p:nvSpPr>
+          <p:cNvPr id="2" name="Заглавие 1">
+            <a:extLst>
+              <a:ext uri="{FF2B5EF4-FFF2-40B4-BE49-F238E27FC236}">
+                <a16:creationId xmlns:a16="http://schemas.microsoft.com/office/drawing/2014/main" id="{926409F7-C4EF-589D-CA14-D649B76BF819}"/>
+              </a:ext>
+            </a:extLst>
+          </p:cNvPr>
+          <p:cNvSpPr>
+            <a:spLocks noGrp="1"/>
+          </p:cNvSpPr>
+          <p:nvPr>
+            <p:ph type="title"/>
+          </p:nvPr>
+        </p:nvSpPr>
+        <p:spPr/>
+        <p:txBody>
+          <a:bodyPr/>
+          <a:lstStyle/>
+          <a:p>
+            <a:r>
+              <a:rPr lang="bg-BG" dirty="0">
+                <a:solidFill>
+                  <a:srgbClr val="ED213D"/>
+                </a:solidFill>
+              </a:rPr>
+              <a:t>Екрани за добавяне и търсене на песен</a:t>
+            </a:r>
+          </a:p>
+        </p:txBody>
+      </p:sp>
+      <p:pic>
+        <p:nvPicPr>
+          <p:cNvPr id="4" name="Picture 16">
+            <a:extLst>
+              <a:ext uri="{FF2B5EF4-FFF2-40B4-BE49-F238E27FC236}">
+                <a16:creationId xmlns:a16="http://schemas.microsoft.com/office/drawing/2014/main" id="{F0BC019A-D4F2-04C1-DE68-2F3F14F0581A}"/>
+              </a:ext>
+            </a:extLst>
+          </p:cNvPr>
+          <p:cNvPicPr>
+            <a:picLocks noChangeAspect="1"/>
+          </p:cNvPicPr>
+          <p:nvPr/>
+        </p:nvPicPr>
+        <p:blipFill rotWithShape="1">
+          <a:blip r:embed="rId2"/>
+          <a:srcRect l="497" t="1550" r="1201"/>
+          <a:stretch/>
+        </p:blipFill>
+        <p:spPr>
+          <a:xfrm>
+            <a:off x="1978351" y="2122573"/>
+            <a:ext cx="3239109" cy="3558985"/>
+          </a:xfrm>
+          <a:prstGeom prst="rect">
+            <a:avLst/>
+          </a:prstGeom>
+        </p:spPr>
+      </p:pic>
+      <p:pic>
+        <p:nvPicPr>
+          <p:cNvPr id="5" name="Picture 17">
+            <a:extLst>
+              <a:ext uri="{FF2B5EF4-FFF2-40B4-BE49-F238E27FC236}">
+                <a16:creationId xmlns:a16="http://schemas.microsoft.com/office/drawing/2014/main" id="{16403B80-0F7D-454E-81F9-0D6A26331E60}"/>
+              </a:ext>
+            </a:extLst>
+          </p:cNvPr>
+          <p:cNvPicPr>
+            <a:picLocks noChangeAspect="1"/>
+          </p:cNvPicPr>
+          <p:nvPr/>
+        </p:nvPicPr>
+        <p:blipFill>
+          <a:blip r:embed="rId3"/>
+          <a:stretch>
+            <a:fillRect/>
+          </a:stretch>
+        </p:blipFill>
+        <p:spPr>
+          <a:xfrm>
+            <a:off x="6974542" y="1989603"/>
+            <a:ext cx="3028501" cy="3824923"/>
+          </a:xfrm>
+          <a:prstGeom prst="rect">
+            <a:avLst/>
+          </a:prstGeom>
+        </p:spPr>
+      </p:pic>
+    </p:spTree>
+    <p:extLst>
+      <p:ext uri="{BB962C8B-B14F-4D97-AF65-F5344CB8AC3E}">
+        <p14:creationId xmlns:p14="http://schemas.microsoft.com/office/powerpoint/2010/main" val="1778915958"/>
+      </p:ext>
+    </p:extLst>
+  </p:cSld>
+  <p:clrMapOvr>
+    <a:masterClrMapping/>
+  </p:clrMapOvr>
+  <p:transition spd="slow">
+    <p:push dir="u"/>
+  </p:transition>
+</p:sld>
+</file>
+
+<file path=ppt/slides/slide24.xml><?xml version="1.0" encoding="utf-8"?>
 <p:sld xmlns:a="http://schemas.openxmlformats.org/drawingml/2006/main" xmlns:r="http://schemas.openxmlformats.org/officeDocument/2006/relationships" xmlns:p="http://schemas.openxmlformats.org/presentationml/2006/main">
   <p:cSld>
     <p:spTree>
@@ -17302,6 +19045,18 @@
   <p:clrMapOvr>
     <a:masterClrMapping/>
   </p:clrMapOvr>
+  <mc:AlternateContent xmlns:mc="http://schemas.openxmlformats.org/markup-compatibility/2006">
+    <mc:Choice xmlns:p14="http://schemas.microsoft.com/office/powerpoint/2010/main" Requires="p14">
+      <p:transition spd="slow">
+        <p14:pan dir="u"/>
+      </p:transition>
+    </mc:Choice>
+    <mc:Fallback>
+      <p:transition spd="slow">
+        <p:fade/>
+      </p:transition>
+    </mc:Fallback>
+  </mc:AlternateContent>
 </p:sld>
 </file>
 
@@ -17761,6 +19516,9 @@
   <p:clrMapOvr>
     <a:masterClrMapping/>
   </p:clrMapOvr>
+  <p:transition spd="med">
+    <p:pull/>
+  </p:transition>
 </p:sld>
 </file>
 
@@ -18333,6 +20091,18 @@
   <p:clrMapOvr>
     <a:masterClrMapping/>
   </p:clrMapOvr>
+  <mc:AlternateContent xmlns:mc="http://schemas.openxmlformats.org/markup-compatibility/2006">
+    <mc:Choice xmlns:p14="http://schemas.microsoft.com/office/powerpoint/2010/main" Requires="p14">
+      <p:transition spd="med" p14:dur="700">
+        <p:fade/>
+      </p:transition>
+    </mc:Choice>
+    <mc:Fallback>
+      <p:transition spd="med">
+        <p:fade/>
+      </p:transition>
+    </mc:Fallback>
+  </mc:AlternateContent>
 </p:sld>
 </file>
 
@@ -18426,6 +20196,422 @@
   <p:clrMapOvr>
     <a:masterClrMapping/>
   </p:clrMapOvr>
+  <p:transition spd="med">
+    <p:pull/>
+  </p:transition>
+  <p:timing>
+    <p:tnLst>
+      <p:par>
+        <p:cTn id="1" dur="indefinite" restart="never" nodeType="tmRoot">
+          <p:childTnLst>
+            <p:seq concurrent="1" nextAc="seek">
+              <p:cTn id="2" dur="indefinite" nodeType="mainSeq">
+                <p:childTnLst>
+                  <p:par>
+                    <p:cTn id="3" fill="hold">
+                      <p:stCondLst>
+                        <p:cond delay="indefinite"/>
+                        <p:cond evt="onBegin" delay="0">
+                          <p:tn val="2"/>
+                        </p:cond>
+                      </p:stCondLst>
+                      <p:childTnLst>
+                        <p:par>
+                          <p:cTn id="4" fill="hold">
+                            <p:stCondLst>
+                              <p:cond delay="0"/>
+                            </p:stCondLst>
+                            <p:childTnLst>
+                              <p:par>
+                                <p:cTn id="5" presetID="22" presetClass="entr" presetSubtype="4" fill="hold" grpId="0" nodeType="afterEffect">
+                                  <p:stCondLst>
+                                    <p:cond delay="0"/>
+                                  </p:stCondLst>
+                                  <p:childTnLst>
+                                    <p:set>
+                                      <p:cBhvr>
+                                        <p:cTn id="6" dur="1" fill="hold">
+                                          <p:stCondLst>
+                                            <p:cond delay="0"/>
+                                          </p:stCondLst>
+                                        </p:cTn>
+                                        <p:tgtEl>
+                                          <p:spTgt spid="8">
+                                            <p:graphicEl>
+                                              <a:chart seriesIdx="-3" categoryIdx="-3" bldStep="gridLegend"/>
+                                            </p:graphicEl>
+                                          </p:spTgt>
+                                        </p:tgtEl>
+                                        <p:attrNameLst>
+                                          <p:attrName>style.visibility</p:attrName>
+                                        </p:attrNameLst>
+                                      </p:cBhvr>
+                                      <p:to>
+                                        <p:strVal val="visible"/>
+                                      </p:to>
+                                    </p:set>
+                                    <p:animEffect transition="in" filter="wipe(down)">
+                                      <p:cBhvr>
+                                        <p:cTn id="7" dur="500"/>
+                                        <p:tgtEl>
+                                          <p:spTgt spid="8">
+                                            <p:graphicEl>
+                                              <a:chart seriesIdx="-3" categoryIdx="-3" bldStep="gridLegend"/>
+                                            </p:graphicEl>
+                                          </p:spTgt>
+                                        </p:tgtEl>
+                                      </p:cBhvr>
+                                    </p:animEffect>
+                                  </p:childTnLst>
+                                </p:cTn>
+                              </p:par>
+                            </p:childTnLst>
+                          </p:cTn>
+                        </p:par>
+                        <p:par>
+                          <p:cTn id="8" fill="hold">
+                            <p:stCondLst>
+                              <p:cond delay="500"/>
+                            </p:stCondLst>
+                            <p:childTnLst>
+                              <p:par>
+                                <p:cTn id="9" presetID="22" presetClass="entr" presetSubtype="4" fill="hold" grpId="0" nodeType="afterEffect">
+                                  <p:stCondLst>
+                                    <p:cond delay="0"/>
+                                  </p:stCondLst>
+                                  <p:childTnLst>
+                                    <p:set>
+                                      <p:cBhvr>
+                                        <p:cTn id="10" dur="1" fill="hold">
+                                          <p:stCondLst>
+                                            <p:cond delay="0"/>
+                                          </p:stCondLst>
+                                        </p:cTn>
+                                        <p:tgtEl>
+                                          <p:spTgt spid="8">
+                                            <p:graphicEl>
+                                              <a:chart seriesIdx="0" categoryIdx="0" bldStep="ptInSeries"/>
+                                            </p:graphicEl>
+                                          </p:spTgt>
+                                        </p:tgtEl>
+                                        <p:attrNameLst>
+                                          <p:attrName>style.visibility</p:attrName>
+                                        </p:attrNameLst>
+                                      </p:cBhvr>
+                                      <p:to>
+                                        <p:strVal val="visible"/>
+                                      </p:to>
+                                    </p:set>
+                                    <p:animEffect transition="in" filter="wipe(down)">
+                                      <p:cBhvr>
+                                        <p:cTn id="11" dur="500"/>
+                                        <p:tgtEl>
+                                          <p:spTgt spid="8">
+                                            <p:graphicEl>
+                                              <a:chart seriesIdx="0" categoryIdx="0" bldStep="ptInSeries"/>
+                                            </p:graphicEl>
+                                          </p:spTgt>
+                                        </p:tgtEl>
+                                      </p:cBhvr>
+                                    </p:animEffect>
+                                  </p:childTnLst>
+                                </p:cTn>
+                              </p:par>
+                            </p:childTnLst>
+                          </p:cTn>
+                        </p:par>
+                        <p:par>
+                          <p:cTn id="12" fill="hold">
+                            <p:stCondLst>
+                              <p:cond delay="1000"/>
+                            </p:stCondLst>
+                            <p:childTnLst>
+                              <p:par>
+                                <p:cTn id="13" presetID="22" presetClass="entr" presetSubtype="4" fill="hold" grpId="0" nodeType="afterEffect">
+                                  <p:stCondLst>
+                                    <p:cond delay="0"/>
+                                  </p:stCondLst>
+                                  <p:childTnLst>
+                                    <p:set>
+                                      <p:cBhvr>
+                                        <p:cTn id="14" dur="1" fill="hold">
+                                          <p:stCondLst>
+                                            <p:cond delay="0"/>
+                                          </p:stCondLst>
+                                        </p:cTn>
+                                        <p:tgtEl>
+                                          <p:spTgt spid="8">
+                                            <p:graphicEl>
+                                              <a:chart seriesIdx="0" categoryIdx="1" bldStep="ptInSeries"/>
+                                            </p:graphicEl>
+                                          </p:spTgt>
+                                        </p:tgtEl>
+                                        <p:attrNameLst>
+                                          <p:attrName>style.visibility</p:attrName>
+                                        </p:attrNameLst>
+                                      </p:cBhvr>
+                                      <p:to>
+                                        <p:strVal val="visible"/>
+                                      </p:to>
+                                    </p:set>
+                                    <p:animEffect transition="in" filter="wipe(down)">
+                                      <p:cBhvr>
+                                        <p:cTn id="15" dur="500"/>
+                                        <p:tgtEl>
+                                          <p:spTgt spid="8">
+                                            <p:graphicEl>
+                                              <a:chart seriesIdx="0" categoryIdx="1" bldStep="ptInSeries"/>
+                                            </p:graphicEl>
+                                          </p:spTgt>
+                                        </p:tgtEl>
+                                      </p:cBhvr>
+                                    </p:animEffect>
+                                  </p:childTnLst>
+                                </p:cTn>
+                              </p:par>
+                            </p:childTnLst>
+                          </p:cTn>
+                        </p:par>
+                        <p:par>
+                          <p:cTn id="16" fill="hold">
+                            <p:stCondLst>
+                              <p:cond delay="1500"/>
+                            </p:stCondLst>
+                            <p:childTnLst>
+                              <p:par>
+                                <p:cTn id="17" presetID="22" presetClass="entr" presetSubtype="4" fill="hold" grpId="0" nodeType="afterEffect">
+                                  <p:stCondLst>
+                                    <p:cond delay="0"/>
+                                  </p:stCondLst>
+                                  <p:childTnLst>
+                                    <p:set>
+                                      <p:cBhvr>
+                                        <p:cTn id="18" dur="1" fill="hold">
+                                          <p:stCondLst>
+                                            <p:cond delay="0"/>
+                                          </p:stCondLst>
+                                        </p:cTn>
+                                        <p:tgtEl>
+                                          <p:spTgt spid="8">
+                                            <p:graphicEl>
+                                              <a:chart seriesIdx="0" categoryIdx="2" bldStep="ptInSeries"/>
+                                            </p:graphicEl>
+                                          </p:spTgt>
+                                        </p:tgtEl>
+                                        <p:attrNameLst>
+                                          <p:attrName>style.visibility</p:attrName>
+                                        </p:attrNameLst>
+                                      </p:cBhvr>
+                                      <p:to>
+                                        <p:strVal val="visible"/>
+                                      </p:to>
+                                    </p:set>
+                                    <p:animEffect transition="in" filter="wipe(down)">
+                                      <p:cBhvr>
+                                        <p:cTn id="19" dur="500"/>
+                                        <p:tgtEl>
+                                          <p:spTgt spid="8">
+                                            <p:graphicEl>
+                                              <a:chart seriesIdx="0" categoryIdx="2" bldStep="ptInSeries"/>
+                                            </p:graphicEl>
+                                          </p:spTgt>
+                                        </p:tgtEl>
+                                      </p:cBhvr>
+                                    </p:animEffect>
+                                  </p:childTnLst>
+                                </p:cTn>
+                              </p:par>
+                            </p:childTnLst>
+                          </p:cTn>
+                        </p:par>
+                        <p:par>
+                          <p:cTn id="20" fill="hold">
+                            <p:stCondLst>
+                              <p:cond delay="2000"/>
+                            </p:stCondLst>
+                            <p:childTnLst>
+                              <p:par>
+                                <p:cTn id="21" presetID="22" presetClass="entr" presetSubtype="4" fill="hold" grpId="0" nodeType="afterEffect">
+                                  <p:stCondLst>
+                                    <p:cond delay="0"/>
+                                  </p:stCondLst>
+                                  <p:childTnLst>
+                                    <p:set>
+                                      <p:cBhvr>
+                                        <p:cTn id="22" dur="1" fill="hold">
+                                          <p:stCondLst>
+                                            <p:cond delay="0"/>
+                                          </p:stCondLst>
+                                        </p:cTn>
+                                        <p:tgtEl>
+                                          <p:spTgt spid="8">
+                                            <p:graphicEl>
+                                              <a:chart seriesIdx="0" categoryIdx="3" bldStep="ptInSeries"/>
+                                            </p:graphicEl>
+                                          </p:spTgt>
+                                        </p:tgtEl>
+                                        <p:attrNameLst>
+                                          <p:attrName>style.visibility</p:attrName>
+                                        </p:attrNameLst>
+                                      </p:cBhvr>
+                                      <p:to>
+                                        <p:strVal val="visible"/>
+                                      </p:to>
+                                    </p:set>
+                                    <p:animEffect transition="in" filter="wipe(down)">
+                                      <p:cBhvr>
+                                        <p:cTn id="23" dur="500"/>
+                                        <p:tgtEl>
+                                          <p:spTgt spid="8">
+                                            <p:graphicEl>
+                                              <a:chart seriesIdx="0" categoryIdx="3" bldStep="ptInSeries"/>
+                                            </p:graphicEl>
+                                          </p:spTgt>
+                                        </p:tgtEl>
+                                      </p:cBhvr>
+                                    </p:animEffect>
+                                  </p:childTnLst>
+                                </p:cTn>
+                              </p:par>
+                            </p:childTnLst>
+                          </p:cTn>
+                        </p:par>
+                        <p:par>
+                          <p:cTn id="24" fill="hold">
+                            <p:stCondLst>
+                              <p:cond delay="2500"/>
+                            </p:stCondLst>
+                            <p:childTnLst>
+                              <p:par>
+                                <p:cTn id="25" presetID="22" presetClass="entr" presetSubtype="4" fill="hold" grpId="0" nodeType="afterEffect">
+                                  <p:stCondLst>
+                                    <p:cond delay="0"/>
+                                  </p:stCondLst>
+                                  <p:childTnLst>
+                                    <p:set>
+                                      <p:cBhvr>
+                                        <p:cTn id="26" dur="1" fill="hold">
+                                          <p:stCondLst>
+                                            <p:cond delay="0"/>
+                                          </p:stCondLst>
+                                        </p:cTn>
+                                        <p:tgtEl>
+                                          <p:spTgt spid="8">
+                                            <p:graphicEl>
+                                              <a:chart seriesIdx="0" categoryIdx="4" bldStep="ptInSeries"/>
+                                            </p:graphicEl>
+                                          </p:spTgt>
+                                        </p:tgtEl>
+                                        <p:attrNameLst>
+                                          <p:attrName>style.visibility</p:attrName>
+                                        </p:attrNameLst>
+                                      </p:cBhvr>
+                                      <p:to>
+                                        <p:strVal val="visible"/>
+                                      </p:to>
+                                    </p:set>
+                                    <p:animEffect transition="in" filter="wipe(down)">
+                                      <p:cBhvr>
+                                        <p:cTn id="27" dur="500"/>
+                                        <p:tgtEl>
+                                          <p:spTgt spid="8">
+                                            <p:graphicEl>
+                                              <a:chart seriesIdx="0" categoryIdx="4" bldStep="ptInSeries"/>
+                                            </p:graphicEl>
+                                          </p:spTgt>
+                                        </p:tgtEl>
+                                      </p:cBhvr>
+                                    </p:animEffect>
+                                  </p:childTnLst>
+                                </p:cTn>
+                              </p:par>
+                            </p:childTnLst>
+                          </p:cTn>
+                        </p:par>
+                        <p:par>
+                          <p:cTn id="28" fill="hold">
+                            <p:stCondLst>
+                              <p:cond delay="3000"/>
+                            </p:stCondLst>
+                            <p:childTnLst>
+                              <p:par>
+                                <p:cTn id="29" presetID="22" presetClass="entr" presetSubtype="4" fill="hold" grpId="0" nodeType="afterEffect">
+                                  <p:stCondLst>
+                                    <p:cond delay="0"/>
+                                  </p:stCondLst>
+                                  <p:childTnLst>
+                                    <p:set>
+                                      <p:cBhvr>
+                                        <p:cTn id="30" dur="1" fill="hold">
+                                          <p:stCondLst>
+                                            <p:cond delay="0"/>
+                                          </p:stCondLst>
+                                        </p:cTn>
+                                        <p:tgtEl>
+                                          <p:spTgt spid="8">
+                                            <p:graphicEl>
+                                              <a:chart seriesIdx="0" categoryIdx="5" bldStep="ptInSeries"/>
+                                            </p:graphicEl>
+                                          </p:spTgt>
+                                        </p:tgtEl>
+                                        <p:attrNameLst>
+                                          <p:attrName>style.visibility</p:attrName>
+                                        </p:attrNameLst>
+                                      </p:cBhvr>
+                                      <p:to>
+                                        <p:strVal val="visible"/>
+                                      </p:to>
+                                    </p:set>
+                                    <p:animEffect transition="in" filter="wipe(down)">
+                                      <p:cBhvr>
+                                        <p:cTn id="31" dur="500"/>
+                                        <p:tgtEl>
+                                          <p:spTgt spid="8">
+                                            <p:graphicEl>
+                                              <a:chart seriesIdx="0" categoryIdx="5" bldStep="ptInSeries"/>
+                                            </p:graphicEl>
+                                          </p:spTgt>
+                                        </p:tgtEl>
+                                      </p:cBhvr>
+                                    </p:animEffect>
+                                  </p:childTnLst>
+                                </p:cTn>
+                              </p:par>
+                            </p:childTnLst>
+                          </p:cTn>
+                        </p:par>
+                      </p:childTnLst>
+                    </p:cTn>
+                  </p:par>
+                </p:childTnLst>
+              </p:cTn>
+              <p:prevCondLst>
+                <p:cond evt="onPrev" delay="0">
+                  <p:tgtEl>
+                    <p:sldTgt/>
+                  </p:tgtEl>
+                </p:cond>
+              </p:prevCondLst>
+              <p:nextCondLst>
+                <p:cond evt="onNext" delay="0">
+                  <p:tgtEl>
+                    <p:sldTgt/>
+                  </p:tgtEl>
+                </p:cond>
+              </p:nextCondLst>
+            </p:seq>
+          </p:childTnLst>
+        </p:cTn>
+      </p:par>
+    </p:tnLst>
+    <p:bldLst>
+      <p:bldGraphic spid="8" grpId="0" uiExpand="1">
+        <p:bldSub>
+          <a:bldChart bld="seriesEl"/>
+        </p:bldSub>
+      </p:bldGraphic>
+    </p:bldLst>
+  </p:timing>
 </p:sld>
 </file>
 
@@ -18810,6 +20996,153 @@
   <p:clrMapOvr>
     <a:masterClrMapping/>
   </p:clrMapOvr>
+  <mc:AlternateContent xmlns:mc="http://schemas.openxmlformats.org/markup-compatibility/2006">
+    <mc:Choice xmlns:p14="http://schemas.microsoft.com/office/powerpoint/2010/main" Requires="p14">
+      <p:transition spd="slow" p14:dur="1500">
+        <p14:reveal/>
+      </p:transition>
+    </mc:Choice>
+    <mc:Fallback>
+      <p:transition spd="slow">
+        <p:fade/>
+      </p:transition>
+    </mc:Fallback>
+  </mc:AlternateContent>
+  <p:timing>
+    <p:tnLst>
+      <p:par>
+        <p:cTn id="1" dur="indefinite" restart="never" nodeType="tmRoot">
+          <p:childTnLst>
+            <p:seq concurrent="1" nextAc="seek">
+              <p:cTn id="2" dur="indefinite" nodeType="mainSeq">
+                <p:childTnLst>
+                  <p:par>
+                    <p:cTn id="3" fill="hold">
+                      <p:stCondLst>
+                        <p:cond delay="indefinite"/>
+                        <p:cond evt="onBegin" delay="0">
+                          <p:tn val="2"/>
+                        </p:cond>
+                      </p:stCondLst>
+                      <p:childTnLst>
+                        <p:par>
+                          <p:cTn id="4" fill="hold">
+                            <p:stCondLst>
+                              <p:cond delay="0"/>
+                            </p:stCondLst>
+                            <p:childTnLst>
+                              <p:par>
+                                <p:cTn id="5" presetID="32" presetClass="emph" presetSubtype="0" fill="hold" nodeType="afterEffect">
+                                  <p:stCondLst>
+                                    <p:cond delay="0"/>
+                                  </p:stCondLst>
+                                  <p:childTnLst>
+                                    <p:animRot by="120000">
+                                      <p:cBhvr>
+                                        <p:cTn id="6" dur="100" fill="hold">
+                                          <p:stCondLst>
+                                            <p:cond delay="0"/>
+                                          </p:stCondLst>
+                                        </p:cTn>
+                                        <p:tgtEl>
+                                          <p:spTgt spid="4"/>
+                                        </p:tgtEl>
+                                        <p:attrNameLst>
+                                          <p:attrName>r</p:attrName>
+                                        </p:attrNameLst>
+                                      </p:cBhvr>
+                                    </p:animRot>
+                                    <p:animRot by="-240000">
+                                      <p:cBhvr>
+                                        <p:cTn id="7" dur="200" fill="hold">
+                                          <p:stCondLst>
+                                            <p:cond delay="200"/>
+                                          </p:stCondLst>
+                                        </p:cTn>
+                                        <p:tgtEl>
+                                          <p:spTgt spid="4"/>
+                                        </p:tgtEl>
+                                        <p:attrNameLst>
+                                          <p:attrName>r</p:attrName>
+                                        </p:attrNameLst>
+                                      </p:cBhvr>
+                                    </p:animRot>
+                                    <p:animRot by="240000">
+                                      <p:cBhvr>
+                                        <p:cTn id="8" dur="200" fill="hold">
+                                          <p:stCondLst>
+                                            <p:cond delay="400"/>
+                                          </p:stCondLst>
+                                        </p:cTn>
+                                        <p:tgtEl>
+                                          <p:spTgt spid="4"/>
+                                        </p:tgtEl>
+                                        <p:attrNameLst>
+                                          <p:attrName>r</p:attrName>
+                                        </p:attrNameLst>
+                                      </p:cBhvr>
+                                    </p:animRot>
+                                    <p:animRot by="-240000">
+                                      <p:cBhvr>
+                                        <p:cTn id="9" dur="200" fill="hold">
+                                          <p:stCondLst>
+                                            <p:cond delay="600"/>
+                                          </p:stCondLst>
+                                        </p:cTn>
+                                        <p:tgtEl>
+                                          <p:spTgt spid="4"/>
+                                        </p:tgtEl>
+                                        <p:attrNameLst>
+                                          <p:attrName>r</p:attrName>
+                                        </p:attrNameLst>
+                                      </p:cBhvr>
+                                    </p:animRot>
+                                    <p:animRot by="120000">
+                                      <p:cBhvr>
+                                        <p:cTn id="10" dur="200" fill="hold">
+                                          <p:stCondLst>
+                                            <p:cond delay="800"/>
+                                          </p:stCondLst>
+                                        </p:cTn>
+                                        <p:tgtEl>
+                                          <p:spTgt spid="4"/>
+                                        </p:tgtEl>
+                                        <p:attrNameLst>
+                                          <p:attrName>r</p:attrName>
+                                        </p:attrNameLst>
+                                      </p:cBhvr>
+                                    </p:animRot>
+                                  </p:childTnLst>
+                                </p:cTn>
+                              </p:par>
+                            </p:childTnLst>
+                          </p:cTn>
+                        </p:par>
+                      </p:childTnLst>
+                    </p:cTn>
+                  </p:par>
+                </p:childTnLst>
+              </p:cTn>
+              <p:prevCondLst>
+                <p:cond evt="onPrev" delay="0">
+                  <p:tgtEl>
+                    <p:sldTgt/>
+                  </p:tgtEl>
+                </p:cond>
+              </p:prevCondLst>
+              <p:nextCondLst>
+                <p:cond evt="onNext" delay="0">
+                  <p:tgtEl>
+                    <p:sldTgt/>
+                  </p:tgtEl>
+                </p:cond>
+              </p:nextCondLst>
+            </p:seq>
+          </p:childTnLst>
+        </p:cTn>
+      </p:par>
+    </p:tnLst>
+  </p:timing>
 </p:sld>
 </file>
 
@@ -20000,6 +22333,95 @@
   <p:clrMapOvr>
     <a:masterClrMapping/>
   </p:clrMapOvr>
+  <mc:AlternateContent xmlns:mc="http://schemas.openxmlformats.org/markup-compatibility/2006">
+    <mc:Choice xmlns:p159="http://schemas.microsoft.com/office/powerpoint/2015/09/main" Requires="p159">
+      <p:transition xmlns:p14="http://schemas.microsoft.com/office/powerpoint/2010/main" spd="slow" p14:dur="1500">
+        <p159:morph option="byObject"/>
+      </p:transition>
+    </mc:Choice>
+    <mc:Fallback>
+      <p:transition spd="slow">
+        <p:fade/>
+      </p:transition>
+    </mc:Fallback>
+  </mc:AlternateContent>
+  <p:timing>
+    <p:tnLst>
+      <p:par>
+        <p:cTn id="1" dur="indefinite" restart="never" nodeType="tmRoot">
+          <p:childTnLst>
+            <p:seq concurrent="1" nextAc="seek">
+              <p:cTn id="2" dur="indefinite" nodeType="mainSeq">
+                <p:childTnLst>
+                  <p:par>
+                    <p:cTn id="3" fill="hold">
+                      <p:stCondLst>
+                        <p:cond delay="indefinite"/>
+                        <p:cond evt="onBegin" delay="0">
+                          <p:tn val="2"/>
+                        </p:cond>
+                      </p:stCondLst>
+                      <p:childTnLst>
+                        <p:par>
+                          <p:cTn id="4" fill="hold">
+                            <p:stCondLst>
+                              <p:cond delay="0"/>
+                            </p:stCondLst>
+                            <p:childTnLst>
+                              <p:par>
+                                <p:cTn id="5" presetID="26" presetClass="emph" presetSubtype="0" fill="hold" nodeType="afterEffect">
+                                  <p:stCondLst>
+                                    <p:cond delay="0"/>
+                                  </p:stCondLst>
+                                  <p:childTnLst>
+                                    <p:animEffect transition="out" filter="fade">
+                                      <p:cBhvr>
+                                        <p:cTn id="6" dur="500" tmFilter="0, 0; .2, .5; .8, .5; 1, 0"/>
+                                        <p:tgtEl>
+                                          <p:spTgt spid="4"/>
+                                        </p:tgtEl>
+                                      </p:cBhvr>
+                                    </p:animEffect>
+                                    <p:animScale>
+                                      <p:cBhvr>
+                                        <p:cTn id="7" dur="250" autoRev="1" fill="hold"/>
+                                        <p:tgtEl>
+                                          <p:spTgt spid="4"/>
+                                        </p:tgtEl>
+                                      </p:cBhvr>
+                                      <p:by x="105000" y="105000"/>
+                                    </p:animScale>
+                                  </p:childTnLst>
+                                </p:cTn>
+                              </p:par>
+                            </p:childTnLst>
+                          </p:cTn>
+                        </p:par>
+                      </p:childTnLst>
+                    </p:cTn>
+                  </p:par>
+                </p:childTnLst>
+              </p:cTn>
+              <p:prevCondLst>
+                <p:cond evt="onPrev" delay="0">
+                  <p:tgtEl>
+                    <p:sldTgt/>
+                  </p:tgtEl>
+                </p:cond>
+              </p:prevCondLst>
+              <p:nextCondLst>
+                <p:cond evt="onNext" delay="0">
+                  <p:tgtEl>
+                    <p:sldTgt/>
+                  </p:tgtEl>
+                </p:cond>
+              </p:nextCondLst>
+            </p:seq>
+          </p:childTnLst>
+        </p:cTn>
+      </p:par>
+    </p:tnLst>
+  </p:timing>
 </p:sld>
 </file>
 
@@ -20095,6 +22517,18 @@
   <p:clrMapOvr>
     <a:masterClrMapping/>
   </p:clrMapOvr>
+  <mc:AlternateContent xmlns:mc="http://schemas.openxmlformats.org/markup-compatibility/2006">
+    <mc:Choice xmlns:p14="http://schemas.microsoft.com/office/powerpoint/2010/main" Requires="p14">
+      <p:transition spd="slow" p14:dur="1500">
+        <p:split orient="vert"/>
+      </p:transition>
+    </mc:Choice>
+    <mc:Fallback>
+      <p:transition spd="slow">
+        <p:split orient="vert"/>
+      </p:transition>
+    </mc:Fallback>
+  </mc:AlternateContent>
 </p:sld>
 </file>
 
@@ -20930,6 +23364,144 @@
   <p:clrMapOvr>
     <a:masterClrMapping/>
   </p:clrMapOvr>
+  <p:transition spd="med">
+    <p:pull/>
+  </p:transition>
+  <p:timing>
+    <p:tnLst>
+      <p:par>
+        <p:cTn id="1" dur="indefinite" restart="never" nodeType="tmRoot">
+          <p:childTnLst>
+            <p:seq concurrent="1" nextAc="seek">
+              <p:cTn id="2" dur="indefinite" nodeType="mainSeq">
+                <p:childTnLst>
+                  <p:par>
+                    <p:cTn id="3" fill="hold">
+                      <p:stCondLst>
+                        <p:cond delay="indefinite"/>
+                        <p:cond evt="onBegin" delay="0">
+                          <p:tn val="2"/>
+                        </p:cond>
+                      </p:stCondLst>
+                      <p:childTnLst>
+                        <p:par>
+                          <p:cTn id="4" fill="hold">
+                            <p:stCondLst>
+                              <p:cond delay="0"/>
+                            </p:stCondLst>
+                            <p:childTnLst>
+                              <p:par>
+                                <p:cTn id="5" presetID="32" presetClass="emph" presetSubtype="0" fill="hold" nodeType="afterEffect">
+                                  <p:stCondLst>
+                                    <p:cond delay="0"/>
+                                  </p:stCondLst>
+                                  <p:childTnLst>
+                                    <p:animRot by="120000">
+                                      <p:cBhvr>
+                                        <p:cTn id="6" dur="100" fill="hold">
+                                          <p:stCondLst>
+                                            <p:cond delay="0"/>
+                                          </p:stCondLst>
+                                        </p:cTn>
+                                        <p:tgtEl>
+                                          <p:spTgt spid="17"/>
+                                        </p:tgtEl>
+                                        <p:attrNameLst>
+                                          <p:attrName>r</p:attrName>
+                                        </p:attrNameLst>
+                                      </p:cBhvr>
+                                    </p:animRot>
+                                    <p:animRot by="-240000">
+                                      <p:cBhvr>
+                                        <p:cTn id="7" dur="200" fill="hold">
+                                          <p:stCondLst>
+                                            <p:cond delay="200"/>
+                                          </p:stCondLst>
+                                        </p:cTn>
+                                        <p:tgtEl>
+                                          <p:spTgt spid="17"/>
+                                        </p:tgtEl>
+                                        <p:attrNameLst>
+                                          <p:attrName>r</p:attrName>
+                                        </p:attrNameLst>
+                                      </p:cBhvr>
+                                    </p:animRot>
+                                    <p:animRot by="240000">
+                                      <p:cBhvr>
+                                        <p:cTn id="8" dur="200" fill="hold">
+                                          <p:stCondLst>
+                                            <p:cond delay="400"/>
+                                          </p:stCondLst>
+                                        </p:cTn>
+                                        <p:tgtEl>
+                                          <p:spTgt spid="17"/>
+                                        </p:tgtEl>
+                                        <p:attrNameLst>
+                                          <p:attrName>r</p:attrName>
+                                        </p:attrNameLst>
+                                      </p:cBhvr>
+                                    </p:animRot>
+                                    <p:animRot by="-240000">
+                                      <p:cBhvr>
+                                        <p:cTn id="9" dur="200" fill="hold">
+                                          <p:stCondLst>
+                                            <p:cond delay="600"/>
+                                          </p:stCondLst>
+                                        </p:cTn>
+                                        <p:tgtEl>
+                                          <p:spTgt spid="17"/>
+                                        </p:tgtEl>
+                                        <p:attrNameLst>
+                                          <p:attrName>r</p:attrName>
+                                        </p:attrNameLst>
+                                      </p:cBhvr>
+                                    </p:animRot>
+                                    <p:animRot by="120000">
+                                      <p:cBhvr>
+                                        <p:cTn id="10" dur="200" fill="hold">
+                                          <p:stCondLst>
+                                            <p:cond delay="800"/>
+                                          </p:stCondLst>
+                                        </p:cTn>
+                                        <p:tgtEl>
+                                          <p:spTgt spid="17"/>
+                                        </p:tgtEl>
+                                        <p:attrNameLst>
+                                          <p:attrName>r</p:attrName>
+                                        </p:attrNameLst>
+                                      </p:cBhvr>
+                                    </p:animRot>
+                                  </p:childTnLst>
+                                </p:cTn>
+                              </p:par>
+                            </p:childTnLst>
+                          </p:cTn>
+                        </p:par>
+                      </p:childTnLst>
+                    </p:cTn>
+                  </p:par>
+                </p:childTnLst>
+              </p:cTn>
+              <p:prevCondLst>
+                <p:cond evt="onPrev" delay="0">
+                  <p:tgtEl>
+                    <p:sldTgt/>
+                  </p:tgtEl>
+                </p:cond>
+              </p:prevCondLst>
+              <p:nextCondLst>
+                <p:cond evt="onNext" delay="0">
+                  <p:tgtEl>
+                    <p:sldTgt/>
+                  </p:tgtEl>
+                </p:cond>
+              </p:nextCondLst>
+            </p:seq>
+          </p:childTnLst>
+        </p:cTn>
+      </p:par>
+    </p:tnLst>
+  </p:timing>
 </p:sld>
 </file>
 

--- a/Система за избор на песен.pptx
+++ b/Система за избор на песен.pptx
@@ -17,18 +17,19 @@
     <p:sldId id="268" r:id="rId11"/>
     <p:sldId id="272" r:id="rId12"/>
     <p:sldId id="275" r:id="rId13"/>
-    <p:sldId id="273" r:id="rId14"/>
-    <p:sldId id="266" r:id="rId15"/>
-    <p:sldId id="276" r:id="rId16"/>
-    <p:sldId id="278" r:id="rId17"/>
-    <p:sldId id="263" r:id="rId18"/>
-    <p:sldId id="270" r:id="rId19"/>
-    <p:sldId id="264" r:id="rId20"/>
-    <p:sldId id="269" r:id="rId21"/>
-    <p:sldId id="280" r:id="rId22"/>
-    <p:sldId id="281" r:id="rId23"/>
-    <p:sldId id="282" r:id="rId24"/>
-    <p:sldId id="277" r:id="rId25"/>
+    <p:sldId id="283" r:id="rId14"/>
+    <p:sldId id="273" r:id="rId15"/>
+    <p:sldId id="266" r:id="rId16"/>
+    <p:sldId id="276" r:id="rId17"/>
+    <p:sldId id="278" r:id="rId18"/>
+    <p:sldId id="263" r:id="rId19"/>
+    <p:sldId id="270" r:id="rId20"/>
+    <p:sldId id="264" r:id="rId21"/>
+    <p:sldId id="269" r:id="rId22"/>
+    <p:sldId id="280" r:id="rId23"/>
+    <p:sldId id="281" r:id="rId24"/>
+    <p:sldId id="282" r:id="rId25"/>
+    <p:sldId id="277" r:id="rId26"/>
   </p:sldIdLst>
   <p:sldSz cx="12192000" cy="6858000"/>
   <p:notesSz cx="6858000" cy="9144000"/>
@@ -7733,7 +7734,7 @@
           <a:p>
             <a:fld id="{1BF3BC5A-419B-484A-B4B9-01DF360CC01F}" type="datetimeFigureOut">
               <a:rPr lang="bg-BG" smtClean="0"/>
-              <a:t>23.5.2022 г.</a:t>
+              <a:t>24.5.2022 г.</a:t>
             </a:fld>
             <a:endParaRPr lang="bg-BG"/>
           </a:p>
@@ -7971,7 +7972,7 @@
           <a:p>
             <a:fld id="{1BF3BC5A-419B-484A-B4B9-01DF360CC01F}" type="datetimeFigureOut">
               <a:rPr lang="bg-BG" smtClean="0"/>
-              <a:t>23.5.2022 г.</a:t>
+              <a:t>24.5.2022 г.</a:t>
             </a:fld>
             <a:endParaRPr lang="bg-BG"/>
           </a:p>
@@ -8151,7 +8152,7 @@
           <a:p>
             <a:fld id="{1BF3BC5A-419B-484A-B4B9-01DF360CC01F}" type="datetimeFigureOut">
               <a:rPr lang="bg-BG" smtClean="0"/>
-              <a:t>23.5.2022 г.</a:t>
+              <a:t>24.5.2022 г.</a:t>
             </a:fld>
             <a:endParaRPr lang="bg-BG"/>
           </a:p>
@@ -8321,7 +8322,7 @@
           <a:p>
             <a:fld id="{1BF3BC5A-419B-484A-B4B9-01DF360CC01F}" type="datetimeFigureOut">
               <a:rPr lang="bg-BG" smtClean="0"/>
-              <a:t>23.5.2022 г.</a:t>
+              <a:t>24.5.2022 г.</a:t>
             </a:fld>
             <a:endParaRPr lang="bg-BG"/>
           </a:p>
@@ -8597,7 +8598,7 @@
           <a:p>
             <a:fld id="{1BF3BC5A-419B-484A-B4B9-01DF360CC01F}" type="datetimeFigureOut">
               <a:rPr lang="bg-BG" smtClean="0"/>
-              <a:t>23.5.2022 г.</a:t>
+              <a:t>24.5.2022 г.</a:t>
             </a:fld>
             <a:endParaRPr lang="bg-BG"/>
           </a:p>
@@ -9798,7 +9799,7 @@
           <a:p>
             <a:fld id="{1BF3BC5A-419B-484A-B4B9-01DF360CC01F}" type="datetimeFigureOut">
               <a:rPr lang="bg-BG" smtClean="0"/>
-              <a:t>23.5.2022 г.</a:t>
+              <a:t>24.5.2022 г.</a:t>
             </a:fld>
             <a:endParaRPr lang="bg-BG"/>
           </a:p>
@@ -10188,7 +10189,7 @@
           <a:p>
             <a:fld id="{1BF3BC5A-419B-484A-B4B9-01DF360CC01F}" type="datetimeFigureOut">
               <a:rPr lang="bg-BG" smtClean="0"/>
-              <a:t>23.5.2022 г.</a:t>
+              <a:t>24.5.2022 г.</a:t>
             </a:fld>
             <a:endParaRPr lang="bg-BG"/>
           </a:p>
@@ -10311,7 +10312,7 @@
           <a:p>
             <a:fld id="{1BF3BC5A-419B-484A-B4B9-01DF360CC01F}" type="datetimeFigureOut">
               <a:rPr lang="bg-BG" smtClean="0"/>
-              <a:t>23.5.2022 г.</a:t>
+              <a:t>24.5.2022 г.</a:t>
             </a:fld>
             <a:endParaRPr lang="bg-BG"/>
           </a:p>
@@ -10406,7 +10407,7 @@
           <a:p>
             <a:fld id="{1BF3BC5A-419B-484A-B4B9-01DF360CC01F}" type="datetimeFigureOut">
               <a:rPr lang="bg-BG" smtClean="0"/>
-              <a:t>23.5.2022 г.</a:t>
+              <a:t>24.5.2022 г.</a:t>
             </a:fld>
             <a:endParaRPr lang="bg-BG"/>
           </a:p>
@@ -11169,7 +11170,7 @@
           <a:p>
             <a:fld id="{1BF3BC5A-419B-484A-B4B9-01DF360CC01F}" type="datetimeFigureOut">
               <a:rPr lang="bg-BG" smtClean="0"/>
-              <a:t>23.5.2022 г.</a:t>
+              <a:t>24.5.2022 г.</a:t>
             </a:fld>
             <a:endParaRPr lang="bg-BG"/>
           </a:p>
@@ -12009,7 +12010,7 @@
           <a:p>
             <a:fld id="{1BF3BC5A-419B-484A-B4B9-01DF360CC01F}" type="datetimeFigureOut">
               <a:rPr lang="bg-BG" smtClean="0"/>
-              <a:t>23.5.2022 г.</a:t>
+              <a:t>24.5.2022 г.</a:t>
             </a:fld>
             <a:endParaRPr lang="bg-BG"/>
           </a:p>
@@ -12236,7 +12237,7 @@
           <a:p>
             <a:fld id="{1BF3BC5A-419B-484A-B4B9-01DF360CC01F}" type="datetimeFigureOut">
               <a:rPr lang="bg-BG" smtClean="0"/>
-              <a:t>23.5.2022 г.</a:t>
+              <a:t>24.5.2022 г.</a:t>
             </a:fld>
             <a:endParaRPr lang="bg-BG"/>
           </a:p>
@@ -13424,13 +13425,13 @@
   <p:clrMapOvr>
     <a:masterClrMapping/>
   </p:clrMapOvr>
-  <mc:AlternateContent xmlns:mc="http://schemas.openxmlformats.org/markup-compatibility/2006">
-    <mc:Choice xmlns:p14="http://schemas.microsoft.com/office/powerpoint/2010/main" Requires="p14">
+  <mc:AlternateContent xmlns:mc="http://schemas.openxmlformats.org/markup-compatibility/2006" xmlns:p14="http://schemas.microsoft.com/office/powerpoint/2010/main">
+    <mc:Choice Requires="p14">
       <p:transition spd="slow" p14:dur="1500">
         <p:split orient="vert"/>
       </p:transition>
     </mc:Choice>
-    <mc:Fallback>
+    <mc:Fallback xmlns="">
       <p:transition spd="slow">
         <p:split orient="vert"/>
       </p:transition>
@@ -13749,13 +13750,13 @@
   <p:clrMapOvr>
     <a:masterClrMapping/>
   </p:clrMapOvr>
-  <mc:AlternateContent xmlns:mc="http://schemas.openxmlformats.org/markup-compatibility/2006">
-    <mc:Choice xmlns:p14="http://schemas.microsoft.com/office/powerpoint/2010/main" Requires="p14">
+  <mc:AlternateContent xmlns:mc="http://schemas.openxmlformats.org/markup-compatibility/2006" xmlns:p14="http://schemas.microsoft.com/office/powerpoint/2010/main">
+    <mc:Choice Requires="p14">
       <p:transition spd="slow" p14:dur="1500">
         <p:split orient="vert"/>
       </p:transition>
     </mc:Choice>
-    <mc:Fallback>
+    <mc:Fallback xmlns="">
       <p:transition spd="slow">
         <p:split orient="vert"/>
       </p:transition>
@@ -13967,10 +13968,10 @@
       </p:sp>
       <p:pic>
         <p:nvPicPr>
-          <p:cNvPr id="6" name="Картина 5">
+          <p:cNvPr id="4" name="Картина 3">
             <a:extLst>
               <a:ext uri="{FF2B5EF4-FFF2-40B4-BE49-F238E27FC236}">
-                <a16:creationId xmlns:a16="http://schemas.microsoft.com/office/drawing/2014/main" id="{4F1325CF-8A3E-E1C5-989B-9B92578E8BC3}"/>
+                <a16:creationId xmlns:a16="http://schemas.microsoft.com/office/drawing/2014/main" id="{CC798637-152A-95D3-31FF-E141A7F7A269}"/>
               </a:ext>
             </a:extLst>
           </p:cNvPr>
@@ -13979,22 +13980,21 @@
           </p:cNvPicPr>
           <p:nvPr/>
         </p:nvPicPr>
-        <p:blipFill>
-          <a:blip r:embed="rId2" cstate="print">
+        <p:blipFill rotWithShape="1">
+          <a:blip r:embed="rId2">
             <a:extLst>
               <a:ext uri="{28A0092B-C50C-407E-A947-70E740481C1C}">
                 <a14:useLocalDpi xmlns:a14="http://schemas.microsoft.com/office/drawing/2010/main" val="0"/>
               </a:ext>
             </a:extLst>
           </a:blip>
-          <a:stretch>
-            <a:fillRect/>
-          </a:stretch>
+          <a:srcRect t="19545" b="4733"/>
+          <a:stretch/>
         </p:blipFill>
         <p:spPr>
           <a:xfrm>
-            <a:off x="-1" y="1945637"/>
-            <a:ext cx="12202667" cy="3662683"/>
+            <a:off x="1013053" y="1604682"/>
+            <a:ext cx="10655571" cy="4303059"/>
           </a:xfrm>
           <a:prstGeom prst="rect">
             <a:avLst/>
@@ -14036,6 +14036,159 @@
       </p:grpSpPr>
       <p:sp>
         <p:nvSpPr>
+          <p:cNvPr id="3" name="Контейнер за съдържание 2">
+            <a:extLst>
+              <a:ext uri="{FF2B5EF4-FFF2-40B4-BE49-F238E27FC236}">
+                <a16:creationId xmlns:a16="http://schemas.microsoft.com/office/drawing/2014/main" id="{E899B62E-7F55-AD88-8F5C-AF9232116EE0}"/>
+              </a:ext>
+            </a:extLst>
+          </p:cNvPr>
+          <p:cNvSpPr>
+            <a:spLocks noGrp="1"/>
+          </p:cNvSpPr>
+          <p:nvPr>
+            <p:ph idx="1"/>
+          </p:nvPr>
+        </p:nvSpPr>
+        <p:spPr/>
+        <p:txBody>
+          <a:bodyPr/>
+          <a:lstStyle/>
+          <a:p>
+            <a:endParaRPr lang="bg-BG"/>
+          </a:p>
+        </p:txBody>
+      </p:sp>
+      <p:pic>
+        <p:nvPicPr>
+          <p:cNvPr id="4" name="Картина 3">
+            <a:extLst>
+              <a:ext uri="{FF2B5EF4-FFF2-40B4-BE49-F238E27FC236}">
+                <a16:creationId xmlns:a16="http://schemas.microsoft.com/office/drawing/2014/main" id="{5CCACD1C-0E6F-D821-7D53-A8B75417806C}"/>
+              </a:ext>
+            </a:extLst>
+          </p:cNvPr>
+          <p:cNvPicPr>
+            <a:picLocks noChangeAspect="1"/>
+          </p:cNvPicPr>
+          <p:nvPr/>
+        </p:nvPicPr>
+        <p:blipFill>
+          <a:blip r:embed="rId2" cstate="print">
+            <a:extLst>
+              <a:ext uri="{28A0092B-C50C-407E-A947-70E740481C1C}">
+                <a14:useLocalDpi xmlns:a14="http://schemas.microsoft.com/office/drawing/2010/main" val="0"/>
+              </a:ext>
+            </a:extLst>
+          </a:blip>
+          <a:stretch>
+            <a:fillRect/>
+          </a:stretch>
+        </p:blipFill>
+        <p:spPr>
+          <a:xfrm>
+            <a:off x="0" y="1963566"/>
+            <a:ext cx="12202667" cy="3662683"/>
+          </a:xfrm>
+          <a:prstGeom prst="rect">
+            <a:avLst/>
+          </a:prstGeom>
+        </p:spPr>
+      </p:pic>
+      <p:sp>
+        <p:nvSpPr>
+          <p:cNvPr id="5" name="Заглавие 1">
+            <a:extLst>
+              <a:ext uri="{FF2B5EF4-FFF2-40B4-BE49-F238E27FC236}">
+                <a16:creationId xmlns:a16="http://schemas.microsoft.com/office/drawing/2014/main" id="{1441FA53-E545-40EF-10BE-949B401E7FD0}"/>
+              </a:ext>
+            </a:extLst>
+          </p:cNvPr>
+          <p:cNvSpPr>
+            <a:spLocks noGrp="1"/>
+          </p:cNvSpPr>
+          <p:nvPr>
+            <p:ph type="title"/>
+          </p:nvPr>
+        </p:nvSpPr>
+        <p:spPr>
+          <a:xfrm>
+            <a:off x="1251678" y="382385"/>
+            <a:ext cx="10178322" cy="1492132"/>
+          </a:xfrm>
+        </p:spPr>
+        <p:txBody>
+          <a:bodyPr/>
+          <a:lstStyle/>
+          <a:p>
+            <a:r>
+              <a:rPr lang="bg-BG" dirty="0">
+                <a:solidFill>
+                  <a:srgbClr val="ED213D"/>
+                </a:solidFill>
+              </a:rPr>
+              <a:t>Диаграма на </a:t>
+            </a:r>
+            <a:r>
+              <a:rPr lang="bg-BG" dirty="0" err="1">
+                <a:solidFill>
+                  <a:srgbClr val="ED213D"/>
+                </a:solidFill>
+              </a:rPr>
+              <a:t>гант</a:t>
+            </a:r>
+            <a:endParaRPr lang="bg-BG" dirty="0">
+              <a:solidFill>
+                <a:srgbClr val="ED213D"/>
+              </a:solidFill>
+            </a:endParaRPr>
+          </a:p>
+        </p:txBody>
+      </p:sp>
+    </p:spTree>
+    <p:extLst>
+      <p:ext uri="{BB962C8B-B14F-4D97-AF65-F5344CB8AC3E}">
+        <p14:creationId xmlns:p14="http://schemas.microsoft.com/office/powerpoint/2010/main" val="1626645809"/>
+      </p:ext>
+    </p:extLst>
+  </p:cSld>
+  <p:clrMapOvr>
+    <a:masterClrMapping/>
+  </p:clrMapOvr>
+  <mc:AlternateContent xmlns:mc="http://schemas.openxmlformats.org/markup-compatibility/2006">
+    <mc:Choice xmlns:p159="http://schemas.microsoft.com/office/powerpoint/2015/09/main" Requires="p159">
+      <p:transition xmlns:p14="http://schemas.microsoft.com/office/powerpoint/2010/main" spd="slow" p14:dur="2000">
+        <p159:morph option="byObject"/>
+      </p:transition>
+    </mc:Choice>
+    <mc:Fallback>
+      <p:transition spd="slow">
+        <p:fade/>
+      </p:transition>
+    </mc:Fallback>
+  </mc:AlternateContent>
+</p:sld>
+</file>
+
+<file path=ppt/slides/slide14.xml><?xml version="1.0" encoding="utf-8"?>
+<p:sld xmlns:a="http://schemas.openxmlformats.org/drawingml/2006/main" xmlns:r="http://schemas.openxmlformats.org/officeDocument/2006/relationships" xmlns:p="http://schemas.openxmlformats.org/presentationml/2006/main">
+  <p:cSld>
+    <p:spTree>
+      <p:nvGrpSpPr>
+        <p:cNvPr id="1" name=""/>
+        <p:cNvGrpSpPr/>
+        <p:nvPr/>
+      </p:nvGrpSpPr>
+      <p:grpSpPr>
+        <a:xfrm>
+          <a:off x="0" y="0"/>
+          <a:ext cx="0" cy="0"/>
+          <a:chOff x="0" y="0"/>
+          <a:chExt cx="0" cy="0"/>
+        </a:xfrm>
+      </p:grpSpPr>
+      <p:sp>
+        <p:nvSpPr>
           <p:cNvPr id="2" name="Заглавие 1">
             <a:extLst>
               <a:ext uri="{FF2B5EF4-FFF2-40B4-BE49-F238E27FC236}">
@@ -14079,31 +14232,872 @@
           </a:p>
         </p:txBody>
       </p:sp>
-      <p:sp>
-        <p:nvSpPr>
-          <p:cNvPr id="6" name="Контейнер за съдържание 5">
+      <p:pic>
+        <p:nvPicPr>
+          <p:cNvPr id="401" name="Картина 400">
             <a:extLst>
               <a:ext uri="{FF2B5EF4-FFF2-40B4-BE49-F238E27FC236}">
-                <a16:creationId xmlns:a16="http://schemas.microsoft.com/office/drawing/2014/main" id="{CA4A5912-107B-DCBB-1287-67CE9605859E}"/>
+                <a16:creationId xmlns:a16="http://schemas.microsoft.com/office/drawing/2014/main" id="{4A13092C-D079-E5D6-A56C-23812FC01A04}"/>
               </a:ext>
             </a:extLst>
           </p:cNvPr>
-          <p:cNvSpPr>
-            <a:spLocks noGrp="1"/>
-          </p:cNvSpPr>
+          <p:cNvPicPr>
+            <a:picLocks noChangeAspect="1"/>
+          </p:cNvPicPr>
+          <p:nvPr/>
+        </p:nvPicPr>
+        <p:blipFill>
+          <a:blip r:embed="rId2">
+            <a:extLst>
+              <a:ext uri="{28A0092B-C50C-407E-A947-70E740481C1C}">
+                <a14:useLocalDpi xmlns:a14="http://schemas.microsoft.com/office/drawing/2010/main" val="0"/>
+              </a:ext>
+            </a:extLst>
+          </a:blip>
+          <a:stretch>
+            <a:fillRect/>
+          </a:stretch>
+        </p:blipFill>
+        <p:spPr>
+          <a:xfrm>
+            <a:off x="964936" y="1874517"/>
+            <a:ext cx="5628904" cy="3112197"/>
+          </a:xfrm>
+          <a:prstGeom prst="rect">
+            <a:avLst/>
+          </a:prstGeom>
+        </p:spPr>
+      </p:pic>
+      <p:graphicFrame>
+        <p:nvGraphicFramePr>
+          <p:cNvPr id="402" name="Таблица 401">
+            <a:extLst>
+              <a:ext uri="{FF2B5EF4-FFF2-40B4-BE49-F238E27FC236}">
+                <a16:creationId xmlns:a16="http://schemas.microsoft.com/office/drawing/2014/main" id="{711FDB8E-83C0-2F0B-494F-AE01CB886AF3}"/>
+              </a:ext>
+            </a:extLst>
+          </p:cNvPr>
+          <p:cNvGraphicFramePr>
+            <a:graphicFrameLocks noGrp="1"/>
+          </p:cNvGraphicFramePr>
           <p:nvPr>
-            <p:ph idx="1"/>
+            <p:extLst>
+              <p:ext uri="{D42A27DB-BD31-4B8C-83A1-F6EECF244321}">
+                <p14:modId xmlns:p14="http://schemas.microsoft.com/office/powerpoint/2010/main" val="2781563324"/>
+              </p:ext>
+            </p:extLst>
           </p:nvPr>
-        </p:nvSpPr>
-        <p:spPr/>
-        <p:txBody>
-          <a:bodyPr/>
-          <a:lstStyle/>
-          <a:p>
-            <a:endParaRPr lang="bg-BG"/>
-          </a:p>
-        </p:txBody>
-      </p:sp>
+        </p:nvGraphicFramePr>
+        <p:xfrm>
+          <a:off x="6715760" y="1254070"/>
+          <a:ext cx="5090160" cy="5135742"/>
+        </p:xfrm>
+        <a:graphic>
+          <a:graphicData uri="http://schemas.openxmlformats.org/drawingml/2006/table">
+            <a:tbl>
+              <a:tblPr firstRow="1" firstCol="1" bandRow="1">
+                <a:tableStyleId>{5C22544A-7EE6-4342-B048-85BDC9FD1C3A}</a:tableStyleId>
+              </a:tblPr>
+              <a:tblGrid>
+                <a:gridCol w="842683">
+                  <a:extLst>
+                    <a:ext uri="{9D8B030D-6E8A-4147-A177-3AD203B41FA5}">
+                      <a16:colId xmlns:a16="http://schemas.microsoft.com/office/drawing/2014/main" val="1330078278"/>
+                    </a:ext>
+                  </a:extLst>
+                </a:gridCol>
+                <a:gridCol w="4247477">
+                  <a:extLst>
+                    <a:ext uri="{9D8B030D-6E8A-4147-A177-3AD203B41FA5}">
+                      <a16:colId xmlns:a16="http://schemas.microsoft.com/office/drawing/2014/main" val="2458190718"/>
+                    </a:ext>
+                  </a:extLst>
+                </a:gridCol>
+              </a:tblGrid>
+              <a:tr h="376498">
+                <a:tc>
+                  <a:txBody>
+                    <a:bodyPr/>
+                    <a:lstStyle/>
+                    <a:p>
+                      <a:pPr algn="l">
+                        <a:lnSpc>
+                          <a:spcPct val="107000"/>
+                        </a:lnSpc>
+                        <a:spcAft>
+                          <a:spcPts val="800"/>
+                        </a:spcAft>
+                      </a:pPr>
+                      <a:r>
+                        <a:rPr lang="bg-BG" sz="1400">
+                          <a:effectLst/>
+                        </a:rPr>
+                        <a:t>Събитие</a:t>
+                      </a:r>
+                      <a:endParaRPr lang="bg-BG" sz="1400">
+                        <a:effectLst/>
+                        <a:latin typeface="Calibri" panose="020F0502020204030204" pitchFamily="34" charset="0"/>
+                        <a:ea typeface="Calibri" panose="020F0502020204030204" pitchFamily="34" charset="0"/>
+                        <a:cs typeface="Times New Roman" panose="02020603050405020304" pitchFamily="18" charset="0"/>
+                      </a:endParaRPr>
+                    </a:p>
+                  </a:txBody>
+                  <a:tcPr marL="68580" marR="68580" marT="0" marB="0" anchor="ctr"/>
+                </a:tc>
+                <a:tc>
+                  <a:txBody>
+                    <a:bodyPr/>
+                    <a:lstStyle/>
+                    <a:p>
+                      <a:pPr algn="l">
+                        <a:lnSpc>
+                          <a:spcPct val="107000"/>
+                        </a:lnSpc>
+                        <a:spcAft>
+                          <a:spcPts val="800"/>
+                        </a:spcAft>
+                      </a:pPr>
+                      <a:r>
+                        <a:rPr lang="bg-BG" sz="1400" dirty="0">
+                          <a:effectLst/>
+                        </a:rPr>
+                        <a:t>Жалонна точка</a:t>
+                      </a:r>
+                      <a:endParaRPr lang="bg-BG" sz="1400" dirty="0">
+                        <a:effectLst/>
+                        <a:latin typeface="Calibri" panose="020F0502020204030204" pitchFamily="34" charset="0"/>
+                        <a:ea typeface="Calibri" panose="020F0502020204030204" pitchFamily="34" charset="0"/>
+                        <a:cs typeface="Times New Roman" panose="02020603050405020304" pitchFamily="18" charset="0"/>
+                      </a:endParaRPr>
+                    </a:p>
+                  </a:txBody>
+                  <a:tcPr marL="68580" marR="68580" marT="0" marB="0" anchor="ctr"/>
+                </a:tc>
+                <a:extLst>
+                  <a:ext uri="{0D108BD9-81ED-4DB2-BD59-A6C34878D82A}">
+                    <a16:rowId xmlns:a16="http://schemas.microsoft.com/office/drawing/2014/main" val="3355793814"/>
+                  </a:ext>
+                </a:extLst>
+              </a:tr>
+              <a:tr h="324844">
+                <a:tc>
+                  <a:txBody>
+                    <a:bodyPr/>
+                    <a:lstStyle/>
+                    <a:p>
+                      <a:pPr algn="l">
+                        <a:lnSpc>
+                          <a:spcPct val="107000"/>
+                        </a:lnSpc>
+                        <a:spcAft>
+                          <a:spcPts val="800"/>
+                        </a:spcAft>
+                      </a:pPr>
+                      <a:r>
+                        <a:rPr lang="bg-BG" sz="1400" dirty="0">
+                          <a:effectLst/>
+                        </a:rPr>
+                        <a:t>1</a:t>
+                      </a:r>
+                      <a:endParaRPr lang="bg-BG" sz="1400" dirty="0">
+                        <a:effectLst/>
+                        <a:latin typeface="Calibri" panose="020F0502020204030204" pitchFamily="34" charset="0"/>
+                        <a:ea typeface="Calibri" panose="020F0502020204030204" pitchFamily="34" charset="0"/>
+                        <a:cs typeface="Times New Roman" panose="02020603050405020304" pitchFamily="18" charset="0"/>
+                      </a:endParaRPr>
+                    </a:p>
+                  </a:txBody>
+                  <a:tcPr marL="68580" marR="68580" marT="0" marB="0" anchor="ctr"/>
+                </a:tc>
+                <a:tc>
+                  <a:txBody>
+                    <a:bodyPr/>
+                    <a:lstStyle/>
+                    <a:p>
+                      <a:pPr algn="l">
+                        <a:lnSpc>
+                          <a:spcPct val="107000"/>
+                        </a:lnSpc>
+                        <a:spcAft>
+                          <a:spcPts val="800"/>
+                        </a:spcAft>
+                      </a:pPr>
+                      <a:r>
+                        <a:rPr lang="bg-BG" sz="1400" dirty="0">
+                          <a:effectLst/>
+                        </a:rPr>
+                        <a:t>Проектът е иницииран.</a:t>
+                      </a:r>
+                      <a:endParaRPr lang="bg-BG" sz="1400" dirty="0">
+                        <a:effectLst/>
+                        <a:latin typeface="Calibri" panose="020F0502020204030204" pitchFamily="34" charset="0"/>
+                        <a:ea typeface="Calibri" panose="020F0502020204030204" pitchFamily="34" charset="0"/>
+                        <a:cs typeface="Times New Roman" panose="02020603050405020304" pitchFamily="18" charset="0"/>
+                      </a:endParaRPr>
+                    </a:p>
+                  </a:txBody>
+                  <a:tcPr marL="68580" marR="68580" marT="0" marB="0" anchor="ctr"/>
+                </a:tc>
+                <a:extLst>
+                  <a:ext uri="{0D108BD9-81ED-4DB2-BD59-A6C34878D82A}">
+                    <a16:rowId xmlns:a16="http://schemas.microsoft.com/office/drawing/2014/main" val="1688689668"/>
+                  </a:ext>
+                </a:extLst>
+              </a:tr>
+              <a:tr h="324844">
+                <a:tc>
+                  <a:txBody>
+                    <a:bodyPr/>
+                    <a:lstStyle/>
+                    <a:p>
+                      <a:pPr algn="l">
+                        <a:lnSpc>
+                          <a:spcPct val="107000"/>
+                        </a:lnSpc>
+                        <a:spcAft>
+                          <a:spcPts val="800"/>
+                        </a:spcAft>
+                      </a:pPr>
+                      <a:r>
+                        <a:rPr lang="bg-BG" sz="1400">
+                          <a:effectLst/>
+                        </a:rPr>
+                        <a:t>2</a:t>
+                      </a:r>
+                      <a:endParaRPr lang="bg-BG" sz="1400">
+                        <a:effectLst/>
+                        <a:latin typeface="Calibri" panose="020F0502020204030204" pitchFamily="34" charset="0"/>
+                        <a:ea typeface="Calibri" panose="020F0502020204030204" pitchFamily="34" charset="0"/>
+                        <a:cs typeface="Times New Roman" panose="02020603050405020304" pitchFamily="18" charset="0"/>
+                      </a:endParaRPr>
+                    </a:p>
+                  </a:txBody>
+                  <a:tcPr marL="68580" marR="68580" marT="0" marB="0" anchor="ctr"/>
+                </a:tc>
+                <a:tc>
+                  <a:txBody>
+                    <a:bodyPr/>
+                    <a:lstStyle/>
+                    <a:p>
+                      <a:pPr algn="l">
+                        <a:lnSpc>
+                          <a:spcPct val="107000"/>
+                        </a:lnSpc>
+                        <a:spcAft>
+                          <a:spcPts val="800"/>
+                        </a:spcAft>
+                      </a:pPr>
+                      <a:r>
+                        <a:rPr lang="bg-BG" sz="1400" dirty="0">
+                          <a:effectLst/>
+                        </a:rPr>
+                        <a:t>Изискванията са анализирани.</a:t>
+                      </a:r>
+                      <a:endParaRPr lang="bg-BG" sz="1400" dirty="0">
+                        <a:effectLst/>
+                        <a:latin typeface="Calibri" panose="020F0502020204030204" pitchFamily="34" charset="0"/>
+                        <a:ea typeface="Calibri" panose="020F0502020204030204" pitchFamily="34" charset="0"/>
+                        <a:cs typeface="Times New Roman" panose="02020603050405020304" pitchFamily="18" charset="0"/>
+                      </a:endParaRPr>
+                    </a:p>
+                  </a:txBody>
+                  <a:tcPr marL="68580" marR="68580" marT="0" marB="0" anchor="ctr"/>
+                </a:tc>
+                <a:extLst>
+                  <a:ext uri="{0D108BD9-81ED-4DB2-BD59-A6C34878D82A}">
+                    <a16:rowId xmlns:a16="http://schemas.microsoft.com/office/drawing/2014/main" val="999973222"/>
+                  </a:ext>
+                </a:extLst>
+              </a:tr>
+              <a:tr h="664721">
+                <a:tc>
+                  <a:txBody>
+                    <a:bodyPr/>
+                    <a:lstStyle/>
+                    <a:p>
+                      <a:pPr algn="l">
+                        <a:lnSpc>
+                          <a:spcPct val="107000"/>
+                        </a:lnSpc>
+                        <a:spcAft>
+                          <a:spcPts val="800"/>
+                        </a:spcAft>
+                      </a:pPr>
+                      <a:r>
+                        <a:rPr lang="bg-BG" sz="1400">
+                          <a:effectLst/>
+                        </a:rPr>
+                        <a:t>3</a:t>
+                      </a:r>
+                      <a:endParaRPr lang="bg-BG" sz="1400">
+                        <a:effectLst/>
+                        <a:latin typeface="Calibri" panose="020F0502020204030204" pitchFamily="34" charset="0"/>
+                        <a:ea typeface="Calibri" panose="020F0502020204030204" pitchFamily="34" charset="0"/>
+                        <a:cs typeface="Times New Roman" panose="02020603050405020304" pitchFamily="18" charset="0"/>
+                      </a:endParaRPr>
+                    </a:p>
+                  </a:txBody>
+                  <a:tcPr marL="68580" marR="68580" marT="0" marB="0" anchor="ctr"/>
+                </a:tc>
+                <a:tc>
+                  <a:txBody>
+                    <a:bodyPr/>
+                    <a:lstStyle/>
+                    <a:p>
+                      <a:pPr algn="l">
+                        <a:lnSpc>
+                          <a:spcPct val="107000"/>
+                        </a:lnSpc>
+                        <a:spcAft>
+                          <a:spcPts val="800"/>
+                        </a:spcAft>
+                      </a:pPr>
+                      <a:r>
+                        <a:rPr lang="bg-BG" sz="1400" dirty="0">
+                          <a:effectLst/>
+                        </a:rPr>
+                        <a:t>Архитектурата, програмната среда и базата данни са избрани.</a:t>
+                      </a:r>
+                      <a:endParaRPr lang="bg-BG" sz="1400" dirty="0">
+                        <a:effectLst/>
+                        <a:latin typeface="Calibri" panose="020F0502020204030204" pitchFamily="34" charset="0"/>
+                        <a:ea typeface="Calibri" panose="020F0502020204030204" pitchFamily="34" charset="0"/>
+                        <a:cs typeface="Times New Roman" panose="02020603050405020304" pitchFamily="18" charset="0"/>
+                      </a:endParaRPr>
+                    </a:p>
+                  </a:txBody>
+                  <a:tcPr marL="68580" marR="68580" marT="0" marB="0" anchor="ctr"/>
+                </a:tc>
+                <a:extLst>
+                  <a:ext uri="{0D108BD9-81ED-4DB2-BD59-A6C34878D82A}">
+                    <a16:rowId xmlns:a16="http://schemas.microsoft.com/office/drawing/2014/main" val="1684432793"/>
+                  </a:ext>
+                </a:extLst>
+              </a:tr>
+              <a:tr h="664721">
+                <a:tc>
+                  <a:txBody>
+                    <a:bodyPr/>
+                    <a:lstStyle/>
+                    <a:p>
+                      <a:pPr algn="l">
+                        <a:lnSpc>
+                          <a:spcPct val="107000"/>
+                        </a:lnSpc>
+                        <a:spcAft>
+                          <a:spcPts val="800"/>
+                        </a:spcAft>
+                      </a:pPr>
+                      <a:r>
+                        <a:rPr lang="bg-BG" sz="1400">
+                          <a:effectLst/>
+                        </a:rPr>
+                        <a:t>4</a:t>
+                      </a:r>
+                      <a:endParaRPr lang="bg-BG" sz="1400">
+                        <a:effectLst/>
+                        <a:latin typeface="Calibri" panose="020F0502020204030204" pitchFamily="34" charset="0"/>
+                        <a:ea typeface="Calibri" panose="020F0502020204030204" pitchFamily="34" charset="0"/>
+                        <a:cs typeface="Times New Roman" panose="02020603050405020304" pitchFamily="18" charset="0"/>
+                      </a:endParaRPr>
+                    </a:p>
+                  </a:txBody>
+                  <a:tcPr marL="68580" marR="68580" marT="0" marB="0" anchor="ctr"/>
+                </a:tc>
+                <a:tc>
+                  <a:txBody>
+                    <a:bodyPr/>
+                    <a:lstStyle/>
+                    <a:p>
+                      <a:pPr algn="l">
+                        <a:lnSpc>
+                          <a:spcPct val="107000"/>
+                        </a:lnSpc>
+                        <a:spcAft>
+                          <a:spcPts val="800"/>
+                        </a:spcAft>
+                      </a:pPr>
+                      <a:r>
+                        <a:rPr lang="bg-BG" sz="1400" dirty="0">
+                          <a:effectLst/>
+                        </a:rPr>
+                        <a:t>Базата данни е създадена и бизнес логиката е планирана.</a:t>
+                      </a:r>
+                      <a:endParaRPr lang="bg-BG" sz="1400" dirty="0">
+                        <a:effectLst/>
+                        <a:latin typeface="Calibri" panose="020F0502020204030204" pitchFamily="34" charset="0"/>
+                        <a:ea typeface="Calibri" panose="020F0502020204030204" pitchFamily="34" charset="0"/>
+                        <a:cs typeface="Times New Roman" panose="02020603050405020304" pitchFamily="18" charset="0"/>
+                      </a:endParaRPr>
+                    </a:p>
+                  </a:txBody>
+                  <a:tcPr marL="68580" marR="68580" marT="0" marB="0" anchor="ctr"/>
+                </a:tc>
+                <a:extLst>
+                  <a:ext uri="{0D108BD9-81ED-4DB2-BD59-A6C34878D82A}">
+                    <a16:rowId xmlns:a16="http://schemas.microsoft.com/office/drawing/2014/main" val="1503673005"/>
+                  </a:ext>
+                </a:extLst>
+              </a:tr>
+              <a:tr h="664721">
+                <a:tc>
+                  <a:txBody>
+                    <a:bodyPr/>
+                    <a:lstStyle/>
+                    <a:p>
+                      <a:pPr algn="l">
+                        <a:lnSpc>
+                          <a:spcPct val="107000"/>
+                        </a:lnSpc>
+                        <a:spcAft>
+                          <a:spcPts val="800"/>
+                        </a:spcAft>
+                      </a:pPr>
+                      <a:r>
+                        <a:rPr lang="bg-BG" sz="1400">
+                          <a:effectLst/>
+                        </a:rPr>
+                        <a:t>5</a:t>
+                      </a:r>
+                      <a:endParaRPr lang="bg-BG" sz="1400">
+                        <a:effectLst/>
+                        <a:latin typeface="Calibri" panose="020F0502020204030204" pitchFamily="34" charset="0"/>
+                        <a:ea typeface="Calibri" panose="020F0502020204030204" pitchFamily="34" charset="0"/>
+                        <a:cs typeface="Times New Roman" panose="02020603050405020304" pitchFamily="18" charset="0"/>
+                      </a:endParaRPr>
+                    </a:p>
+                  </a:txBody>
+                  <a:tcPr marL="68580" marR="68580" marT="0" marB="0" anchor="ctr"/>
+                </a:tc>
+                <a:tc>
+                  <a:txBody>
+                    <a:bodyPr/>
+                    <a:lstStyle/>
+                    <a:p>
+                      <a:pPr algn="l">
+                        <a:lnSpc>
+                          <a:spcPct val="107000"/>
+                        </a:lnSpc>
+                        <a:spcAft>
+                          <a:spcPts val="800"/>
+                        </a:spcAft>
+                      </a:pPr>
+                      <a:r>
+                        <a:rPr lang="bg-BG" sz="1400" dirty="0">
+                          <a:effectLst/>
+                        </a:rPr>
+                        <a:t>Потребителският интерфейс е планиран и бизнес логиката е създадена.</a:t>
+                      </a:r>
+                      <a:endParaRPr lang="bg-BG" sz="1400" dirty="0">
+                        <a:effectLst/>
+                        <a:latin typeface="Calibri" panose="020F0502020204030204" pitchFamily="34" charset="0"/>
+                        <a:ea typeface="Calibri" panose="020F0502020204030204" pitchFamily="34" charset="0"/>
+                        <a:cs typeface="Times New Roman" panose="02020603050405020304" pitchFamily="18" charset="0"/>
+                      </a:endParaRPr>
+                    </a:p>
+                  </a:txBody>
+                  <a:tcPr marL="68580" marR="68580" marT="0" marB="0" anchor="ctr"/>
+                </a:tc>
+                <a:extLst>
+                  <a:ext uri="{0D108BD9-81ED-4DB2-BD59-A6C34878D82A}">
+                    <a16:rowId xmlns:a16="http://schemas.microsoft.com/office/drawing/2014/main" val="1142504690"/>
+                  </a:ext>
+                </a:extLst>
+              </a:tr>
+              <a:tr h="324844">
+                <a:tc>
+                  <a:txBody>
+                    <a:bodyPr/>
+                    <a:lstStyle/>
+                    <a:p>
+                      <a:pPr algn="l">
+                        <a:lnSpc>
+                          <a:spcPct val="107000"/>
+                        </a:lnSpc>
+                        <a:spcAft>
+                          <a:spcPts val="800"/>
+                        </a:spcAft>
+                      </a:pPr>
+                      <a:r>
+                        <a:rPr lang="bg-BG" sz="1400">
+                          <a:effectLst/>
+                        </a:rPr>
+                        <a:t>6</a:t>
+                      </a:r>
+                      <a:endParaRPr lang="bg-BG" sz="1400">
+                        <a:effectLst/>
+                        <a:latin typeface="Calibri" panose="020F0502020204030204" pitchFamily="34" charset="0"/>
+                        <a:ea typeface="Calibri" panose="020F0502020204030204" pitchFamily="34" charset="0"/>
+                        <a:cs typeface="Times New Roman" panose="02020603050405020304" pitchFamily="18" charset="0"/>
+                      </a:endParaRPr>
+                    </a:p>
+                  </a:txBody>
+                  <a:tcPr marL="68580" marR="68580" marT="0" marB="0" anchor="ctr"/>
+                </a:tc>
+                <a:tc>
+                  <a:txBody>
+                    <a:bodyPr/>
+                    <a:lstStyle/>
+                    <a:p>
+                      <a:pPr algn="l">
+                        <a:lnSpc>
+                          <a:spcPct val="107000"/>
+                        </a:lnSpc>
+                        <a:spcAft>
+                          <a:spcPts val="800"/>
+                        </a:spcAft>
+                      </a:pPr>
+                      <a:r>
+                        <a:rPr lang="bg-BG" sz="1400">
+                          <a:effectLst/>
+                        </a:rPr>
+                        <a:t>Потребителският интерфейс е разработен.</a:t>
+                      </a:r>
+                      <a:endParaRPr lang="bg-BG" sz="1400">
+                        <a:effectLst/>
+                        <a:latin typeface="Calibri" panose="020F0502020204030204" pitchFamily="34" charset="0"/>
+                        <a:ea typeface="Calibri" panose="020F0502020204030204" pitchFamily="34" charset="0"/>
+                        <a:cs typeface="Times New Roman" panose="02020603050405020304" pitchFamily="18" charset="0"/>
+                      </a:endParaRPr>
+                    </a:p>
+                  </a:txBody>
+                  <a:tcPr marL="68580" marR="68580" marT="0" marB="0" anchor="ctr"/>
+                </a:tc>
+                <a:extLst>
+                  <a:ext uri="{0D108BD9-81ED-4DB2-BD59-A6C34878D82A}">
+                    <a16:rowId xmlns:a16="http://schemas.microsoft.com/office/drawing/2014/main" val="930384206"/>
+                  </a:ext>
+                </a:extLst>
+              </a:tr>
+              <a:tr h="324844">
+                <a:tc>
+                  <a:txBody>
+                    <a:bodyPr/>
+                    <a:lstStyle/>
+                    <a:p>
+                      <a:pPr algn="l">
+                        <a:lnSpc>
+                          <a:spcPct val="107000"/>
+                        </a:lnSpc>
+                        <a:spcAft>
+                          <a:spcPts val="800"/>
+                        </a:spcAft>
+                      </a:pPr>
+                      <a:r>
+                        <a:rPr lang="bg-BG" sz="1400">
+                          <a:effectLst/>
+                        </a:rPr>
+                        <a:t>7</a:t>
+                      </a:r>
+                      <a:endParaRPr lang="bg-BG" sz="1400">
+                        <a:effectLst/>
+                        <a:latin typeface="Calibri" panose="020F0502020204030204" pitchFamily="34" charset="0"/>
+                        <a:ea typeface="Calibri" panose="020F0502020204030204" pitchFamily="34" charset="0"/>
+                        <a:cs typeface="Times New Roman" panose="02020603050405020304" pitchFamily="18" charset="0"/>
+                      </a:endParaRPr>
+                    </a:p>
+                  </a:txBody>
+                  <a:tcPr marL="68580" marR="68580" marT="0" marB="0" anchor="ctr"/>
+                </a:tc>
+                <a:tc>
+                  <a:txBody>
+                    <a:bodyPr/>
+                    <a:lstStyle/>
+                    <a:p>
+                      <a:pPr algn="l">
+                        <a:lnSpc>
+                          <a:spcPct val="107000"/>
+                        </a:lnSpc>
+                        <a:spcAft>
+                          <a:spcPts val="800"/>
+                        </a:spcAft>
+                      </a:pPr>
+                      <a:r>
+                        <a:rPr lang="bg-BG" sz="1400" dirty="0">
+                          <a:effectLst/>
+                        </a:rPr>
+                        <a:t>Тестовете са разработени.</a:t>
+                      </a:r>
+                      <a:endParaRPr lang="bg-BG" sz="1400" dirty="0">
+                        <a:effectLst/>
+                        <a:latin typeface="Calibri" panose="020F0502020204030204" pitchFamily="34" charset="0"/>
+                        <a:ea typeface="Calibri" panose="020F0502020204030204" pitchFamily="34" charset="0"/>
+                        <a:cs typeface="Times New Roman" panose="02020603050405020304" pitchFamily="18" charset="0"/>
+                      </a:endParaRPr>
+                    </a:p>
+                  </a:txBody>
+                  <a:tcPr marL="68580" marR="68580" marT="0" marB="0" anchor="ctr"/>
+                </a:tc>
+                <a:extLst>
+                  <a:ext uri="{0D108BD9-81ED-4DB2-BD59-A6C34878D82A}">
+                    <a16:rowId xmlns:a16="http://schemas.microsoft.com/office/drawing/2014/main" val="230496155"/>
+                  </a:ext>
+                </a:extLst>
+              </a:tr>
+              <a:tr h="491173">
+                <a:tc>
+                  <a:txBody>
+                    <a:bodyPr/>
+                    <a:lstStyle/>
+                    <a:p>
+                      <a:pPr algn="l">
+                        <a:lnSpc>
+                          <a:spcPct val="107000"/>
+                        </a:lnSpc>
+                        <a:spcAft>
+                          <a:spcPts val="800"/>
+                        </a:spcAft>
+                      </a:pPr>
+                      <a:r>
+                        <a:rPr lang="bg-BG" sz="1400">
+                          <a:effectLst/>
+                        </a:rPr>
+                        <a:t>8</a:t>
+                      </a:r>
+                      <a:endParaRPr lang="bg-BG" sz="1400">
+                        <a:effectLst/>
+                        <a:latin typeface="Calibri" panose="020F0502020204030204" pitchFamily="34" charset="0"/>
+                        <a:ea typeface="Calibri" panose="020F0502020204030204" pitchFamily="34" charset="0"/>
+                        <a:cs typeface="Times New Roman" panose="02020603050405020304" pitchFamily="18" charset="0"/>
+                      </a:endParaRPr>
+                    </a:p>
+                  </a:txBody>
+                  <a:tcPr marL="68580" marR="68580" marT="0" marB="0" anchor="ctr"/>
+                </a:tc>
+                <a:tc>
+                  <a:txBody>
+                    <a:bodyPr/>
+                    <a:lstStyle/>
+                    <a:p>
+                      <a:pPr algn="l">
+                        <a:lnSpc>
+                          <a:spcPct val="107000"/>
+                        </a:lnSpc>
+                        <a:spcAft>
+                          <a:spcPts val="800"/>
+                        </a:spcAft>
+                      </a:pPr>
+                      <a:r>
+                        <a:rPr lang="bg-BG" sz="1400" dirty="0">
+                          <a:effectLst/>
+                        </a:rPr>
+                        <a:t>Бизнес логиката и потребителският интерфейс са тествани.</a:t>
+                      </a:r>
+                      <a:endParaRPr lang="bg-BG" sz="1400" dirty="0">
+                        <a:effectLst/>
+                        <a:latin typeface="Calibri" panose="020F0502020204030204" pitchFamily="34" charset="0"/>
+                        <a:ea typeface="Calibri" panose="020F0502020204030204" pitchFamily="34" charset="0"/>
+                        <a:cs typeface="Times New Roman" panose="02020603050405020304" pitchFamily="18" charset="0"/>
+                      </a:endParaRPr>
+                    </a:p>
+                  </a:txBody>
+                  <a:tcPr marL="68580" marR="68580" marT="0" marB="0" anchor="ctr"/>
+                </a:tc>
+                <a:extLst>
+                  <a:ext uri="{0D108BD9-81ED-4DB2-BD59-A6C34878D82A}">
+                    <a16:rowId xmlns:a16="http://schemas.microsoft.com/office/drawing/2014/main" val="705156316"/>
+                  </a:ext>
+                </a:extLst>
+              </a:tr>
+              <a:tr h="324844">
+                <a:tc>
+                  <a:txBody>
+                    <a:bodyPr/>
+                    <a:lstStyle/>
+                    <a:p>
+                      <a:pPr algn="l">
+                        <a:lnSpc>
+                          <a:spcPct val="107000"/>
+                        </a:lnSpc>
+                        <a:spcAft>
+                          <a:spcPts val="800"/>
+                        </a:spcAft>
+                      </a:pPr>
+                      <a:r>
+                        <a:rPr lang="bg-BG" sz="1400">
+                          <a:effectLst/>
+                        </a:rPr>
+                        <a:t>9</a:t>
+                      </a:r>
+                      <a:endParaRPr lang="bg-BG" sz="1400">
+                        <a:effectLst/>
+                        <a:latin typeface="Calibri" panose="020F0502020204030204" pitchFamily="34" charset="0"/>
+                        <a:ea typeface="Calibri" panose="020F0502020204030204" pitchFamily="34" charset="0"/>
+                        <a:cs typeface="Times New Roman" panose="02020603050405020304" pitchFamily="18" charset="0"/>
+                      </a:endParaRPr>
+                    </a:p>
+                  </a:txBody>
+                  <a:tcPr marL="68580" marR="68580" marT="0" marB="0" anchor="ctr"/>
+                </a:tc>
+                <a:tc>
+                  <a:txBody>
+                    <a:bodyPr/>
+                    <a:lstStyle/>
+                    <a:p>
+                      <a:pPr algn="l">
+                        <a:lnSpc>
+                          <a:spcPct val="107000"/>
+                        </a:lnSpc>
+                        <a:spcAft>
+                          <a:spcPts val="800"/>
+                        </a:spcAft>
+                      </a:pPr>
+                      <a:r>
+                        <a:rPr lang="bg-BG" sz="1400" dirty="0">
+                          <a:effectLst/>
+                        </a:rPr>
+                        <a:t>Интегрирането е завършено.</a:t>
+                      </a:r>
+                      <a:endParaRPr lang="bg-BG" sz="1400" dirty="0">
+                        <a:effectLst/>
+                        <a:latin typeface="Calibri" panose="020F0502020204030204" pitchFamily="34" charset="0"/>
+                        <a:ea typeface="Calibri" panose="020F0502020204030204" pitchFamily="34" charset="0"/>
+                        <a:cs typeface="Times New Roman" panose="02020603050405020304" pitchFamily="18" charset="0"/>
+                      </a:endParaRPr>
+                    </a:p>
+                  </a:txBody>
+                  <a:tcPr marL="68580" marR="68580" marT="0" marB="0" anchor="ctr"/>
+                </a:tc>
+                <a:extLst>
+                  <a:ext uri="{0D108BD9-81ED-4DB2-BD59-A6C34878D82A}">
+                    <a16:rowId xmlns:a16="http://schemas.microsoft.com/office/drawing/2014/main" val="4289554839"/>
+                  </a:ext>
+                </a:extLst>
+              </a:tr>
+              <a:tr h="324844">
+                <a:tc>
+                  <a:txBody>
+                    <a:bodyPr/>
+                    <a:lstStyle/>
+                    <a:p>
+                      <a:pPr algn="l">
+                        <a:lnSpc>
+                          <a:spcPct val="107000"/>
+                        </a:lnSpc>
+                        <a:spcAft>
+                          <a:spcPts val="800"/>
+                        </a:spcAft>
+                      </a:pPr>
+                      <a:r>
+                        <a:rPr lang="bg-BG" sz="1400">
+                          <a:effectLst/>
+                        </a:rPr>
+                        <a:t>10</a:t>
+                      </a:r>
+                      <a:endParaRPr lang="bg-BG" sz="1400">
+                        <a:effectLst/>
+                        <a:latin typeface="Calibri" panose="020F0502020204030204" pitchFamily="34" charset="0"/>
+                        <a:ea typeface="Calibri" panose="020F0502020204030204" pitchFamily="34" charset="0"/>
+                        <a:cs typeface="Times New Roman" panose="02020603050405020304" pitchFamily="18" charset="0"/>
+                      </a:endParaRPr>
+                    </a:p>
+                  </a:txBody>
+                  <a:tcPr marL="68580" marR="68580" marT="0" marB="0" anchor="ctr"/>
+                </a:tc>
+                <a:tc>
+                  <a:txBody>
+                    <a:bodyPr/>
+                    <a:lstStyle/>
+                    <a:p>
+                      <a:pPr algn="l">
+                        <a:lnSpc>
+                          <a:spcPct val="107000"/>
+                        </a:lnSpc>
+                        <a:spcAft>
+                          <a:spcPts val="800"/>
+                        </a:spcAft>
+                      </a:pPr>
+                      <a:r>
+                        <a:rPr lang="bg-BG" sz="1400" dirty="0">
+                          <a:effectLst/>
+                        </a:rPr>
+                        <a:t>Техническата документация е завършена.</a:t>
+                      </a:r>
+                      <a:endParaRPr lang="bg-BG" sz="1400" dirty="0">
+                        <a:effectLst/>
+                        <a:latin typeface="Calibri" panose="020F0502020204030204" pitchFamily="34" charset="0"/>
+                        <a:ea typeface="Calibri" panose="020F0502020204030204" pitchFamily="34" charset="0"/>
+                        <a:cs typeface="Times New Roman" panose="02020603050405020304" pitchFamily="18" charset="0"/>
+                      </a:endParaRPr>
+                    </a:p>
+                  </a:txBody>
+                  <a:tcPr marL="68580" marR="68580" marT="0" marB="0" anchor="ctr"/>
+                </a:tc>
+                <a:extLst>
+                  <a:ext uri="{0D108BD9-81ED-4DB2-BD59-A6C34878D82A}">
+                    <a16:rowId xmlns:a16="http://schemas.microsoft.com/office/drawing/2014/main" val="3331373190"/>
+                  </a:ext>
+                </a:extLst>
+              </a:tr>
+              <a:tr h="324844">
+                <a:tc>
+                  <a:txBody>
+                    <a:bodyPr/>
+                    <a:lstStyle/>
+                    <a:p>
+                      <a:pPr algn="l">
+                        <a:lnSpc>
+                          <a:spcPct val="107000"/>
+                        </a:lnSpc>
+                        <a:spcAft>
+                          <a:spcPts val="800"/>
+                        </a:spcAft>
+                      </a:pPr>
+                      <a:r>
+                        <a:rPr lang="bg-BG" sz="1400" dirty="0">
+                          <a:effectLst/>
+                        </a:rPr>
+                        <a:t>11</a:t>
+                      </a:r>
+                      <a:endParaRPr lang="bg-BG" sz="1400" dirty="0">
+                        <a:effectLst/>
+                        <a:latin typeface="Calibri" panose="020F0502020204030204" pitchFamily="34" charset="0"/>
+                        <a:ea typeface="Calibri" panose="020F0502020204030204" pitchFamily="34" charset="0"/>
+                        <a:cs typeface="Times New Roman" panose="02020603050405020304" pitchFamily="18" charset="0"/>
+                      </a:endParaRPr>
+                    </a:p>
+                  </a:txBody>
+                  <a:tcPr marL="68580" marR="68580" marT="0" marB="0" anchor="ctr"/>
+                </a:tc>
+                <a:tc>
+                  <a:txBody>
+                    <a:bodyPr/>
+                    <a:lstStyle/>
+                    <a:p>
+                      <a:pPr algn="l">
+                        <a:lnSpc>
+                          <a:spcPct val="107000"/>
+                        </a:lnSpc>
+                        <a:spcAft>
+                          <a:spcPts val="800"/>
+                        </a:spcAft>
+                      </a:pPr>
+                      <a:r>
+                        <a:rPr lang="bg-BG" sz="1400" dirty="0">
+                          <a:effectLst/>
+                        </a:rPr>
+                        <a:t>Потребителската документация е завършена.</a:t>
+                      </a:r>
+                      <a:endParaRPr lang="bg-BG" sz="1400" dirty="0">
+                        <a:effectLst/>
+                        <a:latin typeface="Calibri" panose="020F0502020204030204" pitchFamily="34" charset="0"/>
+                        <a:ea typeface="Calibri" panose="020F0502020204030204" pitchFamily="34" charset="0"/>
+                        <a:cs typeface="Times New Roman" panose="02020603050405020304" pitchFamily="18" charset="0"/>
+                      </a:endParaRPr>
+                    </a:p>
+                  </a:txBody>
+                  <a:tcPr marL="68580" marR="68580" marT="0" marB="0" anchor="ctr"/>
+                </a:tc>
+                <a:extLst>
+                  <a:ext uri="{0D108BD9-81ED-4DB2-BD59-A6C34878D82A}">
+                    <a16:rowId xmlns:a16="http://schemas.microsoft.com/office/drawing/2014/main" val="2517150187"/>
+                  </a:ext>
+                </a:extLst>
+              </a:tr>
+            </a:tbl>
+          </a:graphicData>
+        </a:graphic>
+      </p:graphicFrame>
     </p:spTree>
     <p:extLst>
       <p:ext uri="{BB962C8B-B14F-4D97-AF65-F5344CB8AC3E}">
@@ -14117,10 +15111,223 @@
   <p:transition spd="med">
     <p:pull/>
   </p:transition>
+  <p:timing>
+    <p:tnLst>
+      <p:par>
+        <p:cTn id="1" dur="indefinite" restart="never" nodeType="tmRoot">
+          <p:childTnLst>
+            <p:seq concurrent="1" nextAc="seek">
+              <p:cTn id="2" dur="indefinite" nodeType="mainSeq">
+                <p:childTnLst>
+                  <p:par>
+                    <p:cTn id="3" fill="hold">
+                      <p:stCondLst>
+                        <p:cond delay="indefinite"/>
+                        <p:cond evt="onBegin" delay="0">
+                          <p:tn val="2"/>
+                        </p:cond>
+                      </p:stCondLst>
+                      <p:childTnLst>
+                        <p:par>
+                          <p:cTn id="4" fill="hold">
+                            <p:stCondLst>
+                              <p:cond delay="0"/>
+                            </p:stCondLst>
+                            <p:childTnLst>
+                              <p:par>
+                                <p:cTn id="5" presetID="42" presetClass="entr" presetSubtype="0" fill="hold" nodeType="afterEffect">
+                                  <p:stCondLst>
+                                    <p:cond delay="0"/>
+                                  </p:stCondLst>
+                                  <p:childTnLst>
+                                    <p:set>
+                                      <p:cBhvr>
+                                        <p:cTn id="6" dur="1" fill="hold">
+                                          <p:stCondLst>
+                                            <p:cond delay="0"/>
+                                          </p:stCondLst>
+                                        </p:cTn>
+                                        <p:tgtEl>
+                                          <p:spTgt spid="401"/>
+                                        </p:tgtEl>
+                                        <p:attrNameLst>
+                                          <p:attrName>style.visibility</p:attrName>
+                                        </p:attrNameLst>
+                                      </p:cBhvr>
+                                      <p:to>
+                                        <p:strVal val="visible"/>
+                                      </p:to>
+                                    </p:set>
+                                    <p:animEffect transition="in" filter="fade">
+                                      <p:cBhvr>
+                                        <p:cTn id="7" dur="1000"/>
+                                        <p:tgtEl>
+                                          <p:spTgt spid="401"/>
+                                        </p:tgtEl>
+                                      </p:cBhvr>
+                                    </p:animEffect>
+                                    <p:anim calcmode="lin" valueType="num">
+                                      <p:cBhvr>
+                                        <p:cTn id="8" dur="1000" fill="hold"/>
+                                        <p:tgtEl>
+                                          <p:spTgt spid="401"/>
+                                        </p:tgtEl>
+                                        <p:attrNameLst>
+                                          <p:attrName>ppt_x</p:attrName>
+                                        </p:attrNameLst>
+                                      </p:cBhvr>
+                                      <p:tavLst>
+                                        <p:tav tm="0">
+                                          <p:val>
+                                            <p:strVal val="#ppt_x"/>
+                                          </p:val>
+                                        </p:tav>
+                                        <p:tav tm="100000">
+                                          <p:val>
+                                            <p:strVal val="#ppt_x"/>
+                                          </p:val>
+                                        </p:tav>
+                                      </p:tavLst>
+                                    </p:anim>
+                                    <p:anim calcmode="lin" valueType="num">
+                                      <p:cBhvr>
+                                        <p:cTn id="9" dur="1000" fill="hold"/>
+                                        <p:tgtEl>
+                                          <p:spTgt spid="401"/>
+                                        </p:tgtEl>
+                                        <p:attrNameLst>
+                                          <p:attrName>ppt_y</p:attrName>
+                                        </p:attrNameLst>
+                                      </p:cBhvr>
+                                      <p:tavLst>
+                                        <p:tav tm="0">
+                                          <p:val>
+                                            <p:strVal val="#ppt_y+.1"/>
+                                          </p:val>
+                                        </p:tav>
+                                        <p:tav tm="100000">
+                                          <p:val>
+                                            <p:strVal val="#ppt_y"/>
+                                          </p:val>
+                                        </p:tav>
+                                      </p:tavLst>
+                                    </p:anim>
+                                  </p:childTnLst>
+                                </p:cTn>
+                              </p:par>
+                              <p:par>
+                                <p:cTn id="10" presetID="47" presetClass="entr" presetSubtype="0" fill="hold" nodeType="withEffect">
+                                  <p:stCondLst>
+                                    <p:cond delay="0"/>
+                                  </p:stCondLst>
+                                  <p:childTnLst>
+                                    <p:set>
+                                      <p:cBhvr>
+                                        <p:cTn id="11" dur="1" fill="hold">
+                                          <p:stCondLst>
+                                            <p:cond delay="0"/>
+                                          </p:stCondLst>
+                                        </p:cTn>
+                                        <p:tgtEl>
+                                          <p:spTgt spid="402"/>
+                                        </p:tgtEl>
+                                        <p:attrNameLst>
+                                          <p:attrName>style.visibility</p:attrName>
+                                        </p:attrNameLst>
+                                      </p:cBhvr>
+                                      <p:to>
+                                        <p:strVal val="visible"/>
+                                      </p:to>
+                                    </p:set>
+                                    <p:animEffect transition="in" filter="fade">
+                                      <p:cBhvr>
+                                        <p:cTn id="12" dur="1000"/>
+                                        <p:tgtEl>
+                                          <p:spTgt spid="402"/>
+                                        </p:tgtEl>
+                                      </p:cBhvr>
+                                    </p:animEffect>
+                                    <p:anim calcmode="lin" valueType="num">
+                                      <p:cBhvr>
+                                        <p:cTn id="13" dur="1000" fill="hold"/>
+                                        <p:tgtEl>
+                                          <p:spTgt spid="402"/>
+                                        </p:tgtEl>
+                                        <p:attrNameLst>
+                                          <p:attrName>ppt_x</p:attrName>
+                                        </p:attrNameLst>
+                                      </p:cBhvr>
+                                      <p:tavLst>
+                                        <p:tav tm="0">
+                                          <p:val>
+                                            <p:strVal val="#ppt_x"/>
+                                          </p:val>
+                                        </p:tav>
+                                        <p:tav tm="100000">
+                                          <p:val>
+                                            <p:strVal val="#ppt_x"/>
+                                          </p:val>
+                                        </p:tav>
+                                      </p:tavLst>
+                                    </p:anim>
+                                    <p:anim calcmode="lin" valueType="num">
+                                      <p:cBhvr>
+                                        <p:cTn id="14" dur="1000" fill="hold"/>
+                                        <p:tgtEl>
+                                          <p:spTgt spid="402"/>
+                                        </p:tgtEl>
+                                        <p:attrNameLst>
+                                          <p:attrName>ppt_y</p:attrName>
+                                        </p:attrNameLst>
+                                      </p:cBhvr>
+                                      <p:tavLst>
+                                        <p:tav tm="0">
+                                          <p:val>
+                                            <p:strVal val="#ppt_y-.1"/>
+                                          </p:val>
+                                        </p:tav>
+                                        <p:tav tm="100000">
+                                          <p:val>
+                                            <p:strVal val="#ppt_y"/>
+                                          </p:val>
+                                        </p:tav>
+                                      </p:tavLst>
+                                    </p:anim>
+                                  </p:childTnLst>
+                                </p:cTn>
+                              </p:par>
+                            </p:childTnLst>
+                          </p:cTn>
+                        </p:par>
+                      </p:childTnLst>
+                    </p:cTn>
+                  </p:par>
+                </p:childTnLst>
+              </p:cTn>
+              <p:prevCondLst>
+                <p:cond evt="onPrev" delay="0">
+                  <p:tgtEl>
+                    <p:sldTgt/>
+                  </p:tgtEl>
+                </p:cond>
+              </p:prevCondLst>
+              <p:nextCondLst>
+                <p:cond evt="onNext" delay="0">
+                  <p:tgtEl>
+                    <p:sldTgt/>
+                  </p:tgtEl>
+                </p:cond>
+              </p:nextCondLst>
+            </p:seq>
+          </p:childTnLst>
+        </p:cTn>
+      </p:par>
+    </p:tnLst>
+  </p:timing>
 </p:sld>
 </file>
 
-<file path=ppt/slides/slide14.xml><?xml version="1.0" encoding="utf-8"?>
+<file path=ppt/slides/slide15.xml><?xml version="1.0" encoding="utf-8"?>
 <p:sld xmlns:a="http://schemas.openxmlformats.org/drawingml/2006/main" xmlns:r="http://schemas.openxmlformats.org/officeDocument/2006/relationships" xmlns:p="http://schemas.openxmlformats.org/presentationml/2006/main">
   <p:cSld>
     <p:spTree>
@@ -14540,7 +15747,7 @@
 </p:sld>
 </file>
 
-<file path=ppt/slides/slide15.xml><?xml version="1.0" encoding="utf-8"?>
+<file path=ppt/slides/slide16.xml><?xml version="1.0" encoding="utf-8"?>
 <p:sld xmlns:a="http://schemas.openxmlformats.org/drawingml/2006/main" xmlns:r="http://schemas.openxmlformats.org/officeDocument/2006/relationships" xmlns:p="http://schemas.openxmlformats.org/presentationml/2006/main">
   <p:cSld>
     <p:spTree>
@@ -16085,13 +17292,13 @@
   <p:clrMapOvr>
     <a:masterClrMapping/>
   </p:clrMapOvr>
-  <mc:AlternateContent xmlns:mc="http://schemas.openxmlformats.org/markup-compatibility/2006">
-    <mc:Choice xmlns:p14="http://schemas.microsoft.com/office/powerpoint/2010/main" Requires="p14">
+  <mc:AlternateContent xmlns:mc="http://schemas.openxmlformats.org/markup-compatibility/2006" xmlns:p14="http://schemas.microsoft.com/office/powerpoint/2010/main">
+    <mc:Choice Requires="p14">
       <p:transition spd="slow" p14:dur="1250">
         <p14:reveal/>
       </p:transition>
     </mc:Choice>
-    <mc:Fallback>
+    <mc:Fallback xmlns="">
       <p:transition spd="slow">
         <p:fade/>
       </p:transition>
@@ -16224,7 +17431,7 @@
 </p:sld>
 </file>
 
-<file path=ppt/slides/slide16.xml><?xml version="1.0" encoding="utf-8"?>
+<file path=ppt/slides/slide17.xml><?xml version="1.0" encoding="utf-8"?>
 <p:sld xmlns:a="http://schemas.openxmlformats.org/drawingml/2006/main" xmlns:r="http://schemas.openxmlformats.org/officeDocument/2006/relationships" xmlns:p="http://schemas.openxmlformats.org/presentationml/2006/main">
   <p:cSld>
     <p:spTree>
@@ -16464,13 +17671,13 @@
   <p:clrMapOvr>
     <a:masterClrMapping/>
   </p:clrMapOvr>
-  <mc:AlternateContent xmlns:mc="http://schemas.openxmlformats.org/markup-compatibility/2006">
-    <mc:Choice xmlns:p14="http://schemas.microsoft.com/office/powerpoint/2010/main" Requires="p14">
+  <mc:AlternateContent xmlns:mc="http://schemas.openxmlformats.org/markup-compatibility/2006" xmlns:p14="http://schemas.microsoft.com/office/powerpoint/2010/main">
+    <mc:Choice Requires="p14">
       <p:transition spd="slow" p14:dur="1600">
         <p14:prism isContent="1" isInverted="1"/>
       </p:transition>
     </mc:Choice>
-    <mc:Fallback>
+    <mc:Fallback xmlns="">
       <p:transition spd="slow">
         <p:fade/>
       </p:transition>
@@ -16987,7 +18194,7 @@
 </p:sld>
 </file>
 
-<file path=ppt/slides/slide17.xml><?xml version="1.0" encoding="utf-8"?>
+<file path=ppt/slides/slide18.xml><?xml version="1.0" encoding="utf-8"?>
 <p:sld xmlns:a="http://schemas.openxmlformats.org/drawingml/2006/main" xmlns:r="http://schemas.openxmlformats.org/officeDocument/2006/relationships" xmlns:p="http://schemas.openxmlformats.org/presentationml/2006/main">
   <p:cSld>
     <p:spTree>
@@ -17293,13 +18500,13 @@
   <p:clrMapOvr>
     <a:masterClrMapping/>
   </p:clrMapOvr>
-  <mc:AlternateContent xmlns:mc="http://schemas.openxmlformats.org/markup-compatibility/2006">
-    <mc:Choice xmlns:p14="http://schemas.microsoft.com/office/powerpoint/2010/main" Requires="p14">
+  <mc:AlternateContent xmlns:mc="http://schemas.openxmlformats.org/markup-compatibility/2006" xmlns:p14="http://schemas.microsoft.com/office/powerpoint/2010/main">
+    <mc:Choice Requires="p14">
       <p:transition spd="slow" p14:dur="800">
         <p:circle/>
       </p:transition>
     </mc:Choice>
-    <mc:Fallback>
+    <mc:Fallback xmlns="">
       <p:transition spd="slow">
         <p:circle/>
       </p:transition>
@@ -17438,7 +18645,7 @@
 </p:sld>
 </file>
 
-<file path=ppt/slides/slide18.xml><?xml version="1.0" encoding="utf-8"?>
+<file path=ppt/slides/slide19.xml><?xml version="1.0" encoding="utf-8"?>
 <p:sld xmlns:a="http://schemas.openxmlformats.org/drawingml/2006/main" xmlns:r="http://schemas.openxmlformats.org/officeDocument/2006/relationships" xmlns:p="http://schemas.openxmlformats.org/presentationml/2006/main">
   <p:cSld>
     <p:spTree>
@@ -17633,116 +18840,6 @@
 </p:sld>
 </file>
 
-<file path=ppt/slides/slide19.xml><?xml version="1.0" encoding="utf-8"?>
-<p:sld xmlns:a="http://schemas.openxmlformats.org/drawingml/2006/main" xmlns:r="http://schemas.openxmlformats.org/officeDocument/2006/relationships" xmlns:p="http://schemas.openxmlformats.org/presentationml/2006/main">
-  <p:cSld>
-    <p:spTree>
-      <p:nvGrpSpPr>
-        <p:cNvPr id="1" name=""/>
-        <p:cNvGrpSpPr/>
-        <p:nvPr/>
-      </p:nvGrpSpPr>
-      <p:grpSpPr>
-        <a:xfrm>
-          <a:off x="0" y="0"/>
-          <a:ext cx="0" cy="0"/>
-          <a:chOff x="0" y="0"/>
-          <a:chExt cx="0" cy="0"/>
-        </a:xfrm>
-      </p:grpSpPr>
-      <p:sp>
-        <p:nvSpPr>
-          <p:cNvPr id="2" name="Заглавие 1">
-            <a:extLst>
-              <a:ext uri="{FF2B5EF4-FFF2-40B4-BE49-F238E27FC236}">
-                <a16:creationId xmlns:a16="http://schemas.microsoft.com/office/drawing/2014/main" id="{179F32FD-0866-DF4A-F4C6-B74ADD7DD5F0}"/>
-              </a:ext>
-            </a:extLst>
-          </p:cNvPr>
-          <p:cNvSpPr>
-            <a:spLocks noGrp="1"/>
-          </p:cNvSpPr>
-          <p:nvPr>
-            <p:ph type="title"/>
-          </p:nvPr>
-        </p:nvSpPr>
-        <p:spPr/>
-        <p:txBody>
-          <a:bodyPr/>
-          <a:lstStyle/>
-          <a:p>
-            <a:r>
-              <a:rPr lang="bg-BG" dirty="0">
-                <a:solidFill>
-                  <a:srgbClr val="ED213D"/>
-                </a:solidFill>
-              </a:rPr>
-              <a:t>Профил на риска</a:t>
-            </a:r>
-          </a:p>
-        </p:txBody>
-      </p:sp>
-      <p:pic>
-        <p:nvPicPr>
-          <p:cNvPr id="4" name="Картина 3">
-            <a:extLst>
-              <a:ext uri="{FF2B5EF4-FFF2-40B4-BE49-F238E27FC236}">
-                <a16:creationId xmlns:a16="http://schemas.microsoft.com/office/drawing/2014/main" id="{599F8ED2-092B-C933-D65E-BD3E1D941FAA}"/>
-              </a:ext>
-            </a:extLst>
-          </p:cNvPr>
-          <p:cNvPicPr>
-            <a:picLocks noChangeAspect="1"/>
-          </p:cNvPicPr>
-          <p:nvPr/>
-        </p:nvPicPr>
-        <p:blipFill>
-          <a:blip r:embed="rId2" cstate="print">
-            <a:extLst>
-              <a:ext uri="{28A0092B-C50C-407E-A947-70E740481C1C}">
-                <a14:useLocalDpi xmlns:a14="http://schemas.microsoft.com/office/drawing/2010/main" val="0"/>
-              </a:ext>
-            </a:extLst>
-          </a:blip>
-          <a:stretch>
-            <a:fillRect/>
-          </a:stretch>
-        </p:blipFill>
-        <p:spPr>
-          <a:xfrm>
-            <a:off x="1931962" y="1330960"/>
-            <a:ext cx="9008360" cy="5144655"/>
-          </a:xfrm>
-          <a:prstGeom prst="rect">
-            <a:avLst/>
-          </a:prstGeom>
-        </p:spPr>
-      </p:pic>
-    </p:spTree>
-    <p:extLst>
-      <p:ext uri="{BB962C8B-B14F-4D97-AF65-F5344CB8AC3E}">
-        <p14:creationId xmlns:p14="http://schemas.microsoft.com/office/powerpoint/2010/main" val="827052758"/>
-      </p:ext>
-    </p:extLst>
-  </p:cSld>
-  <p:clrMapOvr>
-    <a:masterClrMapping/>
-  </p:clrMapOvr>
-  <mc:AlternateContent xmlns:mc="http://schemas.openxmlformats.org/markup-compatibility/2006">
-    <mc:Choice xmlns:p14="http://schemas.microsoft.com/office/powerpoint/2010/main" Requires="p14">
-      <p:transition spd="slow" p14:dur="1400">
-        <p14:doors dir="vert"/>
-      </p:transition>
-    </mc:Choice>
-    <mc:Fallback>
-      <p:transition spd="slow">
-        <p:fade/>
-      </p:transition>
-    </mc:Fallback>
-  </mc:AlternateContent>
-</p:sld>
-</file>
-
 <file path=ppt/slides/slide2.xml><?xml version="1.0" encoding="utf-8"?>
 <p:sld xmlns:a="http://schemas.openxmlformats.org/drawingml/2006/main" xmlns:r="http://schemas.openxmlformats.org/officeDocument/2006/relationships" xmlns:p="http://schemas.openxmlformats.org/presentationml/2006/main">
   <p:cSld>
@@ -18449,6 +19546,116 @@
                   <a:srgbClr val="ED213D"/>
                 </a:solidFill>
               </a:rPr>
+              <a:t>Профил на риска</a:t>
+            </a:r>
+          </a:p>
+        </p:txBody>
+      </p:sp>
+      <p:pic>
+        <p:nvPicPr>
+          <p:cNvPr id="4" name="Картина 3">
+            <a:extLst>
+              <a:ext uri="{FF2B5EF4-FFF2-40B4-BE49-F238E27FC236}">
+                <a16:creationId xmlns:a16="http://schemas.microsoft.com/office/drawing/2014/main" id="{599F8ED2-092B-C933-D65E-BD3E1D941FAA}"/>
+              </a:ext>
+            </a:extLst>
+          </p:cNvPr>
+          <p:cNvPicPr>
+            <a:picLocks noChangeAspect="1"/>
+          </p:cNvPicPr>
+          <p:nvPr/>
+        </p:nvPicPr>
+        <p:blipFill>
+          <a:blip r:embed="rId2" cstate="print">
+            <a:extLst>
+              <a:ext uri="{28A0092B-C50C-407E-A947-70E740481C1C}">
+                <a14:useLocalDpi xmlns:a14="http://schemas.microsoft.com/office/drawing/2010/main" val="0"/>
+              </a:ext>
+            </a:extLst>
+          </a:blip>
+          <a:stretch>
+            <a:fillRect/>
+          </a:stretch>
+        </p:blipFill>
+        <p:spPr>
+          <a:xfrm>
+            <a:off x="1931962" y="1330960"/>
+            <a:ext cx="9008360" cy="5144655"/>
+          </a:xfrm>
+          <a:prstGeom prst="rect">
+            <a:avLst/>
+          </a:prstGeom>
+        </p:spPr>
+      </p:pic>
+    </p:spTree>
+    <p:extLst>
+      <p:ext uri="{BB962C8B-B14F-4D97-AF65-F5344CB8AC3E}">
+        <p14:creationId xmlns:p14="http://schemas.microsoft.com/office/powerpoint/2010/main" val="827052758"/>
+      </p:ext>
+    </p:extLst>
+  </p:cSld>
+  <p:clrMapOvr>
+    <a:masterClrMapping/>
+  </p:clrMapOvr>
+  <mc:AlternateContent xmlns:mc="http://schemas.openxmlformats.org/markup-compatibility/2006" xmlns:p14="http://schemas.microsoft.com/office/powerpoint/2010/main">
+    <mc:Choice Requires="p14">
+      <p:transition spd="slow" p14:dur="1400">
+        <p14:doors dir="vert"/>
+      </p:transition>
+    </mc:Choice>
+    <mc:Fallback xmlns="">
+      <p:transition spd="slow">
+        <p:fade/>
+      </p:transition>
+    </mc:Fallback>
+  </mc:AlternateContent>
+</p:sld>
+</file>
+
+<file path=ppt/slides/slide21.xml><?xml version="1.0" encoding="utf-8"?>
+<p:sld xmlns:a="http://schemas.openxmlformats.org/drawingml/2006/main" xmlns:r="http://schemas.openxmlformats.org/officeDocument/2006/relationships" xmlns:p="http://schemas.openxmlformats.org/presentationml/2006/main">
+  <p:cSld>
+    <p:spTree>
+      <p:nvGrpSpPr>
+        <p:cNvPr id="1" name=""/>
+        <p:cNvGrpSpPr/>
+        <p:nvPr/>
+      </p:nvGrpSpPr>
+      <p:grpSpPr>
+        <a:xfrm>
+          <a:off x="0" y="0"/>
+          <a:ext cx="0" cy="0"/>
+          <a:chOff x="0" y="0"/>
+          <a:chExt cx="0" cy="0"/>
+        </a:xfrm>
+      </p:grpSpPr>
+      <p:sp>
+        <p:nvSpPr>
+          <p:cNvPr id="2" name="Заглавие 1">
+            <a:extLst>
+              <a:ext uri="{FF2B5EF4-FFF2-40B4-BE49-F238E27FC236}">
+                <a16:creationId xmlns:a16="http://schemas.microsoft.com/office/drawing/2014/main" id="{179F32FD-0866-DF4A-F4C6-B74ADD7DD5F0}"/>
+              </a:ext>
+            </a:extLst>
+          </p:cNvPr>
+          <p:cNvSpPr>
+            <a:spLocks noGrp="1"/>
+          </p:cNvSpPr>
+          <p:nvPr>
+            <p:ph type="title"/>
+          </p:nvPr>
+        </p:nvSpPr>
+        <p:spPr/>
+        <p:txBody>
+          <a:bodyPr/>
+          <a:lstStyle/>
+          <a:p>
+            <a:r>
+              <a:rPr lang="bg-BG" dirty="0">
+                <a:solidFill>
+                  <a:srgbClr val="ED213D"/>
+                </a:solidFill>
+              </a:rPr>
               <a:t>Начален екран</a:t>
             </a:r>
           </a:p>
@@ -18501,7 +19708,7 @@
 </p:sld>
 </file>
 
-<file path=ppt/slides/slide21.xml><?xml version="1.0" encoding="utf-8"?>
+<file path=ppt/slides/slide22.xml><?xml version="1.0" encoding="utf-8"?>
 <p:sld xmlns:a="http://schemas.openxmlformats.org/drawingml/2006/main" xmlns:r="http://schemas.openxmlformats.org/officeDocument/2006/relationships" xmlns:p="http://schemas.openxmlformats.org/presentationml/2006/main">
   <p:cSld>
     <p:spTree>
@@ -18626,7 +19833,7 @@
 </p:sld>
 </file>
 
-<file path=ppt/slides/slide22.xml><?xml version="1.0" encoding="utf-8"?>
+<file path=ppt/slides/slide23.xml><?xml version="1.0" encoding="utf-8"?>
 <p:sld xmlns:a="http://schemas.openxmlformats.org/drawingml/2006/main" xmlns:r="http://schemas.openxmlformats.org/officeDocument/2006/relationships" xmlns:p="http://schemas.openxmlformats.org/presentationml/2006/main">
   <p:cSld>
     <p:spTree>
@@ -18721,7 +19928,7 @@
 </p:sld>
 </file>
 
-<file path=ppt/slides/slide23.xml><?xml version="1.0" encoding="utf-8"?>
+<file path=ppt/slides/slide24.xml><?xml version="1.0" encoding="utf-8"?>
 <p:sld xmlns:a="http://schemas.openxmlformats.org/drawingml/2006/main" xmlns:r="http://schemas.openxmlformats.org/officeDocument/2006/relationships" xmlns:p="http://schemas.openxmlformats.org/presentationml/2006/main">
   <p:cSld>
     <p:spTree>
@@ -18845,7 +20052,7 @@
 </p:sld>
 </file>
 
-<file path=ppt/slides/slide24.xml><?xml version="1.0" encoding="utf-8"?>
+<file path=ppt/slides/slide25.xml><?xml version="1.0" encoding="utf-8"?>
 <p:sld xmlns:a="http://schemas.openxmlformats.org/drawingml/2006/main" xmlns:r="http://schemas.openxmlformats.org/officeDocument/2006/relationships" xmlns:p="http://schemas.openxmlformats.org/presentationml/2006/main">
   <p:cSld>
     <p:spTree>
@@ -19045,13 +20252,13 @@
   <p:clrMapOvr>
     <a:masterClrMapping/>
   </p:clrMapOvr>
-  <mc:AlternateContent xmlns:mc="http://schemas.openxmlformats.org/markup-compatibility/2006">
-    <mc:Choice xmlns:p14="http://schemas.microsoft.com/office/powerpoint/2010/main" Requires="p14">
+  <mc:AlternateContent xmlns:mc="http://schemas.openxmlformats.org/markup-compatibility/2006" xmlns:p14="http://schemas.microsoft.com/office/powerpoint/2010/main">
+    <mc:Choice Requires="p14">
       <p:transition spd="slow">
         <p14:pan dir="u"/>
       </p:transition>
     </mc:Choice>
-    <mc:Fallback>
+    <mc:Fallback xmlns="">
       <p:transition spd="slow">
         <p:fade/>
       </p:transition>
@@ -20091,13 +21298,13 @@
   <p:clrMapOvr>
     <a:masterClrMapping/>
   </p:clrMapOvr>
-  <mc:AlternateContent xmlns:mc="http://schemas.openxmlformats.org/markup-compatibility/2006">
-    <mc:Choice xmlns:p14="http://schemas.microsoft.com/office/powerpoint/2010/main" Requires="p14">
+  <mc:AlternateContent xmlns:mc="http://schemas.openxmlformats.org/markup-compatibility/2006" xmlns:p14="http://schemas.microsoft.com/office/powerpoint/2010/main">
+    <mc:Choice Requires="p14">
       <p:transition spd="med" p14:dur="700">
         <p:fade/>
       </p:transition>
     </mc:Choice>
-    <mc:Fallback>
+    <mc:Fallback xmlns="">
       <p:transition spd="med">
         <p:fade/>
       </p:transition>
@@ -20996,13 +22203,13 @@
   <p:clrMapOvr>
     <a:masterClrMapping/>
   </p:clrMapOvr>
-  <mc:AlternateContent xmlns:mc="http://schemas.openxmlformats.org/markup-compatibility/2006">
-    <mc:Choice xmlns:p14="http://schemas.microsoft.com/office/powerpoint/2010/main" Requires="p14">
+  <mc:AlternateContent xmlns:mc="http://schemas.openxmlformats.org/markup-compatibility/2006" xmlns:p14="http://schemas.microsoft.com/office/powerpoint/2010/main">
+    <mc:Choice Requires="p14">
       <p:transition spd="slow" p14:dur="1500">
         <p14:reveal/>
       </p:transition>
     </mc:Choice>
-    <mc:Fallback>
+    <mc:Fallback xmlns="">
       <p:transition spd="slow">
         <p:fade/>
       </p:transition>
@@ -22333,13 +23540,13 @@
   <p:clrMapOvr>
     <a:masterClrMapping/>
   </p:clrMapOvr>
-  <mc:AlternateContent xmlns:mc="http://schemas.openxmlformats.org/markup-compatibility/2006">
-    <mc:Choice xmlns:p159="http://schemas.microsoft.com/office/powerpoint/2015/09/main" Requires="p159">
+  <mc:AlternateContent xmlns:mc="http://schemas.openxmlformats.org/markup-compatibility/2006" xmlns:p159="http://schemas.microsoft.com/office/powerpoint/2015/09/main">
+    <mc:Choice Requires="p159">
       <p:transition xmlns:p14="http://schemas.microsoft.com/office/powerpoint/2010/main" spd="slow" p14:dur="1500">
         <p159:morph option="byObject"/>
       </p:transition>
     </mc:Choice>
-    <mc:Fallback>
+    <mc:Fallback xmlns="">
       <p:transition spd="slow">
         <p:fade/>
       </p:transition>
@@ -22458,55 +23665,86 @@
             <p:ph type="title"/>
           </p:nvPr>
         </p:nvSpPr>
-        <p:spPr/>
+        <p:spPr>
+          <a:xfrm>
+            <a:off x="1251678" y="382385"/>
+            <a:ext cx="10523762" cy="1492132"/>
+          </a:xfrm>
+        </p:spPr>
         <p:txBody>
           <a:bodyPr/>
           <a:lstStyle/>
           <a:p>
-            <a:r>
-              <a:rPr lang="bg-BG" dirty="0" err="1">
-                <a:solidFill>
-                  <a:srgbClr val="ED213D"/>
-                </a:solidFill>
-              </a:rPr>
-              <a:t>Скрийншот</a:t>
-            </a:r>
             <a:r>
               <a:rPr lang="bg-BG" dirty="0">
                 <a:solidFill>
                   <a:srgbClr val="ED213D"/>
                 </a:solidFill>
               </a:rPr>
-              <a:t> контрол на версиите</a:t>
+              <a:t>Система за контрол на версиите</a:t>
             </a:r>
           </a:p>
         </p:txBody>
       </p:sp>
-      <p:sp>
-        <p:nvSpPr>
-          <p:cNvPr id="3" name="Контейнер за съдържание 2">
+      <p:pic>
+        <p:nvPicPr>
+          <p:cNvPr id="7" name="Картина 6">
             <a:extLst>
               <a:ext uri="{FF2B5EF4-FFF2-40B4-BE49-F238E27FC236}">
-                <a16:creationId xmlns:a16="http://schemas.microsoft.com/office/drawing/2014/main" id="{2A8BFA13-0DDB-F3BB-6139-AA7DFA822DA1}"/>
+                <a16:creationId xmlns:a16="http://schemas.microsoft.com/office/drawing/2014/main" id="{7CF6F1A1-2F7C-8884-B360-E38EBB45D5A9}"/>
               </a:ext>
             </a:extLst>
           </p:cNvPr>
-          <p:cNvSpPr>
-            <a:spLocks noGrp="1"/>
-          </p:cNvSpPr>
-          <p:nvPr>
-            <p:ph idx="1"/>
-          </p:nvPr>
-        </p:nvSpPr>
-        <p:spPr/>
-        <p:txBody>
-          <a:bodyPr/>
-          <a:lstStyle/>
-          <a:p>
-            <a:endParaRPr lang="bg-BG" dirty="0"/>
-          </a:p>
-        </p:txBody>
-      </p:sp>
+          <p:cNvPicPr>
+            <a:picLocks noChangeAspect="1"/>
+          </p:cNvPicPr>
+          <p:nvPr/>
+        </p:nvPicPr>
+        <p:blipFill rotWithShape="1">
+          <a:blip r:embed="rId2"/>
+          <a:srcRect t="18736"/>
+          <a:stretch/>
+        </p:blipFill>
+        <p:spPr>
+          <a:xfrm>
+            <a:off x="2219317" y="1402080"/>
+            <a:ext cx="8588484" cy="2520499"/>
+          </a:xfrm>
+          <a:prstGeom prst="rect">
+            <a:avLst/>
+          </a:prstGeom>
+        </p:spPr>
+      </p:pic>
+      <p:pic>
+        <p:nvPicPr>
+          <p:cNvPr id="8" name="Картина 7">
+            <a:extLst>
+              <a:ext uri="{FF2B5EF4-FFF2-40B4-BE49-F238E27FC236}">
+                <a16:creationId xmlns:a16="http://schemas.microsoft.com/office/drawing/2014/main" id="{9EDD3504-5003-CF25-9D22-B229154A7395}"/>
+              </a:ext>
+            </a:extLst>
+          </p:cNvPr>
+          <p:cNvPicPr>
+            <a:picLocks noChangeAspect="1"/>
+          </p:cNvPicPr>
+          <p:nvPr/>
+        </p:nvPicPr>
+        <p:blipFill>
+          <a:blip r:embed="rId3"/>
+          <a:stretch>
+            <a:fillRect/>
+          </a:stretch>
+        </p:blipFill>
+        <p:spPr>
+          <a:xfrm>
+            <a:off x="2586468" y="2022531"/>
+            <a:ext cx="7854182" cy="4588495"/>
+          </a:xfrm>
+          <a:prstGeom prst="rect">
+            <a:avLst/>
+          </a:prstGeom>
+        </p:spPr>
+      </p:pic>
     </p:spTree>
     <p:extLst>
       <p:ext uri="{BB962C8B-B14F-4D97-AF65-F5344CB8AC3E}">
@@ -22517,18 +23755,233 @@
   <p:clrMapOvr>
     <a:masterClrMapping/>
   </p:clrMapOvr>
-  <mc:AlternateContent xmlns:mc="http://schemas.openxmlformats.org/markup-compatibility/2006">
-    <mc:Choice xmlns:p14="http://schemas.microsoft.com/office/powerpoint/2010/main" Requires="p14">
+  <mc:AlternateContent xmlns:mc="http://schemas.openxmlformats.org/markup-compatibility/2006" xmlns:p14="http://schemas.microsoft.com/office/powerpoint/2010/main">
+    <mc:Choice Requires="p14">
       <p:transition spd="slow" p14:dur="1500">
         <p:split orient="vert"/>
       </p:transition>
     </mc:Choice>
-    <mc:Fallback>
+    <mc:Fallback xmlns="">
       <p:transition spd="slow">
         <p:split orient="vert"/>
       </p:transition>
     </mc:Fallback>
   </mc:AlternateContent>
+  <p:timing>
+    <p:tnLst>
+      <p:par>
+        <p:cTn id="1" dur="indefinite" restart="never" nodeType="tmRoot">
+          <p:childTnLst>
+            <p:seq concurrent="1" nextAc="seek">
+              <p:cTn id="2" dur="indefinite" nodeType="mainSeq">
+                <p:childTnLst>
+                  <p:par>
+                    <p:cTn id="3" fill="hold">
+                      <p:stCondLst>
+                        <p:cond delay="indefinite"/>
+                        <p:cond evt="onBegin" delay="0">
+                          <p:tn val="2"/>
+                        </p:cond>
+                      </p:stCondLst>
+                      <p:childTnLst>
+                        <p:par>
+                          <p:cTn id="4" fill="hold">
+                            <p:stCondLst>
+                              <p:cond delay="0"/>
+                            </p:stCondLst>
+                            <p:childTnLst>
+                              <p:par>
+                                <p:cTn id="5" presetID="2" presetClass="entr" presetSubtype="9" fill="hold" nodeType="afterEffect">
+                                  <p:stCondLst>
+                                    <p:cond delay="0"/>
+                                  </p:stCondLst>
+                                  <p:childTnLst>
+                                    <p:set>
+                                      <p:cBhvr>
+                                        <p:cTn id="6" dur="1" fill="hold">
+                                          <p:stCondLst>
+                                            <p:cond delay="0"/>
+                                          </p:stCondLst>
+                                        </p:cTn>
+                                        <p:tgtEl>
+                                          <p:spTgt spid="7"/>
+                                        </p:tgtEl>
+                                        <p:attrNameLst>
+                                          <p:attrName>style.visibility</p:attrName>
+                                        </p:attrNameLst>
+                                      </p:cBhvr>
+                                      <p:to>
+                                        <p:strVal val="visible"/>
+                                      </p:to>
+                                    </p:set>
+                                    <p:anim calcmode="lin" valueType="num">
+                                      <p:cBhvr additive="base">
+                                        <p:cTn id="7" dur="500" fill="hold"/>
+                                        <p:tgtEl>
+                                          <p:spTgt spid="7"/>
+                                        </p:tgtEl>
+                                        <p:attrNameLst>
+                                          <p:attrName>ppt_x</p:attrName>
+                                        </p:attrNameLst>
+                                      </p:cBhvr>
+                                      <p:tavLst>
+                                        <p:tav tm="0">
+                                          <p:val>
+                                            <p:strVal val="0-#ppt_w/2"/>
+                                          </p:val>
+                                        </p:tav>
+                                        <p:tav tm="100000">
+                                          <p:val>
+                                            <p:strVal val="#ppt_x"/>
+                                          </p:val>
+                                        </p:tav>
+                                      </p:tavLst>
+                                    </p:anim>
+                                    <p:anim calcmode="lin" valueType="num">
+                                      <p:cBhvr additive="base">
+                                        <p:cTn id="8" dur="500" fill="hold"/>
+                                        <p:tgtEl>
+                                          <p:spTgt spid="7"/>
+                                        </p:tgtEl>
+                                        <p:attrNameLst>
+                                          <p:attrName>ppt_y</p:attrName>
+                                        </p:attrNameLst>
+                                      </p:cBhvr>
+                                      <p:tavLst>
+                                        <p:tav tm="0">
+                                          <p:val>
+                                            <p:strVal val="0-#ppt_h/2"/>
+                                          </p:val>
+                                        </p:tav>
+                                        <p:tav tm="100000">
+                                          <p:val>
+                                            <p:strVal val="#ppt_y"/>
+                                          </p:val>
+                                        </p:tav>
+                                      </p:tavLst>
+                                    </p:anim>
+                                  </p:childTnLst>
+                                </p:cTn>
+                              </p:par>
+                            </p:childTnLst>
+                          </p:cTn>
+                        </p:par>
+                      </p:childTnLst>
+                    </p:cTn>
+                  </p:par>
+                  <p:par>
+                    <p:cTn id="9" fill="hold">
+                      <p:stCondLst>
+                        <p:cond delay="indefinite"/>
+                      </p:stCondLst>
+                      <p:childTnLst>
+                        <p:par>
+                          <p:cTn id="10" fill="hold">
+                            <p:stCondLst>
+                              <p:cond delay="0"/>
+                            </p:stCondLst>
+                            <p:childTnLst>
+                              <p:par>
+                                <p:cTn id="11" presetID="2" presetClass="entr" presetSubtype="6" fill="hold" nodeType="clickEffect">
+                                  <p:stCondLst>
+                                    <p:cond delay="0"/>
+                                  </p:stCondLst>
+                                  <p:childTnLst>
+                                    <p:set>
+                                      <p:cBhvr>
+                                        <p:cTn id="12" dur="1" fill="hold">
+                                          <p:stCondLst>
+                                            <p:cond delay="0"/>
+                                          </p:stCondLst>
+                                        </p:cTn>
+                                        <p:tgtEl>
+                                          <p:spTgt spid="8"/>
+                                        </p:tgtEl>
+                                        <p:attrNameLst>
+                                          <p:attrName>style.visibility</p:attrName>
+                                        </p:attrNameLst>
+                                      </p:cBhvr>
+                                      <p:to>
+                                        <p:strVal val="visible"/>
+                                      </p:to>
+                                    </p:set>
+                                    <p:anim calcmode="lin" valueType="num">
+                                      <p:cBhvr additive="base">
+                                        <p:cTn id="13" dur="500" fill="hold"/>
+                                        <p:tgtEl>
+                                          <p:spTgt spid="8"/>
+                                        </p:tgtEl>
+                                        <p:attrNameLst>
+                                          <p:attrName>ppt_x</p:attrName>
+                                        </p:attrNameLst>
+                                      </p:cBhvr>
+                                      <p:tavLst>
+                                        <p:tav tm="0">
+                                          <p:val>
+                                            <p:strVal val="1+#ppt_w/2"/>
+                                          </p:val>
+                                        </p:tav>
+                                        <p:tav tm="100000">
+                                          <p:val>
+                                            <p:strVal val="#ppt_x"/>
+                                          </p:val>
+                                        </p:tav>
+                                      </p:tavLst>
+                                    </p:anim>
+                                    <p:anim calcmode="lin" valueType="num">
+                                      <p:cBhvr additive="base">
+                                        <p:cTn id="14" dur="500" fill="hold"/>
+                                        <p:tgtEl>
+                                          <p:spTgt spid="8"/>
+                                        </p:tgtEl>
+                                        <p:attrNameLst>
+                                          <p:attrName>ppt_y</p:attrName>
+                                        </p:attrNameLst>
+                                      </p:cBhvr>
+                                      <p:tavLst>
+                                        <p:tav tm="0">
+                                          <p:val>
+                                            <p:strVal val="1+#ppt_h/2"/>
+                                          </p:val>
+                                        </p:tav>
+                                        <p:tav tm="100000">
+                                          <p:val>
+                                            <p:strVal val="#ppt_y"/>
+                                          </p:val>
+                                        </p:tav>
+                                      </p:tavLst>
+                                    </p:anim>
+                                  </p:childTnLst>
+                                </p:cTn>
+                              </p:par>
+                            </p:childTnLst>
+                          </p:cTn>
+                        </p:par>
+                      </p:childTnLst>
+                    </p:cTn>
+                  </p:par>
+                </p:childTnLst>
+              </p:cTn>
+              <p:prevCondLst>
+                <p:cond evt="onPrev" delay="0">
+                  <p:tgtEl>
+                    <p:sldTgt/>
+                  </p:tgtEl>
+                </p:cond>
+              </p:prevCondLst>
+              <p:nextCondLst>
+                <p:cond evt="onNext" delay="0">
+                  <p:tgtEl>
+                    <p:sldTgt/>
+                  </p:tgtEl>
+                </p:cond>
+              </p:nextCondLst>
+            </p:seq>
+          </p:childTnLst>
+        </p:cTn>
+      </p:par>
+    </p:tnLst>
+  </p:timing>
 </p:sld>
 </file>
 
